--- a/umt-training-course/doc/f1-1_introduction.pptx
+++ b/umt-training-course/doc/f1-1_introduction.pptx
@@ -3,17 +3,544 @@
 <p:presentation xmlns:a="http://schemas.openxmlformats.org/drawingml/2006/main" xmlns:p="http://schemas.openxmlformats.org/presentationml/2006/main" xmlns:r="http://schemas.openxmlformats.org/officeDocument/2006/relationships" xmlns:p14="http://schemas.microsoft.com/office/powerpoint/2010/main" xmlns:p15="http://schemas.microsoft.com/office/powerpoint/2012/main" xmlns:mc="http://schemas.openxmlformats.org/markup-compatibility/2006">
   <p:sldMasterIdLst>
     <p:sldMasterId id="2147483648" r:id="rId2"/>
+    <p:sldMasterId id="2147483661" r:id="rId3"/>
   </p:sldMasterIdLst>
+  <p:notesMasterIdLst>
+    <p:notesMasterId r:id="rId4"/>
+  </p:notesMasterIdLst>
   <p:sldIdLst>
-    <p:sldId id="256" r:id="rId3"/>
-    <p:sldId id="257" r:id="rId4"/>
-    <p:sldId id="258" r:id="rId5"/>
-    <p:sldId id="259" r:id="rId6"/>
-    <p:sldId id="260" r:id="rId7"/>
+    <p:sldId id="256" r:id="rId5"/>
+    <p:sldId id="257" r:id="rId6"/>
+    <p:sldId id="258" r:id="rId7"/>
+    <p:sldId id="259" r:id="rId8"/>
   </p:sldIdLst>
   <p:sldSz cx="10080625" cy="7559675"/>
   <p:notesSz cx="7559675" cy="10691812"/>
 </p:presentation>
+</file>
+
+<file path=ppt/notesMasters/notesMaster1.xml><?xml version="1.0" encoding="utf-8"?>
+<p:notesMaster xmlns:a="http://schemas.openxmlformats.org/drawingml/2006/main" xmlns:p="http://schemas.openxmlformats.org/presentationml/2006/main" xmlns:r="http://schemas.openxmlformats.org/officeDocument/2006/relationships" xmlns:p14="http://schemas.microsoft.com/office/powerpoint/2010/main" xmlns:p15="http://schemas.microsoft.com/office/powerpoint/2012/main" xmlns:mc="http://schemas.openxmlformats.org/markup-compatibility/2006">
+  <p:cSld>
+    <p:spTree>
+      <p:nvGrpSpPr>
+        <p:cNvPr id="1" name=""/>
+        <p:cNvGrpSpPr/>
+        <p:nvPr/>
+      </p:nvGrpSpPr>
+      <p:grpSpPr>
+        <a:xfrm>
+          <a:off x="0" y="0"/>
+          <a:ext cx="0" cy="0"/>
+          <a:chOff x="0" y="0"/>
+          <a:chExt cx="0" cy="0"/>
+        </a:xfrm>
+      </p:grpSpPr>
+      <p:sp>
+        <p:nvSpPr>
+          <p:cNvPr id="79" name="PlaceHolder 1"/>
+          <p:cNvSpPr>
+            <a:spLocks noGrp="1"/>
+          </p:cNvSpPr>
+          <p:nvPr>
+            <p:ph type="body"/>
+          </p:nvPr>
+        </p:nvSpPr>
+        <p:spPr>
+          <a:xfrm>
+            <a:off x="756000" y="5078520"/>
+            <a:ext cx="6047640" cy="4811040"/>
+          </a:xfrm>
+          <a:prstGeom prst="rect">
+            <a:avLst/>
+          </a:prstGeom>
+        </p:spPr>
+        <p:txBody>
+          <a:bodyPr lIns="0" rIns="0" tIns="0" bIns="0"/>
+          <a:p>
+            <a:r>
+              <a:rPr b="0" lang="en-GB" sz="2000" spc="-1" strike="noStrike">
+                <a:solidFill>
+                  <a:srgbClr val="000000"/>
+                </a:solidFill>
+                <a:uFill>
+                  <a:solidFill>
+                    <a:srgbClr val="ffffff"/>
+                  </a:solidFill>
+                </a:uFill>
+                <a:latin typeface="Arial"/>
+              </a:rPr>
+              <a:t>Cliquez pour modifier le format des notes</a:t>
+            </a:r>
+            <a:endParaRPr b="0" lang="en-GB" sz="2000" spc="-1" strike="noStrike">
+              <a:solidFill>
+                <a:srgbClr val="000000"/>
+              </a:solidFill>
+              <a:uFill>
+                <a:solidFill>
+                  <a:srgbClr val="ffffff"/>
+                </a:solidFill>
+              </a:uFill>
+              <a:latin typeface="Arial"/>
+            </a:endParaRPr>
+          </a:p>
+        </p:txBody>
+      </p:sp>
+      <p:sp>
+        <p:nvSpPr>
+          <p:cNvPr id="80" name="PlaceHolder 2"/>
+          <p:cNvSpPr>
+            <a:spLocks noGrp="1"/>
+          </p:cNvSpPr>
+          <p:nvPr>
+            <p:ph type="hdr"/>
+          </p:nvPr>
+        </p:nvSpPr>
+        <p:spPr>
+          <a:xfrm>
+            <a:off x="0" y="0"/>
+            <a:ext cx="3280680" cy="534240"/>
+          </a:xfrm>
+          <a:prstGeom prst="rect">
+            <a:avLst/>
+          </a:prstGeom>
+        </p:spPr>
+        <p:txBody>
+          <a:bodyPr lIns="0" rIns="0" tIns="0" bIns="0"/>
+          <a:p>
+            <a:r>
+              <a:rPr b="0" lang="en-GB" sz="1400" spc="-1" strike="noStrike">
+                <a:solidFill>
+                  <a:srgbClr val="000000"/>
+                </a:solidFill>
+                <a:uFill>
+                  <a:solidFill>
+                    <a:srgbClr val="ffffff"/>
+                  </a:solidFill>
+                </a:uFill>
+                <a:latin typeface="Times New Roman"/>
+              </a:rPr>
+              <a:t>&lt;en-tête&gt;</a:t>
+            </a:r>
+            <a:endParaRPr b="0" lang="en-GB" sz="1400" spc="-1" strike="noStrike">
+              <a:solidFill>
+                <a:srgbClr val="000000"/>
+              </a:solidFill>
+              <a:uFill>
+                <a:solidFill>
+                  <a:srgbClr val="ffffff"/>
+                </a:solidFill>
+              </a:uFill>
+              <a:latin typeface="Times New Roman"/>
+            </a:endParaRPr>
+          </a:p>
+        </p:txBody>
+      </p:sp>
+      <p:sp>
+        <p:nvSpPr>
+          <p:cNvPr id="81" name="PlaceHolder 3"/>
+          <p:cNvSpPr>
+            <a:spLocks noGrp="1"/>
+          </p:cNvSpPr>
+          <p:nvPr>
+            <p:ph type="dt"/>
+          </p:nvPr>
+        </p:nvSpPr>
+        <p:spPr>
+          <a:xfrm>
+            <a:off x="4278960" y="0"/>
+            <a:ext cx="3280680" cy="534240"/>
+          </a:xfrm>
+          <a:prstGeom prst="rect">
+            <a:avLst/>
+          </a:prstGeom>
+        </p:spPr>
+        <p:txBody>
+          <a:bodyPr lIns="0" rIns="0" tIns="0" bIns="0"/>
+          <a:p>
+            <a:pPr algn="r"/>
+            <a:r>
+              <a:rPr b="0" lang="en-GB" sz="1400" spc="-1" strike="noStrike">
+                <a:solidFill>
+                  <a:srgbClr val="000000"/>
+                </a:solidFill>
+                <a:uFill>
+                  <a:solidFill>
+                    <a:srgbClr val="ffffff"/>
+                  </a:solidFill>
+                </a:uFill>
+                <a:latin typeface="Times New Roman"/>
+              </a:rPr>
+              <a:t>&lt;date/heure&gt;</a:t>
+            </a:r>
+            <a:endParaRPr b="0" lang="en-GB" sz="1400" spc="-1" strike="noStrike">
+              <a:solidFill>
+                <a:srgbClr val="000000"/>
+              </a:solidFill>
+              <a:uFill>
+                <a:solidFill>
+                  <a:srgbClr val="ffffff"/>
+                </a:solidFill>
+              </a:uFill>
+              <a:latin typeface="Times New Roman"/>
+            </a:endParaRPr>
+          </a:p>
+        </p:txBody>
+      </p:sp>
+      <p:sp>
+        <p:nvSpPr>
+          <p:cNvPr id="82" name="PlaceHolder 4"/>
+          <p:cNvSpPr>
+            <a:spLocks noGrp="1"/>
+          </p:cNvSpPr>
+          <p:nvPr>
+            <p:ph type="ftr"/>
+          </p:nvPr>
+        </p:nvSpPr>
+        <p:spPr>
+          <a:xfrm>
+            <a:off x="0" y="10157400"/>
+            <a:ext cx="3280680" cy="534240"/>
+          </a:xfrm>
+          <a:prstGeom prst="rect">
+            <a:avLst/>
+          </a:prstGeom>
+        </p:spPr>
+        <p:txBody>
+          <a:bodyPr lIns="0" rIns="0" tIns="0" bIns="0" anchor="b"/>
+          <a:p>
+            <a:r>
+              <a:rPr b="0" lang="en-GB" sz="1400" spc="-1" strike="noStrike">
+                <a:solidFill>
+                  <a:srgbClr val="000000"/>
+                </a:solidFill>
+                <a:uFill>
+                  <a:solidFill>
+                    <a:srgbClr val="ffffff"/>
+                  </a:solidFill>
+                </a:uFill>
+                <a:latin typeface="Times New Roman"/>
+              </a:rPr>
+              <a:t>&lt;pied de page&gt;</a:t>
+            </a:r>
+            <a:endParaRPr b="0" lang="en-GB" sz="1400" spc="-1" strike="noStrike">
+              <a:solidFill>
+                <a:srgbClr val="000000"/>
+              </a:solidFill>
+              <a:uFill>
+                <a:solidFill>
+                  <a:srgbClr val="ffffff"/>
+                </a:solidFill>
+              </a:uFill>
+              <a:latin typeface="Times New Roman"/>
+            </a:endParaRPr>
+          </a:p>
+        </p:txBody>
+      </p:sp>
+      <p:sp>
+        <p:nvSpPr>
+          <p:cNvPr id="83" name="PlaceHolder 5"/>
+          <p:cNvSpPr>
+            <a:spLocks noGrp="1"/>
+          </p:cNvSpPr>
+          <p:nvPr>
+            <p:ph type="sldNum"/>
+          </p:nvPr>
+        </p:nvSpPr>
+        <p:spPr>
+          <a:xfrm>
+            <a:off x="4278960" y="10157400"/>
+            <a:ext cx="3280680" cy="534240"/>
+          </a:xfrm>
+          <a:prstGeom prst="rect">
+            <a:avLst/>
+          </a:prstGeom>
+        </p:spPr>
+        <p:txBody>
+          <a:bodyPr lIns="0" rIns="0" tIns="0" bIns="0" anchor="b"/>
+          <a:p>
+            <a:pPr algn="r"/>
+            <a:fld id="{EE79F9BA-7A85-4B0B-9DD0-34BDCD9CED95}" type="slidenum">
+              <a:rPr b="0" lang="en-GB" sz="1400" spc="-1" strike="noStrike">
+                <a:solidFill>
+                  <a:srgbClr val="000000"/>
+                </a:solidFill>
+                <a:uFill>
+                  <a:solidFill>
+                    <a:srgbClr val="ffffff"/>
+                  </a:solidFill>
+                </a:uFill>
+                <a:latin typeface="Times New Roman"/>
+              </a:rPr>
+              <a:t>&lt;numéro&gt;</a:t>
+            </a:fld>
+            <a:endParaRPr b="0" lang="en-GB" sz="1400" spc="-1" strike="noStrike">
+              <a:solidFill>
+                <a:srgbClr val="000000"/>
+              </a:solidFill>
+              <a:uFill>
+                <a:solidFill>
+                  <a:srgbClr val="ffffff"/>
+                </a:solidFill>
+              </a:uFill>
+              <a:latin typeface="Times New Roman"/>
+            </a:endParaRPr>
+          </a:p>
+        </p:txBody>
+      </p:sp>
+    </p:spTree>
+  </p:cSld>
+  <p:clrMap bg1="lt1" bg2="lt2" tx1="dk1" tx2="dk2" accent1="accent1" accent2="accent2" accent3="accent3" accent4="accent4" accent5="accent5" accent6="accent6" hlink="hlink" folHlink="folHlink"/>
+</p:notesMaster>
+</file>
+
+<file path=ppt/notesSlides/notesSlide2.xml><?xml version="1.0" encoding="utf-8"?>
+<p:notes xmlns:a="http://schemas.openxmlformats.org/drawingml/2006/main" xmlns:p="http://schemas.openxmlformats.org/presentationml/2006/main" xmlns:r="http://schemas.openxmlformats.org/officeDocument/2006/relationships" xmlns:p14="http://schemas.microsoft.com/office/powerpoint/2010/main" xmlns:p15="http://schemas.microsoft.com/office/powerpoint/2012/main" xmlns:mc="http://schemas.openxmlformats.org/markup-compatibility/2006">
+  <p:cSld>
+    <p:spTree>
+      <p:nvGrpSpPr>
+        <p:cNvPr id="1" name=""/>
+        <p:cNvGrpSpPr/>
+        <p:nvPr/>
+      </p:nvGrpSpPr>
+      <p:grpSpPr>
+        <a:xfrm>
+          <a:off x="0" y="0"/>
+          <a:ext cx="0" cy="0"/>
+          <a:chOff x="0" y="0"/>
+          <a:chExt cx="0" cy="0"/>
+        </a:xfrm>
+      </p:grpSpPr>
+      <p:sp>
+        <p:nvSpPr>
+          <p:cNvPr id="98" name="CustomShape 1"/>
+          <p:cNvSpPr/>
+          <p:nvPr/>
+        </p:nvSpPr>
+        <p:spPr>
+          <a:xfrm>
+            <a:off x="4282200" y="10155600"/>
+            <a:ext cx="3274920" cy="534960"/>
+          </a:xfrm>
+          <a:prstGeom prst="rect">
+            <a:avLst/>
+          </a:prstGeom>
+          <a:noFill/>
+          <a:ln>
+            <a:noFill/>
+          </a:ln>
+        </p:spPr>
+        <p:style>
+          <a:lnRef idx="0"/>
+          <a:fillRef idx="0"/>
+          <a:effectRef idx="0"/>
+          <a:fontRef idx="minor"/>
+        </p:style>
+        <p:txBody>
+          <a:bodyPr lIns="90000" rIns="90000" tIns="45000" bIns="45000" anchor="b"/>
+          <a:p>
+            <a:pPr algn="r">
+              <a:lnSpc>
+                <a:spcPct val="100000"/>
+              </a:lnSpc>
+            </a:pPr>
+            <a:fld id="{B394091C-97A6-4BA8-B08E-BE7F0D877C76}" type="slidenum">
+              <a:rPr b="0" lang="en-GB" sz="1200" spc="-1" strike="noStrike">
+                <a:solidFill>
+                  <a:srgbClr val="000000"/>
+                </a:solidFill>
+                <a:uFill>
+                  <a:solidFill>
+                    <a:srgbClr val="ffffff"/>
+                  </a:solidFill>
+                </a:uFill>
+                <a:latin typeface="Times New Roman"/>
+              </a:rPr>
+              <a:t>&lt;numéro&gt;</a:t>
+            </a:fld>
+            <a:endParaRPr b="0" lang="en-GB" sz="1800" spc="-1" strike="noStrike">
+              <a:solidFill>
+                <a:srgbClr val="000000"/>
+              </a:solidFill>
+              <a:uFill>
+                <a:solidFill>
+                  <a:srgbClr val="ffffff"/>
+                </a:solidFill>
+              </a:uFill>
+              <a:latin typeface="Arial"/>
+            </a:endParaRPr>
+          </a:p>
+        </p:txBody>
+      </p:sp>
+    </p:spTree>
+  </p:cSld>
+</p:notes>
+</file>
+
+<file path=ppt/notesSlides/notesSlide3.xml><?xml version="1.0" encoding="utf-8"?>
+<p:notes xmlns:a="http://schemas.openxmlformats.org/drawingml/2006/main" xmlns:p="http://schemas.openxmlformats.org/presentationml/2006/main" xmlns:r="http://schemas.openxmlformats.org/officeDocument/2006/relationships" xmlns:p14="http://schemas.microsoft.com/office/powerpoint/2010/main" xmlns:p15="http://schemas.microsoft.com/office/powerpoint/2012/main" xmlns:mc="http://schemas.openxmlformats.org/markup-compatibility/2006">
+  <p:cSld>
+    <p:spTree>
+      <p:nvGrpSpPr>
+        <p:cNvPr id="1" name=""/>
+        <p:cNvGrpSpPr/>
+        <p:nvPr/>
+      </p:nvGrpSpPr>
+      <p:grpSpPr>
+        <a:xfrm>
+          <a:off x="0" y="0"/>
+          <a:ext cx="0" cy="0"/>
+          <a:chOff x="0" y="0"/>
+          <a:chExt cx="0" cy="0"/>
+        </a:xfrm>
+      </p:grpSpPr>
+      <p:sp>
+        <p:nvSpPr>
+          <p:cNvPr id="99" name="CustomShape 1"/>
+          <p:cNvSpPr/>
+          <p:nvPr/>
+        </p:nvSpPr>
+        <p:spPr>
+          <a:xfrm>
+            <a:off x="4282200" y="10155600"/>
+            <a:ext cx="3274920" cy="534960"/>
+          </a:xfrm>
+          <a:prstGeom prst="rect">
+            <a:avLst/>
+          </a:prstGeom>
+          <a:noFill/>
+          <a:ln>
+            <a:noFill/>
+          </a:ln>
+        </p:spPr>
+        <p:style>
+          <a:lnRef idx="0"/>
+          <a:fillRef idx="0"/>
+          <a:effectRef idx="0"/>
+          <a:fontRef idx="minor"/>
+        </p:style>
+        <p:txBody>
+          <a:bodyPr lIns="90000" rIns="90000" tIns="45000" bIns="45000" anchor="b"/>
+          <a:p>
+            <a:pPr algn="r">
+              <a:lnSpc>
+                <a:spcPct val="100000"/>
+              </a:lnSpc>
+            </a:pPr>
+            <a:fld id="{191AFFD7-4FB8-469B-B50D-F51C404F507B}" type="slidenum">
+              <a:rPr b="0" lang="en-GB" sz="1200" spc="-1" strike="noStrike">
+                <a:solidFill>
+                  <a:srgbClr val="000000"/>
+                </a:solidFill>
+                <a:uFill>
+                  <a:solidFill>
+                    <a:srgbClr val="ffffff"/>
+                  </a:solidFill>
+                </a:uFill>
+                <a:latin typeface="Times New Roman"/>
+              </a:rPr>
+              <a:t>&lt;numéro&gt;</a:t>
+            </a:fld>
+            <a:endParaRPr b="0" lang="en-GB" sz="1800" spc="-1" strike="noStrike">
+              <a:solidFill>
+                <a:srgbClr val="000000"/>
+              </a:solidFill>
+              <a:uFill>
+                <a:solidFill>
+                  <a:srgbClr val="ffffff"/>
+                </a:solidFill>
+              </a:uFill>
+              <a:latin typeface="Arial"/>
+            </a:endParaRPr>
+          </a:p>
+        </p:txBody>
+      </p:sp>
+    </p:spTree>
+  </p:cSld>
+</p:notes>
+</file>
+
+<file path=ppt/notesSlides/notesSlide4.xml><?xml version="1.0" encoding="utf-8"?>
+<p:notes xmlns:a="http://schemas.openxmlformats.org/drawingml/2006/main" xmlns:p="http://schemas.openxmlformats.org/presentationml/2006/main" xmlns:r="http://schemas.openxmlformats.org/officeDocument/2006/relationships" xmlns:p14="http://schemas.microsoft.com/office/powerpoint/2010/main" xmlns:p15="http://schemas.microsoft.com/office/powerpoint/2012/main" xmlns:mc="http://schemas.openxmlformats.org/markup-compatibility/2006">
+  <p:cSld>
+    <p:spTree>
+      <p:nvGrpSpPr>
+        <p:cNvPr id="1" name=""/>
+        <p:cNvGrpSpPr/>
+        <p:nvPr/>
+      </p:nvGrpSpPr>
+      <p:grpSpPr>
+        <a:xfrm>
+          <a:off x="0" y="0"/>
+          <a:ext cx="0" cy="0"/>
+          <a:chOff x="0" y="0"/>
+          <a:chExt cx="0" cy="0"/>
+        </a:xfrm>
+      </p:grpSpPr>
+      <p:sp>
+        <p:nvSpPr>
+          <p:cNvPr id="100" name="CustomShape 1"/>
+          <p:cNvSpPr/>
+          <p:nvPr/>
+        </p:nvSpPr>
+        <p:spPr>
+          <a:xfrm>
+            <a:off x="4282200" y="10155600"/>
+            <a:ext cx="3274920" cy="534960"/>
+          </a:xfrm>
+          <a:prstGeom prst="rect">
+            <a:avLst/>
+          </a:prstGeom>
+          <a:noFill/>
+          <a:ln>
+            <a:noFill/>
+          </a:ln>
+        </p:spPr>
+        <p:style>
+          <a:lnRef idx="0"/>
+          <a:fillRef idx="0"/>
+          <a:effectRef idx="0"/>
+          <a:fontRef idx="minor"/>
+        </p:style>
+        <p:txBody>
+          <a:bodyPr lIns="90000" rIns="90000" tIns="45000" bIns="45000" anchor="b"/>
+          <a:p>
+            <a:pPr algn="r">
+              <a:lnSpc>
+                <a:spcPct val="100000"/>
+              </a:lnSpc>
+            </a:pPr>
+            <a:fld id="{28C74A4B-E9A5-4C91-A1BA-C9CA14EE4FAD}" type="slidenum">
+              <a:rPr b="0" lang="en-GB" sz="1200" spc="-1" strike="noStrike">
+                <a:solidFill>
+                  <a:srgbClr val="000000"/>
+                </a:solidFill>
+                <a:uFill>
+                  <a:solidFill>
+                    <a:srgbClr val="ffffff"/>
+                  </a:solidFill>
+                </a:uFill>
+                <a:latin typeface="Times New Roman"/>
+              </a:rPr>
+              <a:t>&lt;numéro&gt;</a:t>
+            </a:fld>
+            <a:endParaRPr b="0" lang="en-GB" sz="1800" spc="-1" strike="noStrike">
+              <a:solidFill>
+                <a:srgbClr val="000000"/>
+              </a:solidFill>
+              <a:uFill>
+                <a:solidFill>
+                  <a:srgbClr val="ffffff"/>
+                </a:solidFill>
+              </a:uFill>
+              <a:latin typeface="Arial"/>
+            </a:endParaRPr>
+          </a:p>
+        </p:txBody>
+      </p:sp>
+    </p:spTree>
+  </p:cSld>
+</p:notes>
 </file>
 
 <file path=ppt/slideLayouts/slideLayout1.xml><?xml version="1.0" encoding="utf-8"?>
@@ -57,7 +584,7 @@
       </p:grpSpPr>
       <p:sp>
         <p:nvSpPr>
-          <p:cNvPr id="26" name="PlaceHolder 1"/>
+          <p:cNvPr id="30" name="PlaceHolder 1"/>
           <p:cNvSpPr>
             <a:spLocks noGrp="1"/>
           </p:cNvSpPr>
@@ -68,7 +595,7 @@
         <p:spPr>
           <a:xfrm>
             <a:off x="504000" y="301320"/>
-            <a:ext cx="9071640" cy="1262160"/>
+            <a:ext cx="9072000" cy="1261800"/>
           </a:xfrm>
           <a:prstGeom prst="rect">
             <a:avLst/>
@@ -94,7 +621,7 @@
       </p:sp>
       <p:sp>
         <p:nvSpPr>
-          <p:cNvPr id="27" name="PlaceHolder 2"/>
+          <p:cNvPr id="31" name="PlaceHolder 2"/>
           <p:cNvSpPr>
             <a:spLocks noGrp="1"/>
           </p:cNvSpPr>
@@ -104,8 +631,8 @@
         </p:nvSpPr>
         <p:spPr>
           <a:xfrm>
-            <a:off x="504000" y="1769040"/>
-            <a:ext cx="9071640" cy="2091240"/>
+            <a:off x="504000" y="1768680"/>
+            <a:ext cx="9072000" cy="2090880"/>
           </a:xfrm>
           <a:prstGeom prst="rect">
             <a:avLst/>
@@ -130,7 +657,7 @@
       </p:sp>
       <p:sp>
         <p:nvSpPr>
-          <p:cNvPr id="28" name="PlaceHolder 3"/>
+          <p:cNvPr id="32" name="PlaceHolder 3"/>
           <p:cNvSpPr>
             <a:spLocks noGrp="1"/>
           </p:cNvSpPr>
@@ -140,8 +667,8 @@
         </p:nvSpPr>
         <p:spPr>
           <a:xfrm>
-            <a:off x="504000" y="4059360"/>
-            <a:ext cx="9071640" cy="2091240"/>
+            <a:off x="504000" y="4058640"/>
+            <a:ext cx="9072000" cy="2090880"/>
           </a:xfrm>
           <a:prstGeom prst="rect">
             <a:avLst/>
@@ -188,7 +715,7 @@
       </p:grpSpPr>
       <p:sp>
         <p:nvSpPr>
-          <p:cNvPr id="29" name="PlaceHolder 1"/>
+          <p:cNvPr id="33" name="PlaceHolder 1"/>
           <p:cNvSpPr>
             <a:spLocks noGrp="1"/>
           </p:cNvSpPr>
@@ -199,7 +726,7 @@
         <p:spPr>
           <a:xfrm>
             <a:off x="504000" y="301320"/>
-            <a:ext cx="9071640" cy="1262160"/>
+            <a:ext cx="9072000" cy="1261800"/>
           </a:xfrm>
           <a:prstGeom prst="rect">
             <a:avLst/>
@@ -225,7 +752,7 @@
       </p:sp>
       <p:sp>
         <p:nvSpPr>
-          <p:cNvPr id="30" name="PlaceHolder 2"/>
+          <p:cNvPr id="34" name="PlaceHolder 2"/>
           <p:cNvSpPr>
             <a:spLocks noGrp="1"/>
           </p:cNvSpPr>
@@ -235,8 +762,8 @@
         </p:nvSpPr>
         <p:spPr>
           <a:xfrm>
-            <a:off x="504000" y="1769040"/>
-            <a:ext cx="4426920" cy="2091240"/>
+            <a:off x="504000" y="1768680"/>
+            <a:ext cx="4426920" cy="2090880"/>
           </a:xfrm>
           <a:prstGeom prst="rect">
             <a:avLst/>
@@ -261,7 +788,7 @@
       </p:sp>
       <p:sp>
         <p:nvSpPr>
-          <p:cNvPr id="31" name="PlaceHolder 3"/>
+          <p:cNvPr id="35" name="PlaceHolder 3"/>
           <p:cNvSpPr>
             <a:spLocks noGrp="1"/>
           </p:cNvSpPr>
@@ -271,8 +798,8 @@
         </p:nvSpPr>
         <p:spPr>
           <a:xfrm>
-            <a:off x="5152680" y="1769040"/>
-            <a:ext cx="4426920" cy="2091240"/>
+            <a:off x="5152680" y="1768680"/>
+            <a:ext cx="4426920" cy="2090880"/>
           </a:xfrm>
           <a:prstGeom prst="rect">
             <a:avLst/>
@@ -297,7 +824,7 @@
       </p:sp>
       <p:sp>
         <p:nvSpPr>
-          <p:cNvPr id="32" name="PlaceHolder 4"/>
+          <p:cNvPr id="36" name="PlaceHolder 4"/>
           <p:cNvSpPr>
             <a:spLocks noGrp="1"/>
           </p:cNvSpPr>
@@ -307,8 +834,8 @@
         </p:nvSpPr>
         <p:spPr>
           <a:xfrm>
-            <a:off x="5152680" y="4059360"/>
-            <a:ext cx="4426920" cy="2091240"/>
+            <a:off x="5152680" y="4058640"/>
+            <a:ext cx="4426920" cy="2090880"/>
           </a:xfrm>
           <a:prstGeom prst="rect">
             <a:avLst/>
@@ -333,7 +860,7 @@
       </p:sp>
       <p:sp>
         <p:nvSpPr>
-          <p:cNvPr id="33" name="PlaceHolder 5"/>
+          <p:cNvPr id="37" name="PlaceHolder 5"/>
           <p:cNvSpPr>
             <a:spLocks noGrp="1"/>
           </p:cNvSpPr>
@@ -343,8 +870,8 @@
         </p:nvSpPr>
         <p:spPr>
           <a:xfrm>
-            <a:off x="504000" y="4059360"/>
-            <a:ext cx="4426920" cy="2091240"/>
+            <a:off x="504000" y="4058640"/>
+            <a:ext cx="4426920" cy="2090880"/>
           </a:xfrm>
           <a:prstGeom prst="rect">
             <a:avLst/>
@@ -391,7 +918,7 @@
       </p:grpSpPr>
       <p:sp>
         <p:nvSpPr>
-          <p:cNvPr id="34" name="PlaceHolder 1"/>
+          <p:cNvPr id="38" name="PlaceHolder 1"/>
           <p:cNvSpPr>
             <a:spLocks noGrp="1"/>
           </p:cNvSpPr>
@@ -402,7 +929,7 @@
         <p:spPr>
           <a:xfrm>
             <a:off x="504000" y="301320"/>
-            <a:ext cx="9071640" cy="1262160"/>
+            <a:ext cx="9072000" cy="1261800"/>
           </a:xfrm>
           <a:prstGeom prst="rect">
             <a:avLst/>
@@ -428,7 +955,7 @@
       </p:sp>
       <p:sp>
         <p:nvSpPr>
-          <p:cNvPr id="35" name="PlaceHolder 2"/>
+          <p:cNvPr id="39" name="PlaceHolder 2"/>
           <p:cNvSpPr>
             <a:spLocks noGrp="1"/>
           </p:cNvSpPr>
@@ -438,8 +965,8 @@
         </p:nvSpPr>
         <p:spPr>
           <a:xfrm>
-            <a:off x="504000" y="1769040"/>
-            <a:ext cx="9071640" cy="4384440"/>
+            <a:off x="504000" y="1768680"/>
+            <a:ext cx="9072000" cy="4384080"/>
           </a:xfrm>
           <a:prstGeom prst="rect">
             <a:avLst/>
@@ -464,7 +991,7 @@
       </p:sp>
       <p:sp>
         <p:nvSpPr>
-          <p:cNvPr id="36" name="PlaceHolder 3"/>
+          <p:cNvPr id="40" name="PlaceHolder 3"/>
           <p:cNvSpPr>
             <a:spLocks noGrp="1"/>
           </p:cNvSpPr>
@@ -474,8 +1001,8 @@
         </p:nvSpPr>
         <p:spPr>
           <a:xfrm>
-            <a:off x="504000" y="1769040"/>
-            <a:ext cx="9071640" cy="4384440"/>
+            <a:off x="504000" y="1768680"/>
+            <a:ext cx="9072000" cy="4384080"/>
           </a:xfrm>
           <a:prstGeom prst="rect">
             <a:avLst/>
@@ -500,7 +1027,7 @@
       </p:sp>
       <p:pic>
         <p:nvPicPr>
-          <p:cNvPr id="37" name="" descr=""/>
+          <p:cNvPr id="41" name="" descr=""/>
           <p:cNvPicPr/>
           <p:nvPr/>
         </p:nvPicPr>
@@ -510,8 +1037,8 @@
         </p:blipFill>
         <p:spPr>
           <a:xfrm>
-            <a:off x="2292120" y="1768680"/>
-            <a:ext cx="5495040" cy="4384440"/>
+            <a:off x="2292480" y="1768680"/>
+            <a:ext cx="5494680" cy="4384080"/>
           </a:xfrm>
           <a:prstGeom prst="rect">
             <a:avLst/>
@@ -523,7 +1050,7 @@
       </p:pic>
       <p:pic>
         <p:nvPicPr>
-          <p:cNvPr id="38" name="" descr=""/>
+          <p:cNvPr id="42" name="" descr=""/>
           <p:cNvPicPr/>
           <p:nvPr/>
         </p:nvPicPr>
@@ -533,8 +1060,8 @@
         </p:blipFill>
         <p:spPr>
           <a:xfrm>
-            <a:off x="2292120" y="1768680"/>
-            <a:ext cx="5495040" cy="4384440"/>
+            <a:off x="2292480" y="1768680"/>
+            <a:ext cx="5494680" cy="4384080"/>
           </a:xfrm>
           <a:prstGeom prst="rect">
             <a:avLst/>
@@ -544,6 +1071,635 @@
           </a:ln>
         </p:spPr>
       </p:pic>
+    </p:spTree>
+  </p:cSld>
+</p:sldLayout>
+</file>
+
+<file path=ppt/slideLayouts/slideLayout13.xml><?xml version="1.0" encoding="utf-8"?>
+<p:sldLayout xmlns:a="http://schemas.openxmlformats.org/drawingml/2006/main" xmlns:p="http://schemas.openxmlformats.org/presentationml/2006/main" xmlns:r="http://schemas.openxmlformats.org/officeDocument/2006/relationships" xmlns:p14="http://schemas.microsoft.com/office/powerpoint/2010/main" xmlns:p15="http://schemas.microsoft.com/office/powerpoint/2012/main" xmlns:mc="http://schemas.openxmlformats.org/markup-compatibility/2006" type="blank" preserve="1">
+  <p:cSld name="Blank Slide">
+    <p:spTree>
+      <p:nvGrpSpPr>
+        <p:cNvPr id="1" name=""/>
+        <p:cNvGrpSpPr/>
+        <p:nvPr/>
+      </p:nvGrpSpPr>
+      <p:grpSpPr>
+        <a:xfrm>
+          <a:off x="0" y="0"/>
+          <a:ext cx="0" cy="0"/>
+          <a:chOff x="0" y="0"/>
+          <a:chExt cx="0" cy="0"/>
+        </a:xfrm>
+      </p:grpSpPr>
+    </p:spTree>
+  </p:cSld>
+</p:sldLayout>
+</file>
+
+<file path=ppt/slideLayouts/slideLayout14.xml><?xml version="1.0" encoding="utf-8"?>
+<p:sldLayout xmlns:a="http://schemas.openxmlformats.org/drawingml/2006/main" xmlns:p="http://schemas.openxmlformats.org/presentationml/2006/main" xmlns:r="http://schemas.openxmlformats.org/officeDocument/2006/relationships" xmlns:p14="http://schemas.microsoft.com/office/powerpoint/2010/main" xmlns:p15="http://schemas.microsoft.com/office/powerpoint/2012/main" xmlns:mc="http://schemas.openxmlformats.org/markup-compatibility/2006" type="tx" preserve="1">
+  <p:cSld name="Title Slide">
+    <p:spTree>
+      <p:nvGrpSpPr>
+        <p:cNvPr id="1" name=""/>
+        <p:cNvGrpSpPr/>
+        <p:nvPr/>
+      </p:nvGrpSpPr>
+      <p:grpSpPr>
+        <a:xfrm>
+          <a:off x="0" y="0"/>
+          <a:ext cx="0" cy="0"/>
+          <a:chOff x="0" y="0"/>
+          <a:chExt cx="0" cy="0"/>
+        </a:xfrm>
+      </p:grpSpPr>
+      <p:sp>
+        <p:nvSpPr>
+          <p:cNvPr id="45" name="PlaceHolder 1"/>
+          <p:cNvSpPr>
+            <a:spLocks noGrp="1"/>
+          </p:cNvSpPr>
+          <p:nvPr>
+            <p:ph type="title"/>
+          </p:nvPr>
+        </p:nvSpPr>
+        <p:spPr>
+          <a:xfrm>
+            <a:off x="504000" y="301320"/>
+            <a:ext cx="9072000" cy="1261800"/>
+          </a:xfrm>
+          <a:prstGeom prst="rect">
+            <a:avLst/>
+          </a:prstGeom>
+        </p:spPr>
+        <p:txBody>
+          <a:bodyPr lIns="0" rIns="0" tIns="0" bIns="0" anchor="ctr"/>
+          <a:p>
+            <a:pPr algn="ctr"/>
+            <a:endParaRPr b="0" lang="en-GB" sz="4400" spc="-1" strike="noStrike">
+              <a:solidFill>
+                <a:srgbClr val="000000"/>
+              </a:solidFill>
+              <a:uFill>
+                <a:solidFill>
+                  <a:srgbClr val="ffffff"/>
+                </a:solidFill>
+              </a:uFill>
+              <a:latin typeface="Arial"/>
+            </a:endParaRPr>
+          </a:p>
+        </p:txBody>
+      </p:sp>
+      <p:sp>
+        <p:nvSpPr>
+          <p:cNvPr id="46" name="PlaceHolder 2"/>
+          <p:cNvSpPr>
+            <a:spLocks noGrp="1"/>
+          </p:cNvSpPr>
+          <p:nvPr>
+            <p:ph type="subTitle"/>
+          </p:nvPr>
+        </p:nvSpPr>
+        <p:spPr>
+          <a:xfrm>
+            <a:off x="504000" y="1768680"/>
+            <a:ext cx="9072000" cy="4384080"/>
+          </a:xfrm>
+          <a:prstGeom prst="rect">
+            <a:avLst/>
+          </a:prstGeom>
+        </p:spPr>
+        <p:txBody>
+          <a:bodyPr lIns="0" rIns="0" tIns="0" bIns="0" anchor="ctr"/>
+          <a:p>
+            <a:pPr algn="ctr"/>
+            <a:endParaRPr b="0" lang="en-GB" sz="3200" spc="-1" strike="noStrike">
+              <a:solidFill>
+                <a:srgbClr val="000000"/>
+              </a:solidFill>
+              <a:uFill>
+                <a:solidFill>
+                  <a:srgbClr val="ffffff"/>
+                </a:solidFill>
+              </a:uFill>
+              <a:latin typeface="Arial"/>
+            </a:endParaRPr>
+          </a:p>
+        </p:txBody>
+      </p:sp>
+    </p:spTree>
+  </p:cSld>
+</p:sldLayout>
+</file>
+
+<file path=ppt/slideLayouts/slideLayout15.xml><?xml version="1.0" encoding="utf-8"?>
+<p:sldLayout xmlns:a="http://schemas.openxmlformats.org/drawingml/2006/main" xmlns:p="http://schemas.openxmlformats.org/presentationml/2006/main" xmlns:r="http://schemas.openxmlformats.org/officeDocument/2006/relationships" xmlns:p14="http://schemas.microsoft.com/office/powerpoint/2010/main" xmlns:p15="http://schemas.microsoft.com/office/powerpoint/2012/main" xmlns:mc="http://schemas.openxmlformats.org/markup-compatibility/2006" type="obj" preserve="1">
+  <p:cSld name="Title, Content">
+    <p:spTree>
+      <p:nvGrpSpPr>
+        <p:cNvPr id="1" name=""/>
+        <p:cNvGrpSpPr/>
+        <p:nvPr/>
+      </p:nvGrpSpPr>
+      <p:grpSpPr>
+        <a:xfrm>
+          <a:off x="0" y="0"/>
+          <a:ext cx="0" cy="0"/>
+          <a:chOff x="0" y="0"/>
+          <a:chExt cx="0" cy="0"/>
+        </a:xfrm>
+      </p:grpSpPr>
+      <p:sp>
+        <p:nvSpPr>
+          <p:cNvPr id="47" name="PlaceHolder 1"/>
+          <p:cNvSpPr>
+            <a:spLocks noGrp="1"/>
+          </p:cNvSpPr>
+          <p:nvPr>
+            <p:ph type="title"/>
+          </p:nvPr>
+        </p:nvSpPr>
+        <p:spPr>
+          <a:xfrm>
+            <a:off x="504000" y="301320"/>
+            <a:ext cx="9072000" cy="1261800"/>
+          </a:xfrm>
+          <a:prstGeom prst="rect">
+            <a:avLst/>
+          </a:prstGeom>
+        </p:spPr>
+        <p:txBody>
+          <a:bodyPr lIns="0" rIns="0" tIns="0" bIns="0" anchor="ctr"/>
+          <a:p>
+            <a:pPr algn="ctr"/>
+            <a:endParaRPr b="0" lang="en-GB" sz="4400" spc="-1" strike="noStrike">
+              <a:solidFill>
+                <a:srgbClr val="000000"/>
+              </a:solidFill>
+              <a:uFill>
+                <a:solidFill>
+                  <a:srgbClr val="ffffff"/>
+                </a:solidFill>
+              </a:uFill>
+              <a:latin typeface="Arial"/>
+            </a:endParaRPr>
+          </a:p>
+        </p:txBody>
+      </p:sp>
+      <p:sp>
+        <p:nvSpPr>
+          <p:cNvPr id="48" name="PlaceHolder 2"/>
+          <p:cNvSpPr>
+            <a:spLocks noGrp="1"/>
+          </p:cNvSpPr>
+          <p:nvPr>
+            <p:ph type="body"/>
+          </p:nvPr>
+        </p:nvSpPr>
+        <p:spPr>
+          <a:xfrm>
+            <a:off x="504000" y="1768680"/>
+            <a:ext cx="9072000" cy="4384080"/>
+          </a:xfrm>
+          <a:prstGeom prst="rect">
+            <a:avLst/>
+          </a:prstGeom>
+        </p:spPr>
+        <p:txBody>
+          <a:bodyPr lIns="0" rIns="0" tIns="0" bIns="0"/>
+          <a:p>
+            <a:endParaRPr b="0" lang="en-GB" sz="3200" spc="-1" strike="noStrike">
+              <a:solidFill>
+                <a:srgbClr val="000000"/>
+              </a:solidFill>
+              <a:uFill>
+                <a:solidFill>
+                  <a:srgbClr val="ffffff"/>
+                </a:solidFill>
+              </a:uFill>
+              <a:latin typeface="Arial"/>
+            </a:endParaRPr>
+          </a:p>
+        </p:txBody>
+      </p:sp>
+    </p:spTree>
+  </p:cSld>
+</p:sldLayout>
+</file>
+
+<file path=ppt/slideLayouts/slideLayout16.xml><?xml version="1.0" encoding="utf-8"?>
+<p:sldLayout xmlns:a="http://schemas.openxmlformats.org/drawingml/2006/main" xmlns:p="http://schemas.openxmlformats.org/presentationml/2006/main" xmlns:r="http://schemas.openxmlformats.org/officeDocument/2006/relationships" xmlns:p14="http://schemas.microsoft.com/office/powerpoint/2010/main" xmlns:p15="http://schemas.microsoft.com/office/powerpoint/2012/main" xmlns:mc="http://schemas.openxmlformats.org/markup-compatibility/2006" type="twoObj" preserve="1">
+  <p:cSld name="Title, 2 Content">
+    <p:spTree>
+      <p:nvGrpSpPr>
+        <p:cNvPr id="1" name=""/>
+        <p:cNvGrpSpPr/>
+        <p:nvPr/>
+      </p:nvGrpSpPr>
+      <p:grpSpPr>
+        <a:xfrm>
+          <a:off x="0" y="0"/>
+          <a:ext cx="0" cy="0"/>
+          <a:chOff x="0" y="0"/>
+          <a:chExt cx="0" cy="0"/>
+        </a:xfrm>
+      </p:grpSpPr>
+      <p:sp>
+        <p:nvSpPr>
+          <p:cNvPr id="49" name="PlaceHolder 1"/>
+          <p:cNvSpPr>
+            <a:spLocks noGrp="1"/>
+          </p:cNvSpPr>
+          <p:nvPr>
+            <p:ph type="title"/>
+          </p:nvPr>
+        </p:nvSpPr>
+        <p:spPr>
+          <a:xfrm>
+            <a:off x="504000" y="301320"/>
+            <a:ext cx="9072000" cy="1261800"/>
+          </a:xfrm>
+          <a:prstGeom prst="rect">
+            <a:avLst/>
+          </a:prstGeom>
+        </p:spPr>
+        <p:txBody>
+          <a:bodyPr lIns="0" rIns="0" tIns="0" bIns="0" anchor="ctr"/>
+          <a:p>
+            <a:pPr algn="ctr"/>
+            <a:endParaRPr b="0" lang="en-GB" sz="4400" spc="-1" strike="noStrike">
+              <a:solidFill>
+                <a:srgbClr val="000000"/>
+              </a:solidFill>
+              <a:uFill>
+                <a:solidFill>
+                  <a:srgbClr val="ffffff"/>
+                </a:solidFill>
+              </a:uFill>
+              <a:latin typeface="Arial"/>
+            </a:endParaRPr>
+          </a:p>
+        </p:txBody>
+      </p:sp>
+      <p:sp>
+        <p:nvSpPr>
+          <p:cNvPr id="50" name="PlaceHolder 2"/>
+          <p:cNvSpPr>
+            <a:spLocks noGrp="1"/>
+          </p:cNvSpPr>
+          <p:nvPr>
+            <p:ph type="body"/>
+          </p:nvPr>
+        </p:nvSpPr>
+        <p:spPr>
+          <a:xfrm>
+            <a:off x="504000" y="1768680"/>
+            <a:ext cx="4426920" cy="4384080"/>
+          </a:xfrm>
+          <a:prstGeom prst="rect">
+            <a:avLst/>
+          </a:prstGeom>
+        </p:spPr>
+        <p:txBody>
+          <a:bodyPr lIns="0" rIns="0" tIns="0" bIns="0"/>
+          <a:p>
+            <a:endParaRPr b="0" lang="en-GB" sz="3200" spc="-1" strike="noStrike">
+              <a:solidFill>
+                <a:srgbClr val="000000"/>
+              </a:solidFill>
+              <a:uFill>
+                <a:solidFill>
+                  <a:srgbClr val="ffffff"/>
+                </a:solidFill>
+              </a:uFill>
+              <a:latin typeface="Arial"/>
+            </a:endParaRPr>
+          </a:p>
+        </p:txBody>
+      </p:sp>
+      <p:sp>
+        <p:nvSpPr>
+          <p:cNvPr id="51" name="PlaceHolder 3"/>
+          <p:cNvSpPr>
+            <a:spLocks noGrp="1"/>
+          </p:cNvSpPr>
+          <p:nvPr>
+            <p:ph type="body"/>
+          </p:nvPr>
+        </p:nvSpPr>
+        <p:spPr>
+          <a:xfrm>
+            <a:off x="5152680" y="1768680"/>
+            <a:ext cx="4426920" cy="4384080"/>
+          </a:xfrm>
+          <a:prstGeom prst="rect">
+            <a:avLst/>
+          </a:prstGeom>
+        </p:spPr>
+        <p:txBody>
+          <a:bodyPr lIns="0" rIns="0" tIns="0" bIns="0"/>
+          <a:p>
+            <a:endParaRPr b="0" lang="en-GB" sz="3200" spc="-1" strike="noStrike">
+              <a:solidFill>
+                <a:srgbClr val="000000"/>
+              </a:solidFill>
+              <a:uFill>
+                <a:solidFill>
+                  <a:srgbClr val="ffffff"/>
+                </a:solidFill>
+              </a:uFill>
+              <a:latin typeface="Arial"/>
+            </a:endParaRPr>
+          </a:p>
+        </p:txBody>
+      </p:sp>
+    </p:spTree>
+  </p:cSld>
+</p:sldLayout>
+</file>
+
+<file path=ppt/slideLayouts/slideLayout17.xml><?xml version="1.0" encoding="utf-8"?>
+<p:sldLayout xmlns:a="http://schemas.openxmlformats.org/drawingml/2006/main" xmlns:p="http://schemas.openxmlformats.org/presentationml/2006/main" xmlns:r="http://schemas.openxmlformats.org/officeDocument/2006/relationships" xmlns:p14="http://schemas.microsoft.com/office/powerpoint/2010/main" xmlns:p15="http://schemas.microsoft.com/office/powerpoint/2012/main" xmlns:mc="http://schemas.openxmlformats.org/markup-compatibility/2006" type="titleOnly" preserve="1">
+  <p:cSld name="Title Only">
+    <p:spTree>
+      <p:nvGrpSpPr>
+        <p:cNvPr id="1" name=""/>
+        <p:cNvGrpSpPr/>
+        <p:nvPr/>
+      </p:nvGrpSpPr>
+      <p:grpSpPr>
+        <a:xfrm>
+          <a:off x="0" y="0"/>
+          <a:ext cx="0" cy="0"/>
+          <a:chOff x="0" y="0"/>
+          <a:chExt cx="0" cy="0"/>
+        </a:xfrm>
+      </p:grpSpPr>
+      <p:sp>
+        <p:nvSpPr>
+          <p:cNvPr id="52" name="PlaceHolder 1"/>
+          <p:cNvSpPr>
+            <a:spLocks noGrp="1"/>
+          </p:cNvSpPr>
+          <p:nvPr>
+            <p:ph type="title"/>
+          </p:nvPr>
+        </p:nvSpPr>
+        <p:spPr>
+          <a:xfrm>
+            <a:off x="504000" y="301320"/>
+            <a:ext cx="9072000" cy="1261800"/>
+          </a:xfrm>
+          <a:prstGeom prst="rect">
+            <a:avLst/>
+          </a:prstGeom>
+        </p:spPr>
+        <p:txBody>
+          <a:bodyPr lIns="0" rIns="0" tIns="0" bIns="0" anchor="ctr"/>
+          <a:p>
+            <a:pPr algn="ctr"/>
+            <a:endParaRPr b="0" lang="en-GB" sz="4400" spc="-1" strike="noStrike">
+              <a:solidFill>
+                <a:srgbClr val="000000"/>
+              </a:solidFill>
+              <a:uFill>
+                <a:solidFill>
+                  <a:srgbClr val="ffffff"/>
+                </a:solidFill>
+              </a:uFill>
+              <a:latin typeface="Arial"/>
+            </a:endParaRPr>
+          </a:p>
+        </p:txBody>
+      </p:sp>
+    </p:spTree>
+  </p:cSld>
+</p:sldLayout>
+</file>
+
+<file path=ppt/slideLayouts/slideLayout18.xml><?xml version="1.0" encoding="utf-8"?>
+<p:sldLayout xmlns:a="http://schemas.openxmlformats.org/drawingml/2006/main" xmlns:p="http://schemas.openxmlformats.org/presentationml/2006/main" xmlns:r="http://schemas.openxmlformats.org/officeDocument/2006/relationships" xmlns:p14="http://schemas.microsoft.com/office/powerpoint/2010/main" xmlns:p15="http://schemas.microsoft.com/office/powerpoint/2012/main" xmlns:mc="http://schemas.openxmlformats.org/markup-compatibility/2006" type="objOnly" preserve="1">
+  <p:cSld name="Centered Text">
+    <p:spTree>
+      <p:nvGrpSpPr>
+        <p:cNvPr id="1" name=""/>
+        <p:cNvGrpSpPr/>
+        <p:nvPr/>
+      </p:nvGrpSpPr>
+      <p:grpSpPr>
+        <a:xfrm>
+          <a:off x="0" y="0"/>
+          <a:ext cx="0" cy="0"/>
+          <a:chOff x="0" y="0"/>
+          <a:chExt cx="0" cy="0"/>
+        </a:xfrm>
+      </p:grpSpPr>
+      <p:sp>
+        <p:nvSpPr>
+          <p:cNvPr id="53" name="PlaceHolder 1"/>
+          <p:cNvSpPr>
+            <a:spLocks noGrp="1"/>
+          </p:cNvSpPr>
+          <p:nvPr>
+            <p:ph type="subTitle"/>
+          </p:nvPr>
+        </p:nvSpPr>
+        <p:spPr>
+          <a:xfrm>
+            <a:off x="504000" y="301320"/>
+            <a:ext cx="9072000" cy="5850360"/>
+          </a:xfrm>
+          <a:prstGeom prst="rect">
+            <a:avLst/>
+          </a:prstGeom>
+        </p:spPr>
+        <p:txBody>
+          <a:bodyPr lIns="0" rIns="0" tIns="0" bIns="0" anchor="ctr"/>
+          <a:p>
+            <a:pPr algn="ctr"/>
+            <a:endParaRPr b="0" lang="en-GB" sz="3200" spc="-1" strike="noStrike">
+              <a:solidFill>
+                <a:srgbClr val="000000"/>
+              </a:solidFill>
+              <a:uFill>
+                <a:solidFill>
+                  <a:srgbClr val="ffffff"/>
+                </a:solidFill>
+              </a:uFill>
+              <a:latin typeface="Arial"/>
+            </a:endParaRPr>
+          </a:p>
+        </p:txBody>
+      </p:sp>
+    </p:spTree>
+  </p:cSld>
+</p:sldLayout>
+</file>
+
+<file path=ppt/slideLayouts/slideLayout19.xml><?xml version="1.0" encoding="utf-8"?>
+<p:sldLayout xmlns:a="http://schemas.openxmlformats.org/drawingml/2006/main" xmlns:p="http://schemas.openxmlformats.org/presentationml/2006/main" xmlns:r="http://schemas.openxmlformats.org/officeDocument/2006/relationships" xmlns:p14="http://schemas.microsoft.com/office/powerpoint/2010/main" xmlns:p15="http://schemas.microsoft.com/office/powerpoint/2012/main" xmlns:mc="http://schemas.openxmlformats.org/markup-compatibility/2006" type="twoObjAndObj" preserve="1">
+  <p:cSld name="Title, 2 Content and Content">
+    <p:spTree>
+      <p:nvGrpSpPr>
+        <p:cNvPr id="1" name=""/>
+        <p:cNvGrpSpPr/>
+        <p:nvPr/>
+      </p:nvGrpSpPr>
+      <p:grpSpPr>
+        <a:xfrm>
+          <a:off x="0" y="0"/>
+          <a:ext cx="0" cy="0"/>
+          <a:chOff x="0" y="0"/>
+          <a:chExt cx="0" cy="0"/>
+        </a:xfrm>
+      </p:grpSpPr>
+      <p:sp>
+        <p:nvSpPr>
+          <p:cNvPr id="54" name="PlaceHolder 1"/>
+          <p:cNvSpPr>
+            <a:spLocks noGrp="1"/>
+          </p:cNvSpPr>
+          <p:nvPr>
+            <p:ph type="title"/>
+          </p:nvPr>
+        </p:nvSpPr>
+        <p:spPr>
+          <a:xfrm>
+            <a:off x="504000" y="301320"/>
+            <a:ext cx="9072000" cy="1261800"/>
+          </a:xfrm>
+          <a:prstGeom prst="rect">
+            <a:avLst/>
+          </a:prstGeom>
+        </p:spPr>
+        <p:txBody>
+          <a:bodyPr lIns="0" rIns="0" tIns="0" bIns="0" anchor="ctr"/>
+          <a:p>
+            <a:pPr algn="ctr"/>
+            <a:endParaRPr b="0" lang="en-GB" sz="4400" spc="-1" strike="noStrike">
+              <a:solidFill>
+                <a:srgbClr val="000000"/>
+              </a:solidFill>
+              <a:uFill>
+                <a:solidFill>
+                  <a:srgbClr val="ffffff"/>
+                </a:solidFill>
+              </a:uFill>
+              <a:latin typeface="Arial"/>
+            </a:endParaRPr>
+          </a:p>
+        </p:txBody>
+      </p:sp>
+      <p:sp>
+        <p:nvSpPr>
+          <p:cNvPr id="55" name="PlaceHolder 2"/>
+          <p:cNvSpPr>
+            <a:spLocks noGrp="1"/>
+          </p:cNvSpPr>
+          <p:nvPr>
+            <p:ph type="body"/>
+          </p:nvPr>
+        </p:nvSpPr>
+        <p:spPr>
+          <a:xfrm>
+            <a:off x="504000" y="1768680"/>
+            <a:ext cx="4426920" cy="2090880"/>
+          </a:xfrm>
+          <a:prstGeom prst="rect">
+            <a:avLst/>
+          </a:prstGeom>
+        </p:spPr>
+        <p:txBody>
+          <a:bodyPr lIns="0" rIns="0" tIns="0" bIns="0"/>
+          <a:p>
+            <a:endParaRPr b="0" lang="en-GB" sz="3200" spc="-1" strike="noStrike">
+              <a:solidFill>
+                <a:srgbClr val="000000"/>
+              </a:solidFill>
+              <a:uFill>
+                <a:solidFill>
+                  <a:srgbClr val="ffffff"/>
+                </a:solidFill>
+              </a:uFill>
+              <a:latin typeface="Arial"/>
+            </a:endParaRPr>
+          </a:p>
+        </p:txBody>
+      </p:sp>
+      <p:sp>
+        <p:nvSpPr>
+          <p:cNvPr id="56" name="PlaceHolder 3"/>
+          <p:cNvSpPr>
+            <a:spLocks noGrp="1"/>
+          </p:cNvSpPr>
+          <p:nvPr>
+            <p:ph type="body"/>
+          </p:nvPr>
+        </p:nvSpPr>
+        <p:spPr>
+          <a:xfrm>
+            <a:off x="504000" y="4058640"/>
+            <a:ext cx="4426920" cy="2090880"/>
+          </a:xfrm>
+          <a:prstGeom prst="rect">
+            <a:avLst/>
+          </a:prstGeom>
+        </p:spPr>
+        <p:txBody>
+          <a:bodyPr lIns="0" rIns="0" tIns="0" bIns="0"/>
+          <a:p>
+            <a:endParaRPr b="0" lang="en-GB" sz="3200" spc="-1" strike="noStrike">
+              <a:solidFill>
+                <a:srgbClr val="000000"/>
+              </a:solidFill>
+              <a:uFill>
+                <a:solidFill>
+                  <a:srgbClr val="ffffff"/>
+                </a:solidFill>
+              </a:uFill>
+              <a:latin typeface="Arial"/>
+            </a:endParaRPr>
+          </a:p>
+        </p:txBody>
+      </p:sp>
+      <p:sp>
+        <p:nvSpPr>
+          <p:cNvPr id="57" name="PlaceHolder 4"/>
+          <p:cNvSpPr>
+            <a:spLocks noGrp="1"/>
+          </p:cNvSpPr>
+          <p:nvPr>
+            <p:ph type="body"/>
+          </p:nvPr>
+        </p:nvSpPr>
+        <p:spPr>
+          <a:xfrm>
+            <a:off x="5152680" y="1768680"/>
+            <a:ext cx="4426920" cy="4384080"/>
+          </a:xfrm>
+          <a:prstGeom prst="rect">
+            <a:avLst/>
+          </a:prstGeom>
+        </p:spPr>
+        <p:txBody>
+          <a:bodyPr lIns="0" rIns="0" tIns="0" bIns="0"/>
+          <a:p>
+            <a:endParaRPr b="0" lang="en-GB" sz="3200" spc="-1" strike="noStrike">
+              <a:solidFill>
+                <a:srgbClr val="000000"/>
+              </a:solidFill>
+              <a:uFill>
+                <a:solidFill>
+                  <a:srgbClr val="ffffff"/>
+                </a:solidFill>
+              </a:uFill>
+              <a:latin typeface="Arial"/>
+            </a:endParaRPr>
+          </a:p>
+        </p:txBody>
+      </p:sp>
     </p:spTree>
   </p:cSld>
 </p:sldLayout>
@@ -568,7 +1724,7 @@
       </p:grpSpPr>
       <p:sp>
         <p:nvSpPr>
-          <p:cNvPr id="5" name="PlaceHolder 1"/>
+          <p:cNvPr id="9" name="PlaceHolder 1"/>
           <p:cNvSpPr>
             <a:spLocks noGrp="1"/>
           </p:cNvSpPr>
@@ -579,7 +1735,7 @@
         <p:spPr>
           <a:xfrm>
             <a:off x="504000" y="301320"/>
-            <a:ext cx="9071640" cy="1262160"/>
+            <a:ext cx="9072000" cy="1261800"/>
           </a:xfrm>
           <a:prstGeom prst="rect">
             <a:avLst/>
@@ -605,7 +1761,7 @@
       </p:sp>
       <p:sp>
         <p:nvSpPr>
-          <p:cNvPr id="6" name="PlaceHolder 2"/>
+          <p:cNvPr id="10" name="PlaceHolder 2"/>
           <p:cNvSpPr>
             <a:spLocks noGrp="1"/>
           </p:cNvSpPr>
@@ -615,8 +1771,8 @@
         </p:nvSpPr>
         <p:spPr>
           <a:xfrm>
-            <a:off x="504000" y="1769040"/>
-            <a:ext cx="9071640" cy="4384440"/>
+            <a:off x="504000" y="1768680"/>
+            <a:ext cx="9072000" cy="4384080"/>
           </a:xfrm>
           <a:prstGeom prst="rect">
             <a:avLst/>
@@ -640,6 +1796,851 @@
           </a:p>
         </p:txBody>
       </p:sp>
+    </p:spTree>
+  </p:cSld>
+</p:sldLayout>
+</file>
+
+<file path=ppt/slideLayouts/slideLayout20.xml><?xml version="1.0" encoding="utf-8"?>
+<p:sldLayout xmlns:a="http://schemas.openxmlformats.org/drawingml/2006/main" xmlns:p="http://schemas.openxmlformats.org/presentationml/2006/main" xmlns:r="http://schemas.openxmlformats.org/officeDocument/2006/relationships" xmlns:p14="http://schemas.microsoft.com/office/powerpoint/2010/main" xmlns:p15="http://schemas.microsoft.com/office/powerpoint/2012/main" xmlns:mc="http://schemas.openxmlformats.org/markup-compatibility/2006" type="objAndTwoObj" preserve="1">
+  <p:cSld name="Title Content and 2 Content">
+    <p:spTree>
+      <p:nvGrpSpPr>
+        <p:cNvPr id="1" name=""/>
+        <p:cNvGrpSpPr/>
+        <p:nvPr/>
+      </p:nvGrpSpPr>
+      <p:grpSpPr>
+        <a:xfrm>
+          <a:off x="0" y="0"/>
+          <a:ext cx="0" cy="0"/>
+          <a:chOff x="0" y="0"/>
+          <a:chExt cx="0" cy="0"/>
+        </a:xfrm>
+      </p:grpSpPr>
+      <p:sp>
+        <p:nvSpPr>
+          <p:cNvPr id="58" name="PlaceHolder 1"/>
+          <p:cNvSpPr>
+            <a:spLocks noGrp="1"/>
+          </p:cNvSpPr>
+          <p:nvPr>
+            <p:ph type="title"/>
+          </p:nvPr>
+        </p:nvSpPr>
+        <p:spPr>
+          <a:xfrm>
+            <a:off x="504000" y="301320"/>
+            <a:ext cx="9072000" cy="1261800"/>
+          </a:xfrm>
+          <a:prstGeom prst="rect">
+            <a:avLst/>
+          </a:prstGeom>
+        </p:spPr>
+        <p:txBody>
+          <a:bodyPr lIns="0" rIns="0" tIns="0" bIns="0" anchor="ctr"/>
+          <a:p>
+            <a:pPr algn="ctr"/>
+            <a:endParaRPr b="0" lang="en-GB" sz="4400" spc="-1" strike="noStrike">
+              <a:solidFill>
+                <a:srgbClr val="000000"/>
+              </a:solidFill>
+              <a:uFill>
+                <a:solidFill>
+                  <a:srgbClr val="ffffff"/>
+                </a:solidFill>
+              </a:uFill>
+              <a:latin typeface="Arial"/>
+            </a:endParaRPr>
+          </a:p>
+        </p:txBody>
+      </p:sp>
+      <p:sp>
+        <p:nvSpPr>
+          <p:cNvPr id="59" name="PlaceHolder 2"/>
+          <p:cNvSpPr>
+            <a:spLocks noGrp="1"/>
+          </p:cNvSpPr>
+          <p:nvPr>
+            <p:ph type="body"/>
+          </p:nvPr>
+        </p:nvSpPr>
+        <p:spPr>
+          <a:xfrm>
+            <a:off x="504000" y="1768680"/>
+            <a:ext cx="4426920" cy="4384080"/>
+          </a:xfrm>
+          <a:prstGeom prst="rect">
+            <a:avLst/>
+          </a:prstGeom>
+        </p:spPr>
+        <p:txBody>
+          <a:bodyPr lIns="0" rIns="0" tIns="0" bIns="0"/>
+          <a:p>
+            <a:endParaRPr b="0" lang="en-GB" sz="3200" spc="-1" strike="noStrike">
+              <a:solidFill>
+                <a:srgbClr val="000000"/>
+              </a:solidFill>
+              <a:uFill>
+                <a:solidFill>
+                  <a:srgbClr val="ffffff"/>
+                </a:solidFill>
+              </a:uFill>
+              <a:latin typeface="Arial"/>
+            </a:endParaRPr>
+          </a:p>
+        </p:txBody>
+      </p:sp>
+      <p:sp>
+        <p:nvSpPr>
+          <p:cNvPr id="60" name="PlaceHolder 3"/>
+          <p:cNvSpPr>
+            <a:spLocks noGrp="1"/>
+          </p:cNvSpPr>
+          <p:nvPr>
+            <p:ph type="body"/>
+          </p:nvPr>
+        </p:nvSpPr>
+        <p:spPr>
+          <a:xfrm>
+            <a:off x="5152680" y="1768680"/>
+            <a:ext cx="4426920" cy="2090880"/>
+          </a:xfrm>
+          <a:prstGeom prst="rect">
+            <a:avLst/>
+          </a:prstGeom>
+        </p:spPr>
+        <p:txBody>
+          <a:bodyPr lIns="0" rIns="0" tIns="0" bIns="0"/>
+          <a:p>
+            <a:endParaRPr b="0" lang="en-GB" sz="3200" spc="-1" strike="noStrike">
+              <a:solidFill>
+                <a:srgbClr val="000000"/>
+              </a:solidFill>
+              <a:uFill>
+                <a:solidFill>
+                  <a:srgbClr val="ffffff"/>
+                </a:solidFill>
+              </a:uFill>
+              <a:latin typeface="Arial"/>
+            </a:endParaRPr>
+          </a:p>
+        </p:txBody>
+      </p:sp>
+      <p:sp>
+        <p:nvSpPr>
+          <p:cNvPr id="61" name="PlaceHolder 4"/>
+          <p:cNvSpPr>
+            <a:spLocks noGrp="1"/>
+          </p:cNvSpPr>
+          <p:nvPr>
+            <p:ph type="body"/>
+          </p:nvPr>
+        </p:nvSpPr>
+        <p:spPr>
+          <a:xfrm>
+            <a:off x="5152680" y="4058640"/>
+            <a:ext cx="4426920" cy="2090880"/>
+          </a:xfrm>
+          <a:prstGeom prst="rect">
+            <a:avLst/>
+          </a:prstGeom>
+        </p:spPr>
+        <p:txBody>
+          <a:bodyPr lIns="0" rIns="0" tIns="0" bIns="0"/>
+          <a:p>
+            <a:endParaRPr b="0" lang="en-GB" sz="3200" spc="-1" strike="noStrike">
+              <a:solidFill>
+                <a:srgbClr val="000000"/>
+              </a:solidFill>
+              <a:uFill>
+                <a:solidFill>
+                  <a:srgbClr val="ffffff"/>
+                </a:solidFill>
+              </a:uFill>
+              <a:latin typeface="Arial"/>
+            </a:endParaRPr>
+          </a:p>
+        </p:txBody>
+      </p:sp>
+    </p:spTree>
+  </p:cSld>
+</p:sldLayout>
+</file>
+
+<file path=ppt/slideLayouts/slideLayout21.xml><?xml version="1.0" encoding="utf-8"?>
+<p:sldLayout xmlns:a="http://schemas.openxmlformats.org/drawingml/2006/main" xmlns:p="http://schemas.openxmlformats.org/presentationml/2006/main" xmlns:r="http://schemas.openxmlformats.org/officeDocument/2006/relationships" xmlns:p14="http://schemas.microsoft.com/office/powerpoint/2010/main" xmlns:p15="http://schemas.microsoft.com/office/powerpoint/2012/main" xmlns:mc="http://schemas.openxmlformats.org/markup-compatibility/2006" type="twoObjOverTx" preserve="1">
+  <p:cSld name="Title, 2 Content over Content">
+    <p:spTree>
+      <p:nvGrpSpPr>
+        <p:cNvPr id="1" name=""/>
+        <p:cNvGrpSpPr/>
+        <p:nvPr/>
+      </p:nvGrpSpPr>
+      <p:grpSpPr>
+        <a:xfrm>
+          <a:off x="0" y="0"/>
+          <a:ext cx="0" cy="0"/>
+          <a:chOff x="0" y="0"/>
+          <a:chExt cx="0" cy="0"/>
+        </a:xfrm>
+      </p:grpSpPr>
+      <p:sp>
+        <p:nvSpPr>
+          <p:cNvPr id="62" name="PlaceHolder 1"/>
+          <p:cNvSpPr>
+            <a:spLocks noGrp="1"/>
+          </p:cNvSpPr>
+          <p:nvPr>
+            <p:ph type="title"/>
+          </p:nvPr>
+        </p:nvSpPr>
+        <p:spPr>
+          <a:xfrm>
+            <a:off x="504000" y="301320"/>
+            <a:ext cx="9072000" cy="1261800"/>
+          </a:xfrm>
+          <a:prstGeom prst="rect">
+            <a:avLst/>
+          </a:prstGeom>
+        </p:spPr>
+        <p:txBody>
+          <a:bodyPr lIns="0" rIns="0" tIns="0" bIns="0" anchor="ctr"/>
+          <a:p>
+            <a:pPr algn="ctr"/>
+            <a:endParaRPr b="0" lang="en-GB" sz="4400" spc="-1" strike="noStrike">
+              <a:solidFill>
+                <a:srgbClr val="000000"/>
+              </a:solidFill>
+              <a:uFill>
+                <a:solidFill>
+                  <a:srgbClr val="ffffff"/>
+                </a:solidFill>
+              </a:uFill>
+              <a:latin typeface="Arial"/>
+            </a:endParaRPr>
+          </a:p>
+        </p:txBody>
+      </p:sp>
+      <p:sp>
+        <p:nvSpPr>
+          <p:cNvPr id="63" name="PlaceHolder 2"/>
+          <p:cNvSpPr>
+            <a:spLocks noGrp="1"/>
+          </p:cNvSpPr>
+          <p:nvPr>
+            <p:ph type="body"/>
+          </p:nvPr>
+        </p:nvSpPr>
+        <p:spPr>
+          <a:xfrm>
+            <a:off x="504000" y="1768680"/>
+            <a:ext cx="4426920" cy="2090880"/>
+          </a:xfrm>
+          <a:prstGeom prst="rect">
+            <a:avLst/>
+          </a:prstGeom>
+        </p:spPr>
+        <p:txBody>
+          <a:bodyPr lIns="0" rIns="0" tIns="0" bIns="0"/>
+          <a:p>
+            <a:endParaRPr b="0" lang="en-GB" sz="3200" spc="-1" strike="noStrike">
+              <a:solidFill>
+                <a:srgbClr val="000000"/>
+              </a:solidFill>
+              <a:uFill>
+                <a:solidFill>
+                  <a:srgbClr val="ffffff"/>
+                </a:solidFill>
+              </a:uFill>
+              <a:latin typeface="Arial"/>
+            </a:endParaRPr>
+          </a:p>
+        </p:txBody>
+      </p:sp>
+      <p:sp>
+        <p:nvSpPr>
+          <p:cNvPr id="64" name="PlaceHolder 3"/>
+          <p:cNvSpPr>
+            <a:spLocks noGrp="1"/>
+          </p:cNvSpPr>
+          <p:nvPr>
+            <p:ph type="body"/>
+          </p:nvPr>
+        </p:nvSpPr>
+        <p:spPr>
+          <a:xfrm>
+            <a:off x="5152680" y="1768680"/>
+            <a:ext cx="4426920" cy="2090880"/>
+          </a:xfrm>
+          <a:prstGeom prst="rect">
+            <a:avLst/>
+          </a:prstGeom>
+        </p:spPr>
+        <p:txBody>
+          <a:bodyPr lIns="0" rIns="0" tIns="0" bIns="0"/>
+          <a:p>
+            <a:endParaRPr b="0" lang="en-GB" sz="3200" spc="-1" strike="noStrike">
+              <a:solidFill>
+                <a:srgbClr val="000000"/>
+              </a:solidFill>
+              <a:uFill>
+                <a:solidFill>
+                  <a:srgbClr val="ffffff"/>
+                </a:solidFill>
+              </a:uFill>
+              <a:latin typeface="Arial"/>
+            </a:endParaRPr>
+          </a:p>
+        </p:txBody>
+      </p:sp>
+      <p:sp>
+        <p:nvSpPr>
+          <p:cNvPr id="65" name="PlaceHolder 4"/>
+          <p:cNvSpPr>
+            <a:spLocks noGrp="1"/>
+          </p:cNvSpPr>
+          <p:nvPr>
+            <p:ph type="body"/>
+          </p:nvPr>
+        </p:nvSpPr>
+        <p:spPr>
+          <a:xfrm>
+            <a:off x="504000" y="4058640"/>
+            <a:ext cx="9072000" cy="2090880"/>
+          </a:xfrm>
+          <a:prstGeom prst="rect">
+            <a:avLst/>
+          </a:prstGeom>
+        </p:spPr>
+        <p:txBody>
+          <a:bodyPr lIns="0" rIns="0" tIns="0" bIns="0"/>
+          <a:p>
+            <a:endParaRPr b="0" lang="en-GB" sz="3200" spc="-1" strike="noStrike">
+              <a:solidFill>
+                <a:srgbClr val="000000"/>
+              </a:solidFill>
+              <a:uFill>
+                <a:solidFill>
+                  <a:srgbClr val="ffffff"/>
+                </a:solidFill>
+              </a:uFill>
+              <a:latin typeface="Arial"/>
+            </a:endParaRPr>
+          </a:p>
+        </p:txBody>
+      </p:sp>
+    </p:spTree>
+  </p:cSld>
+</p:sldLayout>
+</file>
+
+<file path=ppt/slideLayouts/slideLayout22.xml><?xml version="1.0" encoding="utf-8"?>
+<p:sldLayout xmlns:a="http://schemas.openxmlformats.org/drawingml/2006/main" xmlns:p="http://schemas.openxmlformats.org/presentationml/2006/main" xmlns:r="http://schemas.openxmlformats.org/officeDocument/2006/relationships" xmlns:p14="http://schemas.microsoft.com/office/powerpoint/2010/main" xmlns:p15="http://schemas.microsoft.com/office/powerpoint/2012/main" xmlns:mc="http://schemas.openxmlformats.org/markup-compatibility/2006" type="objOverTx" preserve="1">
+  <p:cSld name="Title, Content over Content">
+    <p:spTree>
+      <p:nvGrpSpPr>
+        <p:cNvPr id="1" name=""/>
+        <p:cNvGrpSpPr/>
+        <p:nvPr/>
+      </p:nvGrpSpPr>
+      <p:grpSpPr>
+        <a:xfrm>
+          <a:off x="0" y="0"/>
+          <a:ext cx="0" cy="0"/>
+          <a:chOff x="0" y="0"/>
+          <a:chExt cx="0" cy="0"/>
+        </a:xfrm>
+      </p:grpSpPr>
+      <p:sp>
+        <p:nvSpPr>
+          <p:cNvPr id="66" name="PlaceHolder 1"/>
+          <p:cNvSpPr>
+            <a:spLocks noGrp="1"/>
+          </p:cNvSpPr>
+          <p:nvPr>
+            <p:ph type="title"/>
+          </p:nvPr>
+        </p:nvSpPr>
+        <p:spPr>
+          <a:xfrm>
+            <a:off x="504000" y="301320"/>
+            <a:ext cx="9072000" cy="1261800"/>
+          </a:xfrm>
+          <a:prstGeom prst="rect">
+            <a:avLst/>
+          </a:prstGeom>
+        </p:spPr>
+        <p:txBody>
+          <a:bodyPr lIns="0" rIns="0" tIns="0" bIns="0" anchor="ctr"/>
+          <a:p>
+            <a:pPr algn="ctr"/>
+            <a:endParaRPr b="0" lang="en-GB" sz="4400" spc="-1" strike="noStrike">
+              <a:solidFill>
+                <a:srgbClr val="000000"/>
+              </a:solidFill>
+              <a:uFill>
+                <a:solidFill>
+                  <a:srgbClr val="ffffff"/>
+                </a:solidFill>
+              </a:uFill>
+              <a:latin typeface="Arial"/>
+            </a:endParaRPr>
+          </a:p>
+        </p:txBody>
+      </p:sp>
+      <p:sp>
+        <p:nvSpPr>
+          <p:cNvPr id="67" name="PlaceHolder 2"/>
+          <p:cNvSpPr>
+            <a:spLocks noGrp="1"/>
+          </p:cNvSpPr>
+          <p:nvPr>
+            <p:ph type="body"/>
+          </p:nvPr>
+        </p:nvSpPr>
+        <p:spPr>
+          <a:xfrm>
+            <a:off x="504000" y="1768680"/>
+            <a:ext cx="9072000" cy="2090880"/>
+          </a:xfrm>
+          <a:prstGeom prst="rect">
+            <a:avLst/>
+          </a:prstGeom>
+        </p:spPr>
+        <p:txBody>
+          <a:bodyPr lIns="0" rIns="0" tIns="0" bIns="0"/>
+          <a:p>
+            <a:endParaRPr b="0" lang="en-GB" sz="3200" spc="-1" strike="noStrike">
+              <a:solidFill>
+                <a:srgbClr val="000000"/>
+              </a:solidFill>
+              <a:uFill>
+                <a:solidFill>
+                  <a:srgbClr val="ffffff"/>
+                </a:solidFill>
+              </a:uFill>
+              <a:latin typeface="Arial"/>
+            </a:endParaRPr>
+          </a:p>
+        </p:txBody>
+      </p:sp>
+      <p:sp>
+        <p:nvSpPr>
+          <p:cNvPr id="68" name="PlaceHolder 3"/>
+          <p:cNvSpPr>
+            <a:spLocks noGrp="1"/>
+          </p:cNvSpPr>
+          <p:nvPr>
+            <p:ph type="body"/>
+          </p:nvPr>
+        </p:nvSpPr>
+        <p:spPr>
+          <a:xfrm>
+            <a:off x="504000" y="4058640"/>
+            <a:ext cx="9072000" cy="2090880"/>
+          </a:xfrm>
+          <a:prstGeom prst="rect">
+            <a:avLst/>
+          </a:prstGeom>
+        </p:spPr>
+        <p:txBody>
+          <a:bodyPr lIns="0" rIns="0" tIns="0" bIns="0"/>
+          <a:p>
+            <a:endParaRPr b="0" lang="en-GB" sz="3200" spc="-1" strike="noStrike">
+              <a:solidFill>
+                <a:srgbClr val="000000"/>
+              </a:solidFill>
+              <a:uFill>
+                <a:solidFill>
+                  <a:srgbClr val="ffffff"/>
+                </a:solidFill>
+              </a:uFill>
+              <a:latin typeface="Arial"/>
+            </a:endParaRPr>
+          </a:p>
+        </p:txBody>
+      </p:sp>
+    </p:spTree>
+  </p:cSld>
+</p:sldLayout>
+</file>
+
+<file path=ppt/slideLayouts/slideLayout23.xml><?xml version="1.0" encoding="utf-8"?>
+<p:sldLayout xmlns:a="http://schemas.openxmlformats.org/drawingml/2006/main" xmlns:p="http://schemas.openxmlformats.org/presentationml/2006/main" xmlns:r="http://schemas.openxmlformats.org/officeDocument/2006/relationships" xmlns:p14="http://schemas.microsoft.com/office/powerpoint/2010/main" xmlns:p15="http://schemas.microsoft.com/office/powerpoint/2012/main" xmlns:mc="http://schemas.openxmlformats.org/markup-compatibility/2006" type="fourObj" preserve="1">
+  <p:cSld name="Title, 4 Content">
+    <p:spTree>
+      <p:nvGrpSpPr>
+        <p:cNvPr id="1" name=""/>
+        <p:cNvGrpSpPr/>
+        <p:nvPr/>
+      </p:nvGrpSpPr>
+      <p:grpSpPr>
+        <a:xfrm>
+          <a:off x="0" y="0"/>
+          <a:ext cx="0" cy="0"/>
+          <a:chOff x="0" y="0"/>
+          <a:chExt cx="0" cy="0"/>
+        </a:xfrm>
+      </p:grpSpPr>
+      <p:sp>
+        <p:nvSpPr>
+          <p:cNvPr id="69" name="PlaceHolder 1"/>
+          <p:cNvSpPr>
+            <a:spLocks noGrp="1"/>
+          </p:cNvSpPr>
+          <p:nvPr>
+            <p:ph type="title"/>
+          </p:nvPr>
+        </p:nvSpPr>
+        <p:spPr>
+          <a:xfrm>
+            <a:off x="504000" y="301320"/>
+            <a:ext cx="9072000" cy="1261800"/>
+          </a:xfrm>
+          <a:prstGeom prst="rect">
+            <a:avLst/>
+          </a:prstGeom>
+        </p:spPr>
+        <p:txBody>
+          <a:bodyPr lIns="0" rIns="0" tIns="0" bIns="0" anchor="ctr"/>
+          <a:p>
+            <a:pPr algn="ctr"/>
+            <a:endParaRPr b="0" lang="en-GB" sz="4400" spc="-1" strike="noStrike">
+              <a:solidFill>
+                <a:srgbClr val="000000"/>
+              </a:solidFill>
+              <a:uFill>
+                <a:solidFill>
+                  <a:srgbClr val="ffffff"/>
+                </a:solidFill>
+              </a:uFill>
+              <a:latin typeface="Arial"/>
+            </a:endParaRPr>
+          </a:p>
+        </p:txBody>
+      </p:sp>
+      <p:sp>
+        <p:nvSpPr>
+          <p:cNvPr id="70" name="PlaceHolder 2"/>
+          <p:cNvSpPr>
+            <a:spLocks noGrp="1"/>
+          </p:cNvSpPr>
+          <p:nvPr>
+            <p:ph type="body"/>
+          </p:nvPr>
+        </p:nvSpPr>
+        <p:spPr>
+          <a:xfrm>
+            <a:off x="504000" y="1768680"/>
+            <a:ext cx="4426920" cy="2090880"/>
+          </a:xfrm>
+          <a:prstGeom prst="rect">
+            <a:avLst/>
+          </a:prstGeom>
+        </p:spPr>
+        <p:txBody>
+          <a:bodyPr lIns="0" rIns="0" tIns="0" bIns="0"/>
+          <a:p>
+            <a:endParaRPr b="0" lang="en-GB" sz="3200" spc="-1" strike="noStrike">
+              <a:solidFill>
+                <a:srgbClr val="000000"/>
+              </a:solidFill>
+              <a:uFill>
+                <a:solidFill>
+                  <a:srgbClr val="ffffff"/>
+                </a:solidFill>
+              </a:uFill>
+              <a:latin typeface="Arial"/>
+            </a:endParaRPr>
+          </a:p>
+        </p:txBody>
+      </p:sp>
+      <p:sp>
+        <p:nvSpPr>
+          <p:cNvPr id="71" name="PlaceHolder 3"/>
+          <p:cNvSpPr>
+            <a:spLocks noGrp="1"/>
+          </p:cNvSpPr>
+          <p:nvPr>
+            <p:ph type="body"/>
+          </p:nvPr>
+        </p:nvSpPr>
+        <p:spPr>
+          <a:xfrm>
+            <a:off x="5152680" y="1768680"/>
+            <a:ext cx="4426920" cy="2090880"/>
+          </a:xfrm>
+          <a:prstGeom prst="rect">
+            <a:avLst/>
+          </a:prstGeom>
+        </p:spPr>
+        <p:txBody>
+          <a:bodyPr lIns="0" rIns="0" tIns="0" bIns="0"/>
+          <a:p>
+            <a:endParaRPr b="0" lang="en-GB" sz="3200" spc="-1" strike="noStrike">
+              <a:solidFill>
+                <a:srgbClr val="000000"/>
+              </a:solidFill>
+              <a:uFill>
+                <a:solidFill>
+                  <a:srgbClr val="ffffff"/>
+                </a:solidFill>
+              </a:uFill>
+              <a:latin typeface="Arial"/>
+            </a:endParaRPr>
+          </a:p>
+        </p:txBody>
+      </p:sp>
+      <p:sp>
+        <p:nvSpPr>
+          <p:cNvPr id="72" name="PlaceHolder 4"/>
+          <p:cNvSpPr>
+            <a:spLocks noGrp="1"/>
+          </p:cNvSpPr>
+          <p:nvPr>
+            <p:ph type="body"/>
+          </p:nvPr>
+        </p:nvSpPr>
+        <p:spPr>
+          <a:xfrm>
+            <a:off x="5152680" y="4058640"/>
+            <a:ext cx="4426920" cy="2090880"/>
+          </a:xfrm>
+          <a:prstGeom prst="rect">
+            <a:avLst/>
+          </a:prstGeom>
+        </p:spPr>
+        <p:txBody>
+          <a:bodyPr lIns="0" rIns="0" tIns="0" bIns="0"/>
+          <a:p>
+            <a:endParaRPr b="0" lang="en-GB" sz="3200" spc="-1" strike="noStrike">
+              <a:solidFill>
+                <a:srgbClr val="000000"/>
+              </a:solidFill>
+              <a:uFill>
+                <a:solidFill>
+                  <a:srgbClr val="ffffff"/>
+                </a:solidFill>
+              </a:uFill>
+              <a:latin typeface="Arial"/>
+            </a:endParaRPr>
+          </a:p>
+        </p:txBody>
+      </p:sp>
+      <p:sp>
+        <p:nvSpPr>
+          <p:cNvPr id="73" name="PlaceHolder 5"/>
+          <p:cNvSpPr>
+            <a:spLocks noGrp="1"/>
+          </p:cNvSpPr>
+          <p:nvPr>
+            <p:ph type="body"/>
+          </p:nvPr>
+        </p:nvSpPr>
+        <p:spPr>
+          <a:xfrm>
+            <a:off x="504000" y="4058640"/>
+            <a:ext cx="4426920" cy="2090880"/>
+          </a:xfrm>
+          <a:prstGeom prst="rect">
+            <a:avLst/>
+          </a:prstGeom>
+        </p:spPr>
+        <p:txBody>
+          <a:bodyPr lIns="0" rIns="0" tIns="0" bIns="0"/>
+          <a:p>
+            <a:endParaRPr b="0" lang="en-GB" sz="3200" spc="-1" strike="noStrike">
+              <a:solidFill>
+                <a:srgbClr val="000000"/>
+              </a:solidFill>
+              <a:uFill>
+                <a:solidFill>
+                  <a:srgbClr val="ffffff"/>
+                </a:solidFill>
+              </a:uFill>
+              <a:latin typeface="Arial"/>
+            </a:endParaRPr>
+          </a:p>
+        </p:txBody>
+      </p:sp>
+    </p:spTree>
+  </p:cSld>
+</p:sldLayout>
+</file>
+
+<file path=ppt/slideLayouts/slideLayout24.xml><?xml version="1.0" encoding="utf-8"?>
+<p:sldLayout xmlns:a="http://schemas.openxmlformats.org/drawingml/2006/main" xmlns:p="http://schemas.openxmlformats.org/presentationml/2006/main" xmlns:r="http://schemas.openxmlformats.org/officeDocument/2006/relationships" xmlns:p14="http://schemas.microsoft.com/office/powerpoint/2010/main" xmlns:p15="http://schemas.microsoft.com/office/powerpoint/2012/main" xmlns:mc="http://schemas.openxmlformats.org/markup-compatibility/2006" type="blank" preserve="1">
+  <p:cSld name="Title, 6 Content">
+    <p:spTree>
+      <p:nvGrpSpPr>
+        <p:cNvPr id="1" name=""/>
+        <p:cNvGrpSpPr/>
+        <p:nvPr/>
+      </p:nvGrpSpPr>
+      <p:grpSpPr>
+        <a:xfrm>
+          <a:off x="0" y="0"/>
+          <a:ext cx="0" cy="0"/>
+          <a:chOff x="0" y="0"/>
+          <a:chExt cx="0" cy="0"/>
+        </a:xfrm>
+      </p:grpSpPr>
+      <p:sp>
+        <p:nvSpPr>
+          <p:cNvPr id="74" name="PlaceHolder 1"/>
+          <p:cNvSpPr>
+            <a:spLocks noGrp="1"/>
+          </p:cNvSpPr>
+          <p:nvPr>
+            <p:ph type="title"/>
+          </p:nvPr>
+        </p:nvSpPr>
+        <p:spPr>
+          <a:xfrm>
+            <a:off x="504000" y="301320"/>
+            <a:ext cx="9072000" cy="1261800"/>
+          </a:xfrm>
+          <a:prstGeom prst="rect">
+            <a:avLst/>
+          </a:prstGeom>
+        </p:spPr>
+        <p:txBody>
+          <a:bodyPr lIns="0" rIns="0" tIns="0" bIns="0" anchor="ctr"/>
+          <a:p>
+            <a:pPr algn="ctr"/>
+            <a:endParaRPr b="0" lang="en-GB" sz="4400" spc="-1" strike="noStrike">
+              <a:solidFill>
+                <a:srgbClr val="000000"/>
+              </a:solidFill>
+              <a:uFill>
+                <a:solidFill>
+                  <a:srgbClr val="ffffff"/>
+                </a:solidFill>
+              </a:uFill>
+              <a:latin typeface="Arial"/>
+            </a:endParaRPr>
+          </a:p>
+        </p:txBody>
+      </p:sp>
+      <p:sp>
+        <p:nvSpPr>
+          <p:cNvPr id="75" name="PlaceHolder 2"/>
+          <p:cNvSpPr>
+            <a:spLocks noGrp="1"/>
+          </p:cNvSpPr>
+          <p:nvPr>
+            <p:ph type="body"/>
+          </p:nvPr>
+        </p:nvSpPr>
+        <p:spPr>
+          <a:xfrm>
+            <a:off x="504000" y="1768680"/>
+            <a:ext cx="9072000" cy="4384080"/>
+          </a:xfrm>
+          <a:prstGeom prst="rect">
+            <a:avLst/>
+          </a:prstGeom>
+        </p:spPr>
+        <p:txBody>
+          <a:bodyPr lIns="0" rIns="0" tIns="0" bIns="0"/>
+          <a:p>
+            <a:endParaRPr b="0" lang="en-GB" sz="3200" spc="-1" strike="noStrike">
+              <a:solidFill>
+                <a:srgbClr val="000000"/>
+              </a:solidFill>
+              <a:uFill>
+                <a:solidFill>
+                  <a:srgbClr val="ffffff"/>
+                </a:solidFill>
+              </a:uFill>
+              <a:latin typeface="Arial"/>
+            </a:endParaRPr>
+          </a:p>
+        </p:txBody>
+      </p:sp>
+      <p:sp>
+        <p:nvSpPr>
+          <p:cNvPr id="76" name="PlaceHolder 3"/>
+          <p:cNvSpPr>
+            <a:spLocks noGrp="1"/>
+          </p:cNvSpPr>
+          <p:nvPr>
+            <p:ph type="body"/>
+          </p:nvPr>
+        </p:nvSpPr>
+        <p:spPr>
+          <a:xfrm>
+            <a:off x="504000" y="1768680"/>
+            <a:ext cx="9072000" cy="4384080"/>
+          </a:xfrm>
+          <a:prstGeom prst="rect">
+            <a:avLst/>
+          </a:prstGeom>
+        </p:spPr>
+        <p:txBody>
+          <a:bodyPr lIns="0" rIns="0" tIns="0" bIns="0"/>
+          <a:p>
+            <a:endParaRPr b="0" lang="en-GB" sz="3200" spc="-1" strike="noStrike">
+              <a:solidFill>
+                <a:srgbClr val="000000"/>
+              </a:solidFill>
+              <a:uFill>
+                <a:solidFill>
+                  <a:srgbClr val="ffffff"/>
+                </a:solidFill>
+              </a:uFill>
+              <a:latin typeface="Arial"/>
+            </a:endParaRPr>
+          </a:p>
+        </p:txBody>
+      </p:sp>
+      <p:pic>
+        <p:nvPicPr>
+          <p:cNvPr id="77" name="" descr=""/>
+          <p:cNvPicPr/>
+          <p:nvPr/>
+        </p:nvPicPr>
+        <p:blipFill>
+          <a:blip r:embed="rId2"/>
+          <a:stretch/>
+        </p:blipFill>
+        <p:spPr>
+          <a:xfrm>
+            <a:off x="2292480" y="1768680"/>
+            <a:ext cx="5494680" cy="4384080"/>
+          </a:xfrm>
+          <a:prstGeom prst="rect">
+            <a:avLst/>
+          </a:prstGeom>
+          <a:ln>
+            <a:noFill/>
+          </a:ln>
+        </p:spPr>
+      </p:pic>
+      <p:pic>
+        <p:nvPicPr>
+          <p:cNvPr id="78" name="" descr=""/>
+          <p:cNvPicPr/>
+          <p:nvPr/>
+        </p:nvPicPr>
+        <p:blipFill>
+          <a:blip r:embed="rId3"/>
+          <a:stretch/>
+        </p:blipFill>
+        <p:spPr>
+          <a:xfrm>
+            <a:off x="2292480" y="1768680"/>
+            <a:ext cx="5494680" cy="4384080"/>
+          </a:xfrm>
+          <a:prstGeom prst="rect">
+            <a:avLst/>
+          </a:prstGeom>
+          <a:ln>
+            <a:noFill/>
+          </a:ln>
+        </p:spPr>
+      </p:pic>
     </p:spTree>
   </p:cSld>
 </p:sldLayout>
@@ -664,7 +2665,7 @@
       </p:grpSpPr>
       <p:sp>
         <p:nvSpPr>
-          <p:cNvPr id="7" name="PlaceHolder 1"/>
+          <p:cNvPr id="11" name="PlaceHolder 1"/>
           <p:cNvSpPr>
             <a:spLocks noGrp="1"/>
           </p:cNvSpPr>
@@ -675,7 +2676,7 @@
         <p:spPr>
           <a:xfrm>
             <a:off x="504000" y="301320"/>
-            <a:ext cx="9071640" cy="1262160"/>
+            <a:ext cx="9072000" cy="1261800"/>
           </a:xfrm>
           <a:prstGeom prst="rect">
             <a:avLst/>
@@ -701,7 +2702,7 @@
       </p:sp>
       <p:sp>
         <p:nvSpPr>
-          <p:cNvPr id="8" name="PlaceHolder 2"/>
+          <p:cNvPr id="12" name="PlaceHolder 2"/>
           <p:cNvSpPr>
             <a:spLocks noGrp="1"/>
           </p:cNvSpPr>
@@ -711,8 +2712,8 @@
         </p:nvSpPr>
         <p:spPr>
           <a:xfrm>
-            <a:off x="504000" y="1769040"/>
-            <a:ext cx="9071640" cy="4384440"/>
+            <a:off x="504000" y="1768680"/>
+            <a:ext cx="9072000" cy="4384080"/>
           </a:xfrm>
           <a:prstGeom prst="rect">
             <a:avLst/>
@@ -759,7 +2760,7 @@
       </p:grpSpPr>
       <p:sp>
         <p:nvSpPr>
-          <p:cNvPr id="9" name="PlaceHolder 1"/>
+          <p:cNvPr id="13" name="PlaceHolder 1"/>
           <p:cNvSpPr>
             <a:spLocks noGrp="1"/>
           </p:cNvSpPr>
@@ -770,7 +2771,7 @@
         <p:spPr>
           <a:xfrm>
             <a:off x="504000" y="301320"/>
-            <a:ext cx="9071640" cy="1262160"/>
+            <a:ext cx="9072000" cy="1261800"/>
           </a:xfrm>
           <a:prstGeom prst="rect">
             <a:avLst/>
@@ -796,7 +2797,7 @@
       </p:sp>
       <p:sp>
         <p:nvSpPr>
-          <p:cNvPr id="10" name="PlaceHolder 2"/>
+          <p:cNvPr id="14" name="PlaceHolder 2"/>
           <p:cNvSpPr>
             <a:spLocks noGrp="1"/>
           </p:cNvSpPr>
@@ -806,8 +2807,8 @@
         </p:nvSpPr>
         <p:spPr>
           <a:xfrm>
-            <a:off x="504000" y="1769040"/>
-            <a:ext cx="4426920" cy="4384440"/>
+            <a:off x="504000" y="1768680"/>
+            <a:ext cx="4426920" cy="4384080"/>
           </a:xfrm>
           <a:prstGeom prst="rect">
             <a:avLst/>
@@ -832,7 +2833,7 @@
       </p:sp>
       <p:sp>
         <p:nvSpPr>
-          <p:cNvPr id="11" name="PlaceHolder 3"/>
+          <p:cNvPr id="15" name="PlaceHolder 3"/>
           <p:cNvSpPr>
             <a:spLocks noGrp="1"/>
           </p:cNvSpPr>
@@ -842,8 +2843,8 @@
         </p:nvSpPr>
         <p:spPr>
           <a:xfrm>
-            <a:off x="5152680" y="1769040"/>
-            <a:ext cx="4426920" cy="4384440"/>
+            <a:off x="5152680" y="1768680"/>
+            <a:ext cx="4426920" cy="4384080"/>
           </a:xfrm>
           <a:prstGeom prst="rect">
             <a:avLst/>
@@ -890,7 +2891,7 @@
       </p:grpSpPr>
       <p:sp>
         <p:nvSpPr>
-          <p:cNvPr id="12" name="PlaceHolder 1"/>
+          <p:cNvPr id="16" name="PlaceHolder 1"/>
           <p:cNvSpPr>
             <a:spLocks noGrp="1"/>
           </p:cNvSpPr>
@@ -901,7 +2902,7 @@
         <p:spPr>
           <a:xfrm>
             <a:off x="504000" y="301320"/>
-            <a:ext cx="9071640" cy="1262160"/>
+            <a:ext cx="9072000" cy="1261800"/>
           </a:xfrm>
           <a:prstGeom prst="rect">
             <a:avLst/>
@@ -949,7 +2950,7 @@
       </p:grpSpPr>
       <p:sp>
         <p:nvSpPr>
-          <p:cNvPr id="13" name="PlaceHolder 1"/>
+          <p:cNvPr id="17" name="PlaceHolder 1"/>
           <p:cNvSpPr>
             <a:spLocks noGrp="1"/>
           </p:cNvSpPr>
@@ -960,7 +2961,7 @@
         <p:spPr>
           <a:xfrm>
             <a:off x="504000" y="301320"/>
-            <a:ext cx="9071640" cy="5851800"/>
+            <a:ext cx="9072000" cy="5850360"/>
           </a:xfrm>
           <a:prstGeom prst="rect">
             <a:avLst/>
@@ -1008,7 +3009,7 @@
       </p:grpSpPr>
       <p:sp>
         <p:nvSpPr>
-          <p:cNvPr id="14" name="PlaceHolder 1"/>
+          <p:cNvPr id="18" name="PlaceHolder 1"/>
           <p:cNvSpPr>
             <a:spLocks noGrp="1"/>
           </p:cNvSpPr>
@@ -1019,7 +3020,7 @@
         <p:spPr>
           <a:xfrm>
             <a:off x="504000" y="301320"/>
-            <a:ext cx="9071640" cy="1262160"/>
+            <a:ext cx="9072000" cy="1261800"/>
           </a:xfrm>
           <a:prstGeom prst="rect">
             <a:avLst/>
@@ -1045,7 +3046,7 @@
       </p:sp>
       <p:sp>
         <p:nvSpPr>
-          <p:cNvPr id="15" name="PlaceHolder 2"/>
+          <p:cNvPr id="19" name="PlaceHolder 2"/>
           <p:cNvSpPr>
             <a:spLocks noGrp="1"/>
           </p:cNvSpPr>
@@ -1055,8 +3056,8 @@
         </p:nvSpPr>
         <p:spPr>
           <a:xfrm>
-            <a:off x="504000" y="1769040"/>
-            <a:ext cx="4426920" cy="2091240"/>
+            <a:off x="504000" y="1768680"/>
+            <a:ext cx="4426920" cy="2090880"/>
           </a:xfrm>
           <a:prstGeom prst="rect">
             <a:avLst/>
@@ -1081,7 +3082,7 @@
       </p:sp>
       <p:sp>
         <p:nvSpPr>
-          <p:cNvPr id="16" name="PlaceHolder 3"/>
+          <p:cNvPr id="20" name="PlaceHolder 3"/>
           <p:cNvSpPr>
             <a:spLocks noGrp="1"/>
           </p:cNvSpPr>
@@ -1091,8 +3092,8 @@
         </p:nvSpPr>
         <p:spPr>
           <a:xfrm>
-            <a:off x="504000" y="4059360"/>
-            <a:ext cx="4426920" cy="2091240"/>
+            <a:off x="504000" y="4058640"/>
+            <a:ext cx="4426920" cy="2090880"/>
           </a:xfrm>
           <a:prstGeom prst="rect">
             <a:avLst/>
@@ -1117,7 +3118,7 @@
       </p:sp>
       <p:sp>
         <p:nvSpPr>
-          <p:cNvPr id="17" name="PlaceHolder 4"/>
+          <p:cNvPr id="21" name="PlaceHolder 4"/>
           <p:cNvSpPr>
             <a:spLocks noGrp="1"/>
           </p:cNvSpPr>
@@ -1127,8 +3128,8 @@
         </p:nvSpPr>
         <p:spPr>
           <a:xfrm>
-            <a:off x="5152680" y="1769040"/>
-            <a:ext cx="4426920" cy="4384440"/>
+            <a:off x="5152680" y="1768680"/>
+            <a:ext cx="4426920" cy="4384080"/>
           </a:xfrm>
           <a:prstGeom prst="rect">
             <a:avLst/>
@@ -1175,7 +3176,7 @@
       </p:grpSpPr>
       <p:sp>
         <p:nvSpPr>
-          <p:cNvPr id="18" name="PlaceHolder 1"/>
+          <p:cNvPr id="22" name="PlaceHolder 1"/>
           <p:cNvSpPr>
             <a:spLocks noGrp="1"/>
           </p:cNvSpPr>
@@ -1186,7 +3187,7 @@
         <p:spPr>
           <a:xfrm>
             <a:off x="504000" y="301320"/>
-            <a:ext cx="9071640" cy="1262160"/>
+            <a:ext cx="9072000" cy="1261800"/>
           </a:xfrm>
           <a:prstGeom prst="rect">
             <a:avLst/>
@@ -1212,7 +3213,7 @@
       </p:sp>
       <p:sp>
         <p:nvSpPr>
-          <p:cNvPr id="19" name="PlaceHolder 2"/>
+          <p:cNvPr id="23" name="PlaceHolder 2"/>
           <p:cNvSpPr>
             <a:spLocks noGrp="1"/>
           </p:cNvSpPr>
@@ -1222,8 +3223,8 @@
         </p:nvSpPr>
         <p:spPr>
           <a:xfrm>
-            <a:off x="504000" y="1769040"/>
-            <a:ext cx="4426920" cy="4384440"/>
+            <a:off x="504000" y="1768680"/>
+            <a:ext cx="4426920" cy="4384080"/>
           </a:xfrm>
           <a:prstGeom prst="rect">
             <a:avLst/>
@@ -1248,7 +3249,7 @@
       </p:sp>
       <p:sp>
         <p:nvSpPr>
-          <p:cNvPr id="20" name="PlaceHolder 3"/>
+          <p:cNvPr id="24" name="PlaceHolder 3"/>
           <p:cNvSpPr>
             <a:spLocks noGrp="1"/>
           </p:cNvSpPr>
@@ -1258,8 +3259,8 @@
         </p:nvSpPr>
         <p:spPr>
           <a:xfrm>
-            <a:off x="5152680" y="1769040"/>
-            <a:ext cx="4426920" cy="2091240"/>
+            <a:off x="5152680" y="1768680"/>
+            <a:ext cx="4426920" cy="2090880"/>
           </a:xfrm>
           <a:prstGeom prst="rect">
             <a:avLst/>
@@ -1284,7 +3285,7 @@
       </p:sp>
       <p:sp>
         <p:nvSpPr>
-          <p:cNvPr id="21" name="PlaceHolder 4"/>
+          <p:cNvPr id="25" name="PlaceHolder 4"/>
           <p:cNvSpPr>
             <a:spLocks noGrp="1"/>
           </p:cNvSpPr>
@@ -1294,8 +3295,8 @@
         </p:nvSpPr>
         <p:spPr>
           <a:xfrm>
-            <a:off x="5152680" y="4059360"/>
-            <a:ext cx="4426920" cy="2091240"/>
+            <a:off x="5152680" y="4058640"/>
+            <a:ext cx="4426920" cy="2090880"/>
           </a:xfrm>
           <a:prstGeom prst="rect">
             <a:avLst/>
@@ -1342,7 +3343,7 @@
       </p:grpSpPr>
       <p:sp>
         <p:nvSpPr>
-          <p:cNvPr id="22" name="PlaceHolder 1"/>
+          <p:cNvPr id="26" name="PlaceHolder 1"/>
           <p:cNvSpPr>
             <a:spLocks noGrp="1"/>
           </p:cNvSpPr>
@@ -1353,7 +3354,7 @@
         <p:spPr>
           <a:xfrm>
             <a:off x="504000" y="301320"/>
-            <a:ext cx="9071640" cy="1262160"/>
+            <a:ext cx="9072000" cy="1261800"/>
           </a:xfrm>
           <a:prstGeom prst="rect">
             <a:avLst/>
@@ -1379,7 +3380,7 @@
       </p:sp>
       <p:sp>
         <p:nvSpPr>
-          <p:cNvPr id="23" name="PlaceHolder 2"/>
+          <p:cNvPr id="27" name="PlaceHolder 2"/>
           <p:cNvSpPr>
             <a:spLocks noGrp="1"/>
           </p:cNvSpPr>
@@ -1389,8 +3390,8 @@
         </p:nvSpPr>
         <p:spPr>
           <a:xfrm>
-            <a:off x="504000" y="1769040"/>
-            <a:ext cx="4426920" cy="2091240"/>
+            <a:off x="504000" y="1768680"/>
+            <a:ext cx="4426920" cy="2090880"/>
           </a:xfrm>
           <a:prstGeom prst="rect">
             <a:avLst/>
@@ -1415,7 +3416,7 @@
       </p:sp>
       <p:sp>
         <p:nvSpPr>
-          <p:cNvPr id="24" name="PlaceHolder 3"/>
+          <p:cNvPr id="28" name="PlaceHolder 3"/>
           <p:cNvSpPr>
             <a:spLocks noGrp="1"/>
           </p:cNvSpPr>
@@ -1425,8 +3426,8 @@
         </p:nvSpPr>
         <p:spPr>
           <a:xfrm>
-            <a:off x="5152680" y="1769040"/>
-            <a:ext cx="4426920" cy="2091240"/>
+            <a:off x="5152680" y="1768680"/>
+            <a:ext cx="4426920" cy="2090880"/>
           </a:xfrm>
           <a:prstGeom prst="rect">
             <a:avLst/>
@@ -1451,7 +3452,7 @@
       </p:sp>
       <p:sp>
         <p:nvSpPr>
-          <p:cNvPr id="25" name="PlaceHolder 4"/>
+          <p:cNvPr id="29" name="PlaceHolder 4"/>
           <p:cNvSpPr>
             <a:spLocks noGrp="1"/>
           </p:cNvSpPr>
@@ -1461,8 +3462,8 @@
         </p:nvSpPr>
         <p:spPr>
           <a:xfrm>
-            <a:off x="504000" y="4059360"/>
-            <a:ext cx="9071640" cy="2091240"/>
+            <a:off x="504000" y="4058640"/>
+            <a:ext cx="9072000" cy="2090880"/>
           </a:xfrm>
           <a:prstGeom prst="rect">
             <a:avLst/>
@@ -1493,6 +3494,13 @@
 <file path=ppt/slideMasters/slideMaster1.xml><?xml version="1.0" encoding="utf-8"?>
 <p:sldMaster xmlns:a="http://schemas.openxmlformats.org/drawingml/2006/main" xmlns:p="http://schemas.openxmlformats.org/presentationml/2006/main" xmlns:r="http://schemas.openxmlformats.org/officeDocument/2006/relationships" xmlns:p14="http://schemas.microsoft.com/office/powerpoint/2010/main" xmlns:p15="http://schemas.microsoft.com/office/powerpoint/2012/main" xmlns:mc="http://schemas.openxmlformats.org/markup-compatibility/2006">
   <p:cSld>
+    <p:bg>
+      <p:bgPr>
+        <a:solidFill>
+          <a:srgbClr val="ffffff"/>
+        </a:solidFill>
+      </p:bgPr>
+    </p:bg>
     <p:spTree>
       <p:nvGrpSpPr>
         <p:cNvPr id="1" name=""/>
@@ -1509,7 +3517,211 @@
       </p:grpSpPr>
       <p:sp>
         <p:nvSpPr>
-          <p:cNvPr id="0" name="PlaceHolder 1"/>
+          <p:cNvPr id="0" name="CustomShape 1"/>
+          <p:cNvSpPr/>
+          <p:nvPr/>
+        </p:nvSpPr>
+        <p:spPr>
+          <a:xfrm>
+            <a:off x="0" y="2595240"/>
+            <a:ext cx="10079640" cy="1743480"/>
+          </a:xfrm>
+          <a:prstGeom prst="rect">
+            <a:avLst/>
+          </a:prstGeom>
+          <a:solidFill>
+            <a:schemeClr val="tx1">
+              <a:alpha val="80000"/>
+            </a:schemeClr>
+          </a:solidFill>
+          <a:ln>
+            <a:noFill/>
+          </a:ln>
+          <a:effectLst>
+            <a:outerShdw blurRad="40000" dir="5400000" dist="23000" rotWithShape="0">
+              <a:srgbClr val="000000">
+                <a:alpha val="35000"/>
+              </a:srgbClr>
+            </a:outerShdw>
+          </a:effectLst>
+        </p:spPr>
+        <p:style>
+          <a:lnRef idx="1">
+            <a:schemeClr val="accent1"/>
+          </a:lnRef>
+          <a:fillRef idx="3">
+            <a:schemeClr val="accent1"/>
+          </a:fillRef>
+          <a:effectRef idx="2">
+            <a:schemeClr val="accent1"/>
+          </a:effectRef>
+          <a:fontRef idx="minor"/>
+        </p:style>
+      </p:sp>
+      <p:sp>
+        <p:nvSpPr>
+          <p:cNvPr id="1" name="Line 2"/>
+          <p:cNvSpPr/>
+          <p:nvPr/>
+        </p:nvSpPr>
+        <p:spPr>
+          <a:xfrm flipH="1">
+            <a:off x="1147680" y="2874960"/>
+            <a:ext cx="1800" cy="1464480"/>
+          </a:xfrm>
+          <a:prstGeom prst="line">
+            <a:avLst/>
+          </a:prstGeom>
+          <a:ln>
+            <a:solidFill>
+              <a:srgbClr val="ffffff"/>
+            </a:solidFill>
+            <a:round/>
+          </a:ln>
+        </p:spPr>
+        <p:style>
+          <a:lnRef idx="2">
+            <a:schemeClr val="accent1"/>
+          </a:lnRef>
+          <a:fillRef idx="0">
+            <a:schemeClr val="accent1"/>
+          </a:fillRef>
+          <a:effectRef idx="1">
+            <a:schemeClr val="accent1"/>
+          </a:effectRef>
+          <a:fontRef idx="minor"/>
+        </p:style>
+      </p:sp>
+      <p:sp>
+        <p:nvSpPr>
+          <p:cNvPr id="2" name="Line 3"/>
+          <p:cNvSpPr/>
+          <p:nvPr/>
+        </p:nvSpPr>
+        <p:spPr>
+          <a:xfrm flipH="1">
+            <a:off x="1144080" y="4341240"/>
+            <a:ext cx="1800" cy="652680"/>
+          </a:xfrm>
+          <a:prstGeom prst="line">
+            <a:avLst/>
+          </a:prstGeom>
+          <a:ln>
+            <a:solidFill>
+              <a:schemeClr val="bg1"/>
+            </a:solidFill>
+            <a:round/>
+          </a:ln>
+        </p:spPr>
+        <p:style>
+          <a:lnRef idx="2">
+            <a:schemeClr val="accent1"/>
+          </a:lnRef>
+          <a:fillRef idx="0">
+            <a:schemeClr val="accent1"/>
+          </a:fillRef>
+          <a:effectRef idx="1">
+            <a:schemeClr val="accent1"/>
+          </a:effectRef>
+          <a:fontRef idx="minor"/>
+        </p:style>
+      </p:sp>
+      <p:pic>
+        <p:nvPicPr>
+          <p:cNvPr id="3" name="Picture 2" descr=""/>
+          <p:cNvPicPr/>
+          <p:nvPr/>
+        </p:nvPicPr>
+        <p:blipFill>
+          <a:blip r:embed="rId2"/>
+          <a:srcRect l="6788" t="0" r="7119" b="0"/>
+          <a:stretch/>
+        </p:blipFill>
+        <p:spPr>
+          <a:xfrm>
+            <a:off x="3257280" y="138960"/>
+            <a:ext cx="3139200" cy="1920600"/>
+          </a:xfrm>
+          <a:prstGeom prst="rect">
+            <a:avLst/>
+          </a:prstGeom>
+          <a:ln>
+            <a:noFill/>
+          </a:ln>
+        </p:spPr>
+      </p:pic>
+      <p:pic>
+        <p:nvPicPr>
+          <p:cNvPr id="4" name="Picture 2" descr=""/>
+          <p:cNvPicPr/>
+          <p:nvPr/>
+        </p:nvPicPr>
+        <p:blipFill>
+          <a:blip r:embed="rId3"/>
+          <a:stretch/>
+        </p:blipFill>
+        <p:spPr>
+          <a:xfrm>
+            <a:off x="2840760" y="6533280"/>
+            <a:ext cx="1915920" cy="885600"/>
+          </a:xfrm>
+          <a:prstGeom prst="rect">
+            <a:avLst/>
+          </a:prstGeom>
+          <a:ln>
+            <a:noFill/>
+          </a:ln>
+        </p:spPr>
+      </p:pic>
+      <p:pic>
+        <p:nvPicPr>
+          <p:cNvPr id="5" name="Picture 3" descr=""/>
+          <p:cNvPicPr/>
+          <p:nvPr/>
+        </p:nvPicPr>
+        <p:blipFill>
+          <a:blip r:embed="rId4"/>
+          <a:stretch/>
+        </p:blipFill>
+        <p:spPr>
+          <a:xfrm>
+            <a:off x="4956480" y="6715440"/>
+            <a:ext cx="1275120" cy="522000"/>
+          </a:xfrm>
+          <a:prstGeom prst="rect">
+            <a:avLst/>
+          </a:prstGeom>
+          <a:ln>
+            <a:noFill/>
+          </a:ln>
+        </p:spPr>
+      </p:pic>
+      <p:pic>
+        <p:nvPicPr>
+          <p:cNvPr id="6" name="Picture 4" descr=""/>
+          <p:cNvPicPr/>
+          <p:nvPr/>
+        </p:nvPicPr>
+        <p:blipFill>
+          <a:blip r:embed="rId5"/>
+          <a:stretch/>
+        </p:blipFill>
+        <p:spPr>
+          <a:xfrm>
+            <a:off x="6432120" y="6580080"/>
+            <a:ext cx="1149840" cy="792360"/>
+          </a:xfrm>
+          <a:prstGeom prst="rect">
+            <a:avLst/>
+          </a:prstGeom>
+          <a:ln>
+            <a:noFill/>
+          </a:ln>
+        </p:spPr>
+      </p:pic>
+      <p:sp>
+        <p:nvSpPr>
+          <p:cNvPr id="7" name="PlaceHolder 4"/>
           <p:cNvSpPr>
             <a:spLocks noGrp="1"/>
           </p:cNvSpPr>
@@ -1520,7 +3732,7 @@
         <p:spPr>
           <a:xfrm>
             <a:off x="504000" y="301320"/>
-            <a:ext cx="9071640" cy="1262160"/>
+            <a:ext cx="9072000" cy="1261800"/>
           </a:xfrm>
           <a:prstGeom prst="rect">
             <a:avLst/>
@@ -1560,7 +3772,7 @@
       </p:sp>
       <p:sp>
         <p:nvSpPr>
-          <p:cNvPr id="1" name="PlaceHolder 2"/>
+          <p:cNvPr id="8" name="PlaceHolder 5"/>
           <p:cNvSpPr>
             <a:spLocks noGrp="1"/>
           </p:cNvSpPr>
@@ -1570,8 +3782,8 @@
         </p:nvSpPr>
         <p:spPr>
           <a:xfrm>
-            <a:off x="504000" y="1769040"/>
-            <a:ext cx="9071640" cy="4384440"/>
+            <a:off x="504000" y="1768680"/>
+            <a:ext cx="9072000" cy="4384080"/>
           </a:xfrm>
           <a:prstGeom prst="rect">
             <a:avLst/>
@@ -1826,30 +4038,75 @@
           </a:p>
         </p:txBody>
       </p:sp>
-      <p:sp>
-        <p:nvSpPr>
-          <p:cNvPr id="2" name="PlaceHolder 3"/>
-          <p:cNvSpPr>
-            <a:spLocks noGrp="1"/>
-          </p:cNvSpPr>
-          <p:nvPr>
-            <p:ph type="dt"/>
-          </p:nvPr>
-        </p:nvSpPr>
-        <p:spPr>
-          <a:xfrm>
-            <a:off x="504000" y="6887160"/>
-            <a:ext cx="2348280" cy="521280"/>
-          </a:xfrm>
-          <a:prstGeom prst="rect">
-            <a:avLst/>
-          </a:prstGeom>
-        </p:spPr>
-        <p:txBody>
-          <a:bodyPr lIns="0" rIns="0" tIns="0" bIns="0"/>
-          <a:p>
+    </p:spTree>
+  </p:cSld>
+  <p:clrMap bg1="lt1" bg2="lt2" tx1="dk1" tx2="dk2" accent1="accent1" accent2="accent2" accent3="accent3" accent4="accent4" accent5="accent5" accent6="accent6" hlink="hlink" folHlink="folHlink"/>
+  <p:sldLayoutIdLst>
+    <p:sldLayoutId id="2147483649" r:id="rId6"/>
+    <p:sldLayoutId id="2147483650" r:id="rId7"/>
+    <p:sldLayoutId id="2147483651" r:id="rId8"/>
+    <p:sldLayoutId id="2147483652" r:id="rId9"/>
+    <p:sldLayoutId id="2147483653" r:id="rId10"/>
+    <p:sldLayoutId id="2147483654" r:id="rId11"/>
+    <p:sldLayoutId id="2147483655" r:id="rId12"/>
+    <p:sldLayoutId id="2147483656" r:id="rId13"/>
+    <p:sldLayoutId id="2147483657" r:id="rId14"/>
+    <p:sldLayoutId id="2147483658" r:id="rId15"/>
+    <p:sldLayoutId id="2147483659" r:id="rId16"/>
+    <p:sldLayoutId id="2147483660" r:id="rId17"/>
+  </p:sldLayoutIdLst>
+</p:sldMaster>
+</file>
+
+<file path=ppt/slideMasters/slideMaster2.xml><?xml version="1.0" encoding="utf-8"?>
+<p:sldMaster xmlns:a="http://schemas.openxmlformats.org/drawingml/2006/main" xmlns:p="http://schemas.openxmlformats.org/presentationml/2006/main" xmlns:r="http://schemas.openxmlformats.org/officeDocument/2006/relationships" xmlns:p14="http://schemas.microsoft.com/office/powerpoint/2010/main" xmlns:p15="http://schemas.microsoft.com/office/powerpoint/2012/main" xmlns:mc="http://schemas.openxmlformats.org/markup-compatibility/2006">
+  <p:cSld>
+    <p:bg>
+      <p:bgPr>
+        <a:solidFill>
+          <a:srgbClr val="ffffff"/>
+        </a:solidFill>
+      </p:bgPr>
+    </p:bg>
+    <p:spTree>
+      <p:nvGrpSpPr>
+        <p:cNvPr id="1" name=""/>
+        <p:cNvGrpSpPr/>
+        <p:nvPr/>
+      </p:nvGrpSpPr>
+      <p:grpSpPr>
+        <a:xfrm>
+          <a:off x="0" y="0"/>
+          <a:ext cx="0" cy="0"/>
+          <a:chOff x="0" y="0"/>
+          <a:chExt cx="0" cy="0"/>
+        </a:xfrm>
+      </p:grpSpPr>
+      <p:sp>
+        <p:nvSpPr>
+          <p:cNvPr id="43" name="PlaceHolder 1"/>
+          <p:cNvSpPr>
+            <a:spLocks noGrp="1"/>
+          </p:cNvSpPr>
+          <p:nvPr>
+            <p:ph type="title"/>
+          </p:nvPr>
+        </p:nvSpPr>
+        <p:spPr>
+          <a:xfrm>
+            <a:off x="504000" y="301320"/>
+            <a:ext cx="9072000" cy="1261800"/>
+          </a:xfrm>
+          <a:prstGeom prst="rect">
+            <a:avLst/>
+          </a:prstGeom>
+        </p:spPr>
+        <p:txBody>
+          <a:bodyPr lIns="0" rIns="0" tIns="0" bIns="0" anchor="ctr"/>
+          <a:p>
+            <a:pPr algn="ctr"/>
             <a:r>
-              <a:rPr b="0" lang="en-GB" sz="1400" spc="-1" strike="noStrike">
+              <a:rPr b="0" lang="en-GB" sz="4400" spc="-1" strike="noStrike">
                 <a:solidFill>
                   <a:srgbClr val="000000"/>
                 </a:solidFill>
@@ -1858,38 +4115,38 @@
                     <a:srgbClr val="ffffff"/>
                   </a:solidFill>
                 </a:uFill>
-                <a:latin typeface="Times New Roman"/>
+                <a:latin typeface="Arial"/>
               </a:rPr>
-              <a:t>&lt;date/heure&gt;</a:t>
+              <a:t>Cliquez pour éditer le format du texte-titre</a:t>
             </a:r>
-            <a:endParaRPr b="0" lang="en-GB" sz="1400" spc="-1" strike="noStrike">
-              <a:solidFill>
-                <a:srgbClr val="000000"/>
-              </a:solidFill>
-              <a:uFill>
-                <a:solidFill>
-                  <a:srgbClr val="ffffff"/>
-                </a:solidFill>
-              </a:uFill>
-              <a:latin typeface="Times New Roman"/>
-            </a:endParaRPr>
-          </a:p>
-        </p:txBody>
-      </p:sp>
-      <p:sp>
-        <p:nvSpPr>
-          <p:cNvPr id="3" name="PlaceHolder 4"/>
-          <p:cNvSpPr>
-            <a:spLocks noGrp="1"/>
-          </p:cNvSpPr>
-          <p:nvPr>
-            <p:ph type="ftr"/>
-          </p:nvPr>
-        </p:nvSpPr>
-        <p:spPr>
-          <a:xfrm>
-            <a:off x="3447360" y="6887160"/>
-            <a:ext cx="3195000" cy="521280"/>
+            <a:endParaRPr b="0" lang="en-GB" sz="4400" spc="-1" strike="noStrike">
+              <a:solidFill>
+                <a:srgbClr val="000000"/>
+              </a:solidFill>
+              <a:uFill>
+                <a:solidFill>
+                  <a:srgbClr val="ffffff"/>
+                </a:solidFill>
+              </a:uFill>
+              <a:latin typeface="Arial"/>
+            </a:endParaRPr>
+          </a:p>
+        </p:txBody>
+      </p:sp>
+      <p:sp>
+        <p:nvSpPr>
+          <p:cNvPr id="44" name="PlaceHolder 2"/>
+          <p:cNvSpPr>
+            <a:spLocks noGrp="1"/>
+          </p:cNvSpPr>
+          <p:nvPr>
+            <p:ph type="body"/>
+          </p:nvPr>
+        </p:nvSpPr>
+        <p:spPr>
+          <a:xfrm>
+            <a:off x="504000" y="1768680"/>
+            <a:ext cx="9072000" cy="4384080"/>
           </a:xfrm>
           <a:prstGeom prst="rect">
             <a:avLst/>
@@ -1898,9 +4155,16 @@
         <p:txBody>
           <a:bodyPr lIns="0" rIns="0" tIns="0" bIns="0"/>
           <a:p>
-            <a:pPr algn="ctr"/>
+            <a:pPr marL="432000" indent="-324000">
+              <a:buClr>
+                <a:srgbClr val="000000"/>
+              </a:buClr>
+              <a:buSzPct val="45000"/>
+              <a:buFont typeface="Wingdings" charset="2"/>
+              <a:buChar char=""/>
+            </a:pPr>
             <a:r>
-              <a:rPr b="0" lang="en-GB" sz="1400" spc="-1" strike="noStrike">
+              <a:rPr b="0" lang="en-GB" sz="3200" spc="-1" strike="noStrike">
                 <a:solidFill>
                   <a:srgbClr val="000000"/>
                 </a:solidFill>
@@ -1909,49 +4173,33 @@
                     <a:srgbClr val="ffffff"/>
                   </a:solidFill>
                 </a:uFill>
-                <a:latin typeface="Times New Roman"/>
+                <a:latin typeface="Arial"/>
               </a:rPr>
-              <a:t>&lt;pied de page&gt;</a:t>
+              <a:t>Cliquez pour éditer le format du plan de texte</a:t>
             </a:r>
-            <a:endParaRPr b="0" lang="en-GB" sz="1400" spc="-1" strike="noStrike">
-              <a:solidFill>
-                <a:srgbClr val="000000"/>
-              </a:solidFill>
-              <a:uFill>
-                <a:solidFill>
-                  <a:srgbClr val="ffffff"/>
-                </a:solidFill>
-              </a:uFill>
-              <a:latin typeface="Times New Roman"/>
-            </a:endParaRPr>
-          </a:p>
-        </p:txBody>
-      </p:sp>
-      <p:sp>
-        <p:nvSpPr>
-          <p:cNvPr id="4" name="PlaceHolder 5"/>
-          <p:cNvSpPr>
-            <a:spLocks noGrp="1"/>
-          </p:cNvSpPr>
-          <p:nvPr>
-            <p:ph type="sldNum"/>
-          </p:nvPr>
-        </p:nvSpPr>
-        <p:spPr>
-          <a:xfrm>
-            <a:off x="7227360" y="6887160"/>
-            <a:ext cx="2348280" cy="521280"/>
-          </a:xfrm>
-          <a:prstGeom prst="rect">
-            <a:avLst/>
-          </a:prstGeom>
-        </p:spPr>
-        <p:txBody>
-          <a:bodyPr lIns="0" rIns="0" tIns="0" bIns="0"/>
-          <a:p>
-            <a:pPr algn="r"/>
-            <a:fld id="{8E4DDACB-6007-479F-A68E-F7089D4B1A7C}" type="slidenum">
-              <a:rPr b="0" lang="en-GB" sz="1400" spc="-1" strike="noStrike">
+            <a:endParaRPr b="0" lang="en-GB" sz="3200" spc="-1" strike="noStrike">
+              <a:solidFill>
+                <a:srgbClr val="000000"/>
+              </a:solidFill>
+              <a:uFill>
+                <a:solidFill>
+                  <a:srgbClr val="ffffff"/>
+                </a:solidFill>
+              </a:uFill>
+              <a:latin typeface="Arial"/>
+            </a:endParaRPr>
+          </a:p>
+          <a:p>
+            <a:pPr lvl="1" marL="864000" indent="-324000">
+              <a:buClr>
+                <a:srgbClr val="000000"/>
+              </a:buClr>
+              <a:buSzPct val="75000"/>
+              <a:buFont typeface="Symbol" charset="2"/>
+              <a:buChar char=""/>
+            </a:pPr>
+            <a:r>
+              <a:rPr b="0" lang="en-GB" sz="2800" spc="-1" strike="noStrike">
                 <a:solidFill>
                   <a:srgbClr val="000000"/>
                 </a:solidFill>
@@ -1960,20 +4208,195 @@
                     <a:srgbClr val="ffffff"/>
                   </a:solidFill>
                 </a:uFill>
-                <a:latin typeface="Times New Roman"/>
+                <a:latin typeface="Arial"/>
               </a:rPr>
-              <a:t>&lt;numéro&gt;</a:t>
-            </a:fld>
-            <a:endParaRPr b="0" lang="en-GB" sz="1400" spc="-1" strike="noStrike">
-              <a:solidFill>
-                <a:srgbClr val="000000"/>
-              </a:solidFill>
-              <a:uFill>
-                <a:solidFill>
-                  <a:srgbClr val="ffffff"/>
-                </a:solidFill>
-              </a:uFill>
-              <a:latin typeface="Times New Roman"/>
+              <a:t>Second niveau de plan</a:t>
+            </a:r>
+            <a:endParaRPr b="0" lang="en-GB" sz="2800" spc="-1" strike="noStrike">
+              <a:solidFill>
+                <a:srgbClr val="000000"/>
+              </a:solidFill>
+              <a:uFill>
+                <a:solidFill>
+                  <a:srgbClr val="ffffff"/>
+                </a:solidFill>
+              </a:uFill>
+              <a:latin typeface="Arial"/>
+            </a:endParaRPr>
+          </a:p>
+          <a:p>
+            <a:pPr lvl="2" marL="1296000" indent="-288000">
+              <a:buClr>
+                <a:srgbClr val="000000"/>
+              </a:buClr>
+              <a:buSzPct val="45000"/>
+              <a:buFont typeface="Wingdings" charset="2"/>
+              <a:buChar char=""/>
+            </a:pPr>
+            <a:r>
+              <a:rPr b="0" lang="en-GB" sz="2400" spc="-1" strike="noStrike">
+                <a:solidFill>
+                  <a:srgbClr val="000000"/>
+                </a:solidFill>
+                <a:uFill>
+                  <a:solidFill>
+                    <a:srgbClr val="ffffff"/>
+                  </a:solidFill>
+                </a:uFill>
+                <a:latin typeface="Arial"/>
+              </a:rPr>
+              <a:t>Troisième niveau de plan</a:t>
+            </a:r>
+            <a:endParaRPr b="0" lang="en-GB" sz="2400" spc="-1" strike="noStrike">
+              <a:solidFill>
+                <a:srgbClr val="000000"/>
+              </a:solidFill>
+              <a:uFill>
+                <a:solidFill>
+                  <a:srgbClr val="ffffff"/>
+                </a:solidFill>
+              </a:uFill>
+              <a:latin typeface="Arial"/>
+            </a:endParaRPr>
+          </a:p>
+          <a:p>
+            <a:pPr lvl="3" marL="1728000" indent="-216000">
+              <a:buClr>
+                <a:srgbClr val="000000"/>
+              </a:buClr>
+              <a:buSzPct val="75000"/>
+              <a:buFont typeface="Symbol" charset="2"/>
+              <a:buChar char=""/>
+            </a:pPr>
+            <a:r>
+              <a:rPr b="0" lang="en-GB" sz="2000" spc="-1" strike="noStrike">
+                <a:solidFill>
+                  <a:srgbClr val="000000"/>
+                </a:solidFill>
+                <a:uFill>
+                  <a:solidFill>
+                    <a:srgbClr val="ffffff"/>
+                  </a:solidFill>
+                </a:uFill>
+                <a:latin typeface="Arial"/>
+              </a:rPr>
+              <a:t>Quatrième niveau de plan</a:t>
+            </a:r>
+            <a:endParaRPr b="0" lang="en-GB" sz="2000" spc="-1" strike="noStrike">
+              <a:solidFill>
+                <a:srgbClr val="000000"/>
+              </a:solidFill>
+              <a:uFill>
+                <a:solidFill>
+                  <a:srgbClr val="ffffff"/>
+                </a:solidFill>
+              </a:uFill>
+              <a:latin typeface="Arial"/>
+            </a:endParaRPr>
+          </a:p>
+          <a:p>
+            <a:pPr lvl="4" marL="2160000" indent="-216000">
+              <a:buClr>
+                <a:srgbClr val="000000"/>
+              </a:buClr>
+              <a:buSzPct val="45000"/>
+              <a:buFont typeface="Wingdings" charset="2"/>
+              <a:buChar char=""/>
+            </a:pPr>
+            <a:r>
+              <a:rPr b="0" lang="en-GB" sz="2000" spc="-1" strike="noStrike">
+                <a:solidFill>
+                  <a:srgbClr val="000000"/>
+                </a:solidFill>
+                <a:uFill>
+                  <a:solidFill>
+                    <a:srgbClr val="ffffff"/>
+                  </a:solidFill>
+                </a:uFill>
+                <a:latin typeface="Arial"/>
+              </a:rPr>
+              <a:t>Cinquième niveau de plan</a:t>
+            </a:r>
+            <a:endParaRPr b="0" lang="en-GB" sz="2000" spc="-1" strike="noStrike">
+              <a:solidFill>
+                <a:srgbClr val="000000"/>
+              </a:solidFill>
+              <a:uFill>
+                <a:solidFill>
+                  <a:srgbClr val="ffffff"/>
+                </a:solidFill>
+              </a:uFill>
+              <a:latin typeface="Arial"/>
+            </a:endParaRPr>
+          </a:p>
+          <a:p>
+            <a:pPr lvl="5" marL="2592000" indent="-216000">
+              <a:buClr>
+                <a:srgbClr val="000000"/>
+              </a:buClr>
+              <a:buSzPct val="45000"/>
+              <a:buFont typeface="Wingdings" charset="2"/>
+              <a:buChar char=""/>
+            </a:pPr>
+            <a:r>
+              <a:rPr b="0" lang="en-GB" sz="2000" spc="-1" strike="noStrike">
+                <a:solidFill>
+                  <a:srgbClr val="000000"/>
+                </a:solidFill>
+                <a:uFill>
+                  <a:solidFill>
+                    <a:srgbClr val="ffffff"/>
+                  </a:solidFill>
+                </a:uFill>
+                <a:latin typeface="Arial"/>
+              </a:rPr>
+              <a:t>Sixième niveau de plan</a:t>
+            </a:r>
+            <a:endParaRPr b="0" lang="en-GB" sz="2000" spc="-1" strike="noStrike">
+              <a:solidFill>
+                <a:srgbClr val="000000"/>
+              </a:solidFill>
+              <a:uFill>
+                <a:solidFill>
+                  <a:srgbClr val="ffffff"/>
+                </a:solidFill>
+              </a:uFill>
+              <a:latin typeface="Arial"/>
+            </a:endParaRPr>
+          </a:p>
+          <a:p>
+            <a:pPr lvl="6" marL="3024000" indent="-216000">
+              <a:buClr>
+                <a:srgbClr val="000000"/>
+              </a:buClr>
+              <a:buSzPct val="45000"/>
+              <a:buFont typeface="Wingdings" charset="2"/>
+              <a:buChar char=""/>
+            </a:pPr>
+            <a:r>
+              <a:rPr b="0" lang="en-GB" sz="2000" spc="-1" strike="noStrike">
+                <a:solidFill>
+                  <a:srgbClr val="000000"/>
+                </a:solidFill>
+                <a:uFill>
+                  <a:solidFill>
+                    <a:srgbClr val="ffffff"/>
+                  </a:solidFill>
+                </a:uFill>
+                <a:latin typeface="Arial"/>
+              </a:rPr>
+              <a:t>Septième niveau de plan</a:t>
+            </a:r>
+            <a:endParaRPr b="0" lang="en-GB" sz="2000" spc="-1" strike="noStrike">
+              <a:solidFill>
+                <a:srgbClr val="000000"/>
+              </a:solidFill>
+              <a:uFill>
+                <a:solidFill>
+                  <a:srgbClr val="ffffff"/>
+                </a:solidFill>
+              </a:uFill>
+              <a:latin typeface="Arial"/>
             </a:endParaRPr>
           </a:p>
         </p:txBody>
@@ -1982,18 +4405,18 @@
   </p:cSld>
   <p:clrMap bg1="lt1" bg2="lt2" tx1="dk1" tx2="dk2" accent1="accent1" accent2="accent2" accent3="accent3" accent4="accent4" accent5="accent5" accent6="accent6" hlink="hlink" folHlink="folHlink"/>
   <p:sldLayoutIdLst>
-    <p:sldLayoutId id="2147483649" r:id="rId2"/>
-    <p:sldLayoutId id="2147483650" r:id="rId3"/>
-    <p:sldLayoutId id="2147483651" r:id="rId4"/>
-    <p:sldLayoutId id="2147483652" r:id="rId5"/>
-    <p:sldLayoutId id="2147483653" r:id="rId6"/>
-    <p:sldLayoutId id="2147483654" r:id="rId7"/>
-    <p:sldLayoutId id="2147483655" r:id="rId8"/>
-    <p:sldLayoutId id="2147483656" r:id="rId9"/>
-    <p:sldLayoutId id="2147483657" r:id="rId10"/>
-    <p:sldLayoutId id="2147483658" r:id="rId11"/>
-    <p:sldLayoutId id="2147483659" r:id="rId12"/>
-    <p:sldLayoutId id="2147483660" r:id="rId13"/>
+    <p:sldLayoutId id="2147483662" r:id="rId2"/>
+    <p:sldLayoutId id="2147483663" r:id="rId3"/>
+    <p:sldLayoutId id="2147483664" r:id="rId4"/>
+    <p:sldLayoutId id="2147483665" r:id="rId5"/>
+    <p:sldLayoutId id="2147483666" r:id="rId6"/>
+    <p:sldLayoutId id="2147483667" r:id="rId7"/>
+    <p:sldLayoutId id="2147483668" r:id="rId8"/>
+    <p:sldLayoutId id="2147483669" r:id="rId9"/>
+    <p:sldLayoutId id="2147483670" r:id="rId10"/>
+    <p:sldLayoutId id="2147483671" r:id="rId11"/>
+    <p:sldLayoutId id="2147483672" r:id="rId12"/>
+    <p:sldLayoutId id="2147483673" r:id="rId13"/>
   </p:sldLayoutIdLst>
 </p:sldMaster>
 </file>
@@ -2017,14 +4440,14 @@
       </p:grpSpPr>
       <p:sp>
         <p:nvSpPr>
-          <p:cNvPr id="39" name="TextShape 1"/>
-          <p:cNvSpPr txBox="1"/>
+          <p:cNvPr id="84" name="CustomShape 1"/>
+          <p:cNvSpPr/>
           <p:nvPr/>
         </p:nvSpPr>
         <p:spPr>
           <a:xfrm>
-            <a:off x="504000" y="301320"/>
-            <a:ext cx="9071640" cy="1262160"/>
+            <a:off x="1149480" y="2874960"/>
+            <a:ext cx="8567280" cy="1463760"/>
           </a:xfrm>
           <a:prstGeom prst="rect">
             <a:avLst/>
@@ -2034,105 +4457,99 @@
             <a:noFill/>
           </a:ln>
         </p:spPr>
-        <p:txBody>
-          <a:bodyPr lIns="0" rIns="0" tIns="0" bIns="0" anchor="ctr"/>
-          <a:p>
-            <a:pPr algn="ctr"/>
+        <p:style>
+          <a:lnRef idx="0"/>
+          <a:fillRef idx="0"/>
+          <a:effectRef idx="0"/>
+          <a:fontRef idx="minor"/>
+        </p:style>
+        <p:txBody>
+          <a:bodyPr lIns="90000" rIns="90000" tIns="45000" bIns="45000" anchor="ctr"/>
+          <a:p>
+            <a:pPr>
+              <a:lnSpc>
+                <a:spcPct val="100000"/>
+              </a:lnSpc>
+            </a:pPr>
             <a:r>
-              <a:rPr b="0" lang="en-GB" sz="4400" spc="-1" strike="noStrike">
-                <a:solidFill>
-                  <a:srgbClr val="000000"/>
+              <a:rPr b="1" lang="en-GB" sz="3600" spc="-1" strike="noStrike">
+                <a:solidFill>
+                  <a:srgbClr val="ffffff"/>
                 </a:solidFill>
                 <a:uFill>
                   <a:solidFill>
                     <a:srgbClr val="ffffff"/>
                   </a:solidFill>
                 </a:uFill>
-                <a:latin typeface="Arial"/>
+                <a:latin typeface="Calibri"/>
+                <a:ea typeface="ＭＳ Ｐゴシック"/>
               </a:rPr>
-              <a:t>Formation reproductibilité</a:t>
+              <a:t>    </a:t>
             </a:r>
-            <a:endParaRPr b="0" lang="en-GB" sz="4400" spc="-1" strike="noStrike">
-              <a:solidFill>
-                <a:srgbClr val="000000"/>
-              </a:solidFill>
-              <a:uFill>
-                <a:solidFill>
-                  <a:srgbClr val="ffffff"/>
-                </a:solidFill>
-              </a:uFill>
-              <a:latin typeface="Arial"/>
-            </a:endParaRPr>
-          </a:p>
-        </p:txBody>
-      </p:sp>
-      <p:sp>
-        <p:nvSpPr>
-          <p:cNvPr id="40" name="TextShape 2"/>
-          <p:cNvSpPr txBox="1"/>
-          <p:nvPr/>
-        </p:nvSpPr>
-        <p:spPr>
-          <a:xfrm>
-            <a:off x="504000" y="1769040"/>
-            <a:ext cx="9071640" cy="4384440"/>
-          </a:xfrm>
-          <a:prstGeom prst="rect">
-            <a:avLst/>
-          </a:prstGeom>
-          <a:noFill/>
-          <a:ln>
-            <a:noFill/>
-          </a:ln>
-        </p:spPr>
-        <p:txBody>
-          <a:bodyPr lIns="0" rIns="0" tIns="0" bIns="0" anchor="ctr"/>
-          <a:p>
-            <a:pPr algn="ctr"/>
             <a:r>
-              <a:rPr b="0" lang="en-GB" sz="3200" spc="-1" strike="noStrike">
-                <a:solidFill>
-                  <a:srgbClr val="000000"/>
+              <a:rPr b="1" lang="en-GB" sz="3600" spc="-1" strike="noStrike">
+                <a:solidFill>
+                  <a:srgbClr val="ffffff"/>
                 </a:solidFill>
                 <a:uFill>
                   <a:solidFill>
                     <a:srgbClr val="ffffff"/>
                   </a:solidFill>
                 </a:uFill>
-                <a:latin typeface="Arial"/>
+                <a:latin typeface="Calibri"/>
+                <a:ea typeface="ＭＳ Ｐゴシック"/>
               </a:rPr>
-              <a:t>Pourquoi ?</a:t>
+              <a:t>DIGIPORC – DataScience – Axe 2</a:t>
             </a:r>
-            <a:endParaRPr b="0" lang="en-GB" sz="3200" spc="-1" strike="noStrike">
-              <a:solidFill>
-                <a:srgbClr val="000000"/>
-              </a:solidFill>
-              <a:uFill>
-                <a:solidFill>
-                  <a:srgbClr val="ffffff"/>
-                </a:solidFill>
-              </a:uFill>
-              <a:latin typeface="Arial"/>
-            </a:endParaRPr>
-          </a:p>
-          <a:p>
-            <a:pPr algn="ctr"/>
-            <a:endParaRPr b="0" lang="en-GB" sz="3200" spc="-1" strike="noStrike">
-              <a:solidFill>
-                <a:srgbClr val="000000"/>
-              </a:solidFill>
-              <a:uFill>
-                <a:solidFill>
-                  <a:srgbClr val="ffffff"/>
-                </a:solidFill>
-              </a:uFill>
-              <a:latin typeface="Arial"/>
-            </a:endParaRPr>
-          </a:p>
-          <a:p>
-            <a:pPr algn="ctr"/>
+            <a:endParaRPr b="0" lang="en-GB" sz="1800" spc="-1" strike="noStrike">
+              <a:solidFill>
+                <a:srgbClr val="000000"/>
+              </a:solidFill>
+              <a:uFill>
+                <a:solidFill>
+                  <a:srgbClr val="ffffff"/>
+                </a:solidFill>
+              </a:uFill>
+              <a:latin typeface="Arial"/>
+            </a:endParaRPr>
+          </a:p>
+        </p:txBody>
+      </p:sp>
+      <p:sp>
+        <p:nvSpPr>
+          <p:cNvPr id="85" name="CustomShape 2"/>
+          <p:cNvSpPr/>
+          <p:nvPr/>
+        </p:nvSpPr>
+        <p:spPr>
+          <a:xfrm>
+            <a:off x="1149480" y="4339440"/>
+            <a:ext cx="7779960" cy="812880"/>
+          </a:xfrm>
+          <a:prstGeom prst="rect">
+            <a:avLst/>
+          </a:prstGeom>
+          <a:noFill/>
+          <a:ln>
+            <a:noFill/>
+          </a:ln>
+        </p:spPr>
+        <p:style>
+          <a:lnRef idx="0"/>
+          <a:fillRef idx="0"/>
+          <a:effectRef idx="0"/>
+          <a:fontRef idx="minor"/>
+        </p:style>
+        <p:txBody>
+          <a:bodyPr lIns="90000" rIns="90000" tIns="45000" bIns="45000"/>
+          <a:p>
+            <a:pPr algn="ctr">
+              <a:lnSpc>
+                <a:spcPct val="100000"/>
+              </a:lnSpc>
+            </a:pPr>
             <a:r>
-              <a:rPr b="0" lang="en-GB" sz="3200" spc="-1" strike="noStrike">
+              <a:rPr b="0" i="1" lang="en-GB" sz="2400" spc="-1" strike="noStrike">
                 <a:solidFill>
                   <a:srgbClr val="000000"/>
                 </a:solidFill>
@@ -2141,95 +4558,30 @@
                     <a:srgbClr val="ffffff"/>
                   </a:solidFill>
                 </a:uFill>
-                <a:latin typeface="Arial"/>
+                <a:latin typeface="Calibri"/>
+                <a:ea typeface="ＭＳ Ｐゴシック"/>
               </a:rPr>
-              <a:t>Code informatique</a:t>
+              <a:t>Formation Reproductibilité pour la Science des données </a:t>
             </a:r>
-            <a:endParaRPr b="0" lang="en-GB" sz="3200" spc="-1" strike="noStrike">
-              <a:solidFill>
-                <a:srgbClr val="000000"/>
-              </a:solidFill>
-              <a:uFill>
-                <a:solidFill>
-                  <a:srgbClr val="ffffff"/>
-                </a:solidFill>
-              </a:uFill>
-              <a:latin typeface="Arial"/>
-            </a:endParaRPr>
-          </a:p>
-          <a:p>
-            <a:pPr algn="ctr"/>
-            <a:r>
-              <a:rPr b="0" lang="en-GB" sz="3200" spc="-1" strike="noStrike">
-                <a:solidFill>
-                  <a:srgbClr val="000000"/>
-                </a:solidFill>
-                <a:uFill>
-                  <a:solidFill>
-                    <a:srgbClr val="ffffff"/>
-                  </a:solidFill>
-                </a:uFill>
-                <a:latin typeface="Arial"/>
-              </a:rPr>
-              <a:t>Jeux de donnees</a:t>
-            </a:r>
-            <a:endParaRPr b="0" lang="en-GB" sz="3200" spc="-1" strike="noStrike">
-              <a:solidFill>
-                <a:srgbClr val="000000"/>
-              </a:solidFill>
-              <a:uFill>
-                <a:solidFill>
-                  <a:srgbClr val="ffffff"/>
-                </a:solidFill>
-              </a:uFill>
-              <a:latin typeface="Arial"/>
-            </a:endParaRPr>
-          </a:p>
-          <a:p>
-            <a:pPr algn="ctr"/>
-            <a:r>
-              <a:rPr b="0" lang="en-GB" sz="3200" spc="-1" strike="noStrike">
-                <a:solidFill>
-                  <a:srgbClr val="000000"/>
-                </a:solidFill>
-                <a:uFill>
-                  <a:solidFill>
-                    <a:srgbClr val="ffffff"/>
-                  </a:solidFill>
-                </a:uFill>
-                <a:latin typeface="Arial"/>
-              </a:rPr>
-              <a:t>Publication scientifique</a:t>
-            </a:r>
-            <a:endParaRPr b="0" lang="en-GB" sz="3200" spc="-1" strike="noStrike">
-              <a:solidFill>
-                <a:srgbClr val="000000"/>
-              </a:solidFill>
-              <a:uFill>
-                <a:solidFill>
-                  <a:srgbClr val="ffffff"/>
-                </a:solidFill>
-              </a:uFill>
-              <a:latin typeface="Arial"/>
-            </a:endParaRPr>
-          </a:p>
-          <a:p>
-            <a:pPr algn="ctr"/>
-            <a:r>
-              <a:rPr b="0" lang="en-GB" sz="3200" spc="-1" strike="noStrike">
-                <a:solidFill>
-                  <a:srgbClr val="000000"/>
-                </a:solidFill>
-                <a:uFill>
-                  <a:solidFill>
-                    <a:srgbClr val="ffffff"/>
-                  </a:solidFill>
-                </a:uFill>
-                <a:latin typeface="Arial"/>
-              </a:rPr>
-              <a:t>Qualité &amp; bonne pratique</a:t>
-            </a:r>
-            <a:endParaRPr b="0" lang="en-GB" sz="3200" spc="-1" strike="noStrike">
+            <a:endParaRPr b="0" lang="en-GB" sz="1800" spc="-1" strike="noStrike">
+              <a:solidFill>
+                <a:srgbClr val="000000"/>
+              </a:solidFill>
+              <a:uFill>
+                <a:solidFill>
+                  <a:srgbClr val="ffffff"/>
+                </a:solidFill>
+              </a:uFill>
+              <a:latin typeface="Arial"/>
+            </a:endParaRPr>
+          </a:p>
+          <a:p>
+            <a:pPr>
+              <a:lnSpc>
+                <a:spcPct val="90000"/>
+              </a:lnSpc>
+            </a:pPr>
+            <a:endParaRPr b="0" lang="en-GB" sz="1800" spc="-1" strike="noStrike">
               <a:solidFill>
                 <a:srgbClr val="000000"/>
               </a:solidFill>
@@ -2294,14 +4646,14 @@
       </p:grpSpPr>
       <p:sp>
         <p:nvSpPr>
-          <p:cNvPr id="41" name="TextShape 1"/>
-          <p:cNvSpPr txBox="1"/>
+          <p:cNvPr id="86" name="CustomShape 1"/>
+          <p:cNvSpPr/>
           <p:nvPr/>
         </p:nvSpPr>
         <p:spPr>
           <a:xfrm>
-            <a:off x="504000" y="301320"/>
-            <a:ext cx="9071640" cy="1262160"/>
+            <a:off x="692640" y="126360"/>
+            <a:ext cx="8693640" cy="1121760"/>
           </a:xfrm>
           <a:prstGeom prst="rect">
             <a:avLst/>
@@ -2311,12 +4663,22 @@
             <a:noFill/>
           </a:ln>
         </p:spPr>
-        <p:txBody>
-          <a:bodyPr lIns="0" rIns="0" tIns="0" bIns="0" anchor="ctr"/>
-          <a:p>
-            <a:pPr algn="ctr"/>
+        <p:style>
+          <a:lnRef idx="0"/>
+          <a:fillRef idx="0"/>
+          <a:effectRef idx="0"/>
+          <a:fontRef idx="minor"/>
+        </p:style>
+        <p:txBody>
+          <a:bodyPr lIns="90000" rIns="90000" tIns="45000" bIns="45000" anchor="ctr"/>
+          <a:p>
+            <a:pPr algn="ctr">
+              <a:lnSpc>
+                <a:spcPct val="100000"/>
+              </a:lnSpc>
+            </a:pPr>
             <a:r>
-              <a:rPr b="0" lang="en-GB" sz="4400" spc="-1" strike="noStrike">
+              <a:rPr b="0" i="1" lang="en-GB" sz="2400" spc="-1" strike="noStrike">
                 <a:solidFill>
                   <a:srgbClr val="000000"/>
                 </a:solidFill>
@@ -2325,34 +4687,35 @@
                     <a:srgbClr val="ffffff"/>
                   </a:solidFill>
                 </a:uFill>
-                <a:latin typeface="Arial"/>
+                <a:latin typeface="Calibri"/>
+                <a:ea typeface="ＭＳ Ｐゴシック"/>
               </a:rPr>
-              <a:t>Quels outils</a:t>
+              <a:t>Formation Reproductibilité pour la Science des données </a:t>
             </a:r>
-            <a:endParaRPr b="0" lang="en-GB" sz="4400" spc="-1" strike="noStrike">
-              <a:solidFill>
-                <a:srgbClr val="000000"/>
-              </a:solidFill>
-              <a:uFill>
-                <a:solidFill>
-                  <a:srgbClr val="ffffff"/>
-                </a:solidFill>
-              </a:uFill>
-              <a:latin typeface="Arial"/>
-            </a:endParaRPr>
-          </a:p>
-        </p:txBody>
-      </p:sp>
-      <p:sp>
-        <p:nvSpPr>
-          <p:cNvPr id="42" name="TextShape 2"/>
-          <p:cNvSpPr txBox="1"/>
+            <a:endParaRPr b="0" lang="en-GB" sz="1800" spc="-1" strike="noStrike">
+              <a:solidFill>
+                <a:srgbClr val="000000"/>
+              </a:solidFill>
+              <a:uFill>
+                <a:solidFill>
+                  <a:srgbClr val="ffffff"/>
+                </a:solidFill>
+              </a:uFill>
+              <a:latin typeface="Arial"/>
+            </a:endParaRPr>
+          </a:p>
+        </p:txBody>
+      </p:sp>
+      <p:sp>
+        <p:nvSpPr>
+          <p:cNvPr id="87" name="CustomShape 2"/>
+          <p:cNvSpPr/>
           <p:nvPr/>
         </p:nvSpPr>
         <p:spPr>
           <a:xfrm>
-            <a:off x="504000" y="1769040"/>
-            <a:ext cx="9071640" cy="4384440"/>
+            <a:off x="648000" y="2223000"/>
+            <a:ext cx="8693640" cy="3608640"/>
           </a:xfrm>
           <a:prstGeom prst="rect">
             <a:avLst/>
@@ -2362,89 +4725,80 @@
             <a:noFill/>
           </a:ln>
         </p:spPr>
-        <p:txBody>
-          <a:bodyPr lIns="0" rIns="0" tIns="0" bIns="0"/>
-          <a:p>
-            <a:pPr marL="432000" indent="-324000">
+        <p:style>
+          <a:lnRef idx="0"/>
+          <a:fillRef idx="0"/>
+          <a:effectRef idx="0"/>
+          <a:fontRef idx="minor"/>
+        </p:style>
+        <p:txBody>
+          <a:bodyPr lIns="90000" rIns="90000" tIns="45000" bIns="45000"/>
+          <a:p>
+            <a:pPr marL="228600" indent="-227520" algn="just">
+              <a:lnSpc>
+                <a:spcPct val="100000"/>
+              </a:lnSpc>
               <a:buClr>
-                <a:srgbClr val="000000"/>
+                <a:srgbClr val="0070c0"/>
               </a:buClr>
-              <a:buSzPct val="45000"/>
               <a:buFont typeface="Wingdings" charset="2"/>
-              <a:buChar char=""/>
+              <a:buChar char=""/>
             </a:pPr>
             <a:r>
-              <a:rPr b="0" lang="en-GB" sz="3200" spc="-1" strike="noStrike">
-                <a:solidFill>
-                  <a:srgbClr val="000000"/>
+              <a:rPr b="0" lang="en-GB" sz="2800" spc="-1" strike="noStrike">
+                <a:solidFill>
+                  <a:srgbClr val="0070c0"/>
                 </a:solidFill>
                 <a:uFill>
                   <a:solidFill>
                     <a:srgbClr val="ffffff"/>
                   </a:solidFill>
                 </a:uFill>
-                <a:latin typeface="Arial"/>
+                <a:latin typeface="Calibri"/>
+                <a:ea typeface="DejaVu Sans"/>
               </a:rPr>
-              <a:t>Git</a:t>
+              <a:t> </a:t>
             </a:r>
-            <a:endParaRPr b="0" lang="en-GB" sz="3200" spc="-1" strike="noStrike">
-              <a:solidFill>
-                <a:srgbClr val="000000"/>
-              </a:solidFill>
-              <a:uFill>
-                <a:solidFill>
-                  <a:srgbClr val="ffffff"/>
-                </a:solidFill>
-              </a:uFill>
-              <a:latin typeface="Arial"/>
-            </a:endParaRPr>
-          </a:p>
-          <a:p>
-            <a:pPr marL="432000" indent="-324000">
-              <a:buClr>
-                <a:srgbClr val="000000"/>
-              </a:buClr>
-              <a:buSzPct val="45000"/>
-              <a:buFont typeface="Wingdings" charset="2"/>
-              <a:buChar char=""/>
-            </a:pPr>
             <a:r>
-              <a:rPr b="0" lang="en-GB" sz="3200" spc="-1" strike="noStrike">
-                <a:solidFill>
-                  <a:srgbClr val="000000"/>
+              <a:rPr b="0" lang="en-GB" sz="2800" spc="-1" strike="noStrike">
+                <a:solidFill>
+                  <a:srgbClr val="0070c0"/>
                 </a:solidFill>
                 <a:uFill>
                   <a:solidFill>
                     <a:srgbClr val="ffffff"/>
                   </a:solidFill>
                 </a:uFill>
-                <a:latin typeface="Arial"/>
+                <a:latin typeface="Calibri"/>
+                <a:ea typeface="DejaVu Sans"/>
               </a:rPr>
-              <a:t>Docker</a:t>
+              <a:t>Objectifs :</a:t>
             </a:r>
-            <a:endParaRPr b="0" lang="en-GB" sz="3200" spc="-1" strike="noStrike">
-              <a:solidFill>
-                <a:srgbClr val="000000"/>
-              </a:solidFill>
-              <a:uFill>
-                <a:solidFill>
-                  <a:srgbClr val="ffffff"/>
-                </a:solidFill>
-              </a:uFill>
-              <a:latin typeface="Arial"/>
-            </a:endParaRPr>
-          </a:p>
-          <a:p>
-            <a:pPr marL="432000" indent="-324000">
+            <a:endParaRPr b="0" lang="en-GB" sz="1800" spc="-1" strike="noStrike">
+              <a:solidFill>
+                <a:srgbClr val="000000"/>
+              </a:solidFill>
+              <a:uFill>
+                <a:solidFill>
+                  <a:srgbClr val="ffffff"/>
+                </a:solidFill>
+              </a:uFill>
+              <a:latin typeface="Arial"/>
+            </a:endParaRPr>
+          </a:p>
+          <a:p>
+            <a:pPr lvl="1" marL="685800" indent="-227520" algn="just">
+              <a:lnSpc>
+                <a:spcPct val="100000"/>
+              </a:lnSpc>
               <a:buClr>
                 <a:srgbClr val="000000"/>
               </a:buClr>
-              <a:buSzPct val="45000"/>
               <a:buFont typeface="Wingdings" charset="2"/>
-              <a:buChar char=""/>
+              <a:buChar char=""/>
             </a:pPr>
             <a:r>
-              <a:rPr b="0" lang="en-GB" sz="3200" spc="-1" strike="noStrike">
+              <a:rPr b="0" lang="en-GB" sz="2400" spc="-1" strike="noStrike">
                 <a:solidFill>
                   <a:srgbClr val="000000"/>
                 </a:solidFill>
@@ -2453,33 +4807,36 @@
                     <a:srgbClr val="ffffff"/>
                   </a:solidFill>
                 </a:uFill>
-                <a:latin typeface="Arial"/>
+                <a:latin typeface="Calibri"/>
+                <a:ea typeface="DejaVu Sans"/>
               </a:rPr>
-              <a:t>Jupyter</a:t>
+              <a:t>Favoriser le partage des jeux de  données et de script d’analyse de données </a:t>
             </a:r>
-            <a:endParaRPr b="0" lang="en-GB" sz="3200" spc="-1" strike="noStrike">
-              <a:solidFill>
-                <a:srgbClr val="000000"/>
-              </a:solidFill>
-              <a:uFill>
-                <a:solidFill>
-                  <a:srgbClr val="ffffff"/>
-                </a:solidFill>
-              </a:uFill>
-              <a:latin typeface="Arial"/>
-            </a:endParaRPr>
-          </a:p>
-          <a:p>
-            <a:pPr marL="432000" indent="-324000">
+            <a:endParaRPr b="0" lang="en-GB" sz="1800" spc="-1" strike="noStrike">
+              <a:solidFill>
+                <a:srgbClr val="000000"/>
+              </a:solidFill>
+              <a:uFill>
+                <a:solidFill>
+                  <a:srgbClr val="ffffff"/>
+                </a:solidFill>
+              </a:uFill>
+              <a:latin typeface="Arial"/>
+            </a:endParaRPr>
+          </a:p>
+          <a:p>
+            <a:pPr lvl="1" marL="685800" indent="-227520" algn="just">
+              <a:lnSpc>
+                <a:spcPct val="100000"/>
+              </a:lnSpc>
               <a:buClr>
                 <a:srgbClr val="000000"/>
               </a:buClr>
-              <a:buSzPct val="45000"/>
               <a:buFont typeface="Wingdings" charset="2"/>
-              <a:buChar char=""/>
+              <a:buChar char=""/>
             </a:pPr>
             <a:r>
-              <a:rPr b="0" lang="en-GB" sz="3200" spc="-1" strike="noStrike">
+              <a:rPr b="0" lang="en-GB" sz="2400" spc="-1" strike="noStrike">
                 <a:solidFill>
                   <a:srgbClr val="000000"/>
                 </a:solidFill>
@@ -2488,46 +4845,322 @@
                     <a:srgbClr val="ffffff"/>
                   </a:solidFill>
                 </a:uFill>
-                <a:latin typeface="Arial"/>
+                <a:latin typeface="Calibri"/>
+                <a:ea typeface="DejaVu Sans"/>
               </a:rPr>
-              <a:t>Openstack</a:t>
+              <a:t>Uniformiser les pratiques</a:t>
             </a:r>
-            <a:endParaRPr b="0" lang="en-GB" sz="3200" spc="-1" strike="noStrike">
-              <a:solidFill>
-                <a:srgbClr val="000000"/>
-              </a:solidFill>
-              <a:uFill>
-                <a:solidFill>
-                  <a:srgbClr val="ffffff"/>
-                </a:solidFill>
-              </a:uFill>
-              <a:latin typeface="Arial"/>
-            </a:endParaRPr>
-          </a:p>
-          <a:p>
-            <a:pPr marL="432000" indent="-324000">
+            <a:endParaRPr b="0" lang="en-GB" sz="1800" spc="-1" strike="noStrike">
+              <a:solidFill>
+                <a:srgbClr val="000000"/>
+              </a:solidFill>
+              <a:uFill>
+                <a:solidFill>
+                  <a:srgbClr val="ffffff"/>
+                </a:solidFill>
+              </a:uFill>
+              <a:latin typeface="Arial"/>
+            </a:endParaRPr>
+          </a:p>
+          <a:p>
+            <a:pPr>
+              <a:lnSpc>
+                <a:spcPct val="100000"/>
+              </a:lnSpc>
+            </a:pPr>
+            <a:endParaRPr b="0" lang="en-GB" sz="1800" spc="-1" strike="noStrike">
+              <a:solidFill>
+                <a:srgbClr val="000000"/>
+              </a:solidFill>
+              <a:uFill>
+                <a:solidFill>
+                  <a:srgbClr val="ffffff"/>
+                </a:solidFill>
+              </a:uFill>
+              <a:latin typeface="Arial"/>
+            </a:endParaRPr>
+          </a:p>
+          <a:p>
+            <a:pPr marL="228600" indent="-227520" algn="just">
+              <a:lnSpc>
+                <a:spcPct val="100000"/>
+              </a:lnSpc>
               <a:buClr>
-                <a:srgbClr val="000000"/>
+                <a:srgbClr val="0070c0"/>
               </a:buClr>
-              <a:buSzPct val="45000"/>
               <a:buFont typeface="Wingdings" charset="2"/>
-              <a:buChar char=""/>
+              <a:buChar char=""/>
             </a:pPr>
             <a:r>
-              <a:rPr b="0" lang="en-GB" sz="3200" spc="-1" strike="noStrike">
-                <a:solidFill>
-                  <a:srgbClr val="000000"/>
+              <a:rPr b="0" lang="en-GB" sz="2800" spc="-1" strike="noStrike">
+                <a:solidFill>
+                  <a:srgbClr val="0070c0"/>
                 </a:solidFill>
                 <a:uFill>
                   <a:solidFill>
                     <a:srgbClr val="ffffff"/>
                   </a:solidFill>
                 </a:uFill>
-                <a:latin typeface="Arial"/>
+                <a:latin typeface="Calibri"/>
+                <a:ea typeface="DejaVu Sans"/>
               </a:rPr>
               <a:t> </a:t>
             </a:r>
-            <a:endParaRPr b="0" lang="en-GB" sz="3200" spc="-1" strike="noStrike">
+            <a:r>
+              <a:rPr b="0" lang="en-GB" sz="2800" spc="-1" strike="noStrike">
+                <a:solidFill>
+                  <a:srgbClr val="0070c0"/>
+                </a:solidFill>
+                <a:uFill>
+                  <a:solidFill>
+                    <a:srgbClr val="ffffff"/>
+                  </a:solidFill>
+                </a:uFill>
+                <a:latin typeface="Calibri"/>
+                <a:ea typeface="DejaVu Sans"/>
+              </a:rPr>
+              <a:t>Comment ?</a:t>
+            </a:r>
+            <a:endParaRPr b="0" lang="en-GB" sz="1800" spc="-1" strike="noStrike">
+              <a:solidFill>
+                <a:srgbClr val="000000"/>
+              </a:solidFill>
+              <a:uFill>
+                <a:solidFill>
+                  <a:srgbClr val="ffffff"/>
+                </a:solidFill>
+              </a:uFill>
+              <a:latin typeface="Arial"/>
+            </a:endParaRPr>
+          </a:p>
+          <a:p>
+            <a:pPr lvl="1" marL="685800" indent="-227520" algn="just">
+              <a:lnSpc>
+                <a:spcPct val="100000"/>
+              </a:lnSpc>
+              <a:buClr>
+                <a:srgbClr val="000000"/>
+              </a:buClr>
+              <a:buFont typeface="Wingdings" charset="2"/>
+              <a:buChar char=""/>
+            </a:pPr>
+            <a:r>
+              <a:rPr b="0" lang="en-GB" sz="2400" spc="-1" strike="noStrike">
+                <a:solidFill>
+                  <a:srgbClr val="000000"/>
+                </a:solidFill>
+                <a:uFill>
+                  <a:solidFill>
+                    <a:srgbClr val="ffffff"/>
+                  </a:solidFill>
+                </a:uFill>
+                <a:latin typeface="Calibri"/>
+                <a:ea typeface="DejaVu Sans"/>
+              </a:rPr>
+              <a:t>Maitriser un socle technique commun</a:t>
+            </a:r>
+            <a:endParaRPr b="0" lang="en-GB" sz="1800" spc="-1" strike="noStrike">
+              <a:solidFill>
+                <a:srgbClr val="000000"/>
+              </a:solidFill>
+              <a:uFill>
+                <a:solidFill>
+                  <a:srgbClr val="ffffff"/>
+                </a:solidFill>
+              </a:uFill>
+              <a:latin typeface="Arial"/>
+            </a:endParaRPr>
+          </a:p>
+          <a:p>
+            <a:pPr lvl="1" marL="685800" indent="-227520" algn="just">
+              <a:lnSpc>
+                <a:spcPct val="100000"/>
+              </a:lnSpc>
+              <a:buClr>
+                <a:srgbClr val="000000"/>
+              </a:buClr>
+              <a:buFont typeface="Wingdings" charset="2"/>
+              <a:buChar char=""/>
+            </a:pPr>
+            <a:r>
+              <a:rPr b="0" lang="en-GB" sz="2400" spc="-1" strike="noStrike">
+                <a:solidFill>
+                  <a:srgbClr val="000000"/>
+                </a:solidFill>
+                <a:uFill>
+                  <a:solidFill>
+                    <a:srgbClr val="ffffff"/>
+                  </a:solidFill>
+                </a:uFill>
+                <a:latin typeface="Calibri"/>
+                <a:ea typeface="DejaVu Sans"/>
+              </a:rPr>
+              <a:t>Adopter une méthodologie favorisant la reproductibilité</a:t>
+            </a:r>
+            <a:endParaRPr b="0" lang="en-GB" sz="1800" spc="-1" strike="noStrike">
+              <a:solidFill>
+                <a:srgbClr val="000000"/>
+              </a:solidFill>
+              <a:uFill>
+                <a:solidFill>
+                  <a:srgbClr val="ffffff"/>
+                </a:solidFill>
+              </a:uFill>
+              <a:latin typeface="Arial"/>
+            </a:endParaRPr>
+          </a:p>
+          <a:p>
+            <a:pPr lvl="1" marL="685800" indent="-227520" algn="just">
+              <a:lnSpc>
+                <a:spcPct val="100000"/>
+              </a:lnSpc>
+              <a:buClr>
+                <a:srgbClr val="000000"/>
+              </a:buClr>
+              <a:buFont typeface="Wingdings" charset="2"/>
+              <a:buChar char=""/>
+            </a:pPr>
+            <a:r>
+              <a:rPr b="0" lang="en-GB" sz="2400" spc="-1" strike="noStrike">
+                <a:solidFill>
+                  <a:srgbClr val="000000"/>
+                </a:solidFill>
+                <a:uFill>
+                  <a:solidFill>
+                    <a:srgbClr val="ffffff"/>
+                  </a:solidFill>
+                </a:uFill>
+                <a:latin typeface="Calibri"/>
+                <a:ea typeface="DejaVu Sans"/>
+              </a:rPr>
+              <a:t> </a:t>
+            </a:r>
+            <a:endParaRPr b="0" lang="en-GB" sz="1800" spc="-1" strike="noStrike">
+              <a:solidFill>
+                <a:srgbClr val="000000"/>
+              </a:solidFill>
+              <a:uFill>
+                <a:solidFill>
+                  <a:srgbClr val="ffffff"/>
+                </a:solidFill>
+              </a:uFill>
+              <a:latin typeface="Arial"/>
+            </a:endParaRPr>
+          </a:p>
+          <a:p>
+            <a:pPr>
+              <a:lnSpc>
+                <a:spcPct val="100000"/>
+              </a:lnSpc>
+            </a:pPr>
+            <a:endParaRPr b="0" lang="en-GB" sz="1800" spc="-1" strike="noStrike">
+              <a:solidFill>
+                <a:srgbClr val="000000"/>
+              </a:solidFill>
+              <a:uFill>
+                <a:solidFill>
+                  <a:srgbClr val="ffffff"/>
+                </a:solidFill>
+              </a:uFill>
+              <a:latin typeface="Arial"/>
+            </a:endParaRPr>
+          </a:p>
+        </p:txBody>
+      </p:sp>
+      <p:sp>
+        <p:nvSpPr>
+          <p:cNvPr id="88" name="CustomShape 3"/>
+          <p:cNvSpPr/>
+          <p:nvPr/>
+        </p:nvSpPr>
+        <p:spPr>
+          <a:xfrm rot="5400000">
+            <a:off x="7878240" y="-36000"/>
+            <a:ext cx="2154240" cy="2228760"/>
+          </a:xfrm>
+          <a:prstGeom prst="pie">
+            <a:avLst>
+              <a:gd name="adj1" fmla="val 10800000"/>
+              <a:gd name="adj2" fmla="val 16200000"/>
+            </a:avLst>
+          </a:prstGeom>
+          <a:solidFill>
+            <a:schemeClr val="accent6"/>
+          </a:solidFill>
+          <a:ln>
+            <a:round/>
+          </a:ln>
+        </p:spPr>
+        <p:style>
+          <a:lnRef idx="2">
+            <a:schemeClr val="lt1">
+              <a:hueOff val="0"/>
+              <a:satOff val="0"/>
+              <a:lumOff val="0"/>
+              <a:alphaOff val="0"/>
+            </a:schemeClr>
+          </a:lnRef>
+          <a:fillRef idx="0"/>
+          <a:effectRef idx="0">
+            <a:schemeClr val="accent1">
+              <a:hueOff val="0"/>
+              <a:satOff val="0"/>
+              <a:lumOff val="0"/>
+              <a:alphaOff val="0"/>
+            </a:schemeClr>
+          </a:effectRef>
+          <a:fontRef idx="minor"/>
+        </p:style>
+      </p:sp>
+      <p:sp>
+        <p:nvSpPr>
+          <p:cNvPr id="89" name="CustomShape 4"/>
+          <p:cNvSpPr/>
+          <p:nvPr/>
+        </p:nvSpPr>
+        <p:spPr>
+          <a:xfrm>
+            <a:off x="8921880" y="136080"/>
+            <a:ext cx="1028880" cy="963000"/>
+          </a:xfrm>
+          <a:prstGeom prst="rect">
+            <a:avLst/>
+          </a:prstGeom>
+          <a:noFill/>
+          <a:ln>
+            <a:noFill/>
+          </a:ln>
+        </p:spPr>
+        <p:style>
+          <a:lnRef idx="0"/>
+          <a:fillRef idx="0"/>
+          <a:effectRef idx="0"/>
+          <a:fontRef idx="minor"/>
+        </p:style>
+        <p:txBody>
+          <a:bodyPr lIns="52200" rIns="52200" tIns="52200" bIns="52200" anchor="ctr"/>
+          <a:p>
+            <a:pPr algn="ctr">
+              <a:lnSpc>
+                <a:spcPct val="90000"/>
+              </a:lnSpc>
+            </a:pPr>
+            <a:r>
+              <a:rPr b="1" lang="en-GB" sz="1800" spc="-1" strike="noStrike">
+                <a:solidFill>
+                  <a:srgbClr val="ffffff"/>
+                </a:solidFill>
+                <a:uFill>
+                  <a:solidFill>
+                    <a:srgbClr val="ffffff"/>
+                  </a:solidFill>
+                </a:uFill>
+                <a:latin typeface="Calibri"/>
+                <a:ea typeface="DejaVu Sans"/>
+              </a:rPr>
+              <a:t>REPRO</a:t>
+            </a:r>
+            <a:endParaRPr b="0" lang="en-GB" sz="1800" spc="-1" strike="noStrike">
               <a:solidFill>
                 <a:srgbClr val="000000"/>
               </a:solidFill>
@@ -2592,14 +5225,14 @@
       </p:grpSpPr>
       <p:sp>
         <p:nvSpPr>
-          <p:cNvPr id="43" name="TextShape 1"/>
-          <p:cNvSpPr txBox="1"/>
+          <p:cNvPr id="90" name="CustomShape 1"/>
+          <p:cNvSpPr/>
           <p:nvPr/>
         </p:nvSpPr>
         <p:spPr>
           <a:xfrm>
-            <a:off x="504000" y="301320"/>
-            <a:ext cx="9071640" cy="1262160"/>
+            <a:off x="692640" y="126360"/>
+            <a:ext cx="8693640" cy="1121760"/>
           </a:xfrm>
           <a:prstGeom prst="rect">
             <a:avLst/>
@@ -2609,12 +5242,22 @@
             <a:noFill/>
           </a:ln>
         </p:spPr>
-        <p:txBody>
-          <a:bodyPr lIns="0" rIns="0" tIns="0" bIns="0" anchor="ctr"/>
-          <a:p>
-            <a:pPr algn="ctr"/>
+        <p:style>
+          <a:lnRef idx="0"/>
+          <a:fillRef idx="0"/>
+          <a:effectRef idx="0"/>
+          <a:fontRef idx="minor"/>
+        </p:style>
+        <p:txBody>
+          <a:bodyPr lIns="90000" rIns="90000" tIns="45000" bIns="45000" anchor="ctr"/>
+          <a:p>
+            <a:pPr algn="ctr">
+              <a:lnSpc>
+                <a:spcPct val="100000"/>
+              </a:lnSpc>
+            </a:pPr>
             <a:r>
-              <a:rPr b="0" lang="en-GB" sz="4400" spc="-1" strike="noStrike">
+              <a:rPr b="0" i="1" lang="en-GB" sz="2400" spc="-1" strike="noStrike">
                 <a:solidFill>
                   <a:srgbClr val="000000"/>
                 </a:solidFill>
@@ -2623,34 +5266,35 @@
                     <a:srgbClr val="ffffff"/>
                   </a:solidFill>
                 </a:uFill>
-                <a:latin typeface="Arial"/>
+                <a:latin typeface="Calibri"/>
+                <a:ea typeface="ＭＳ Ｐゴシック"/>
               </a:rPr>
-              <a:t>Le versioning</a:t>
+              <a:t>Formation Reproductibilité pour la Science des données </a:t>
             </a:r>
-            <a:endParaRPr b="0" lang="en-GB" sz="4400" spc="-1" strike="noStrike">
-              <a:solidFill>
-                <a:srgbClr val="000000"/>
-              </a:solidFill>
-              <a:uFill>
-                <a:solidFill>
-                  <a:srgbClr val="ffffff"/>
-                </a:solidFill>
-              </a:uFill>
-              <a:latin typeface="Arial"/>
-            </a:endParaRPr>
-          </a:p>
-        </p:txBody>
-      </p:sp>
-      <p:sp>
-        <p:nvSpPr>
-          <p:cNvPr id="44" name="TextShape 2"/>
-          <p:cNvSpPr txBox="1"/>
+            <a:endParaRPr b="0" lang="en-GB" sz="1800" spc="-1" strike="noStrike">
+              <a:solidFill>
+                <a:srgbClr val="000000"/>
+              </a:solidFill>
+              <a:uFill>
+                <a:solidFill>
+                  <a:srgbClr val="ffffff"/>
+                </a:solidFill>
+              </a:uFill>
+              <a:latin typeface="Arial"/>
+            </a:endParaRPr>
+          </a:p>
+        </p:txBody>
+      </p:sp>
+      <p:sp>
+        <p:nvSpPr>
+          <p:cNvPr id="91" name="CustomShape 2"/>
+          <p:cNvSpPr/>
           <p:nvPr/>
         </p:nvSpPr>
         <p:spPr>
           <a:xfrm>
-            <a:off x="504000" y="1769040"/>
-            <a:ext cx="9071640" cy="4384440"/>
+            <a:off x="648000" y="2223000"/>
+            <a:ext cx="8693640" cy="3608640"/>
           </a:xfrm>
           <a:prstGeom prst="rect">
             <a:avLst/>
@@ -2660,10 +5304,391 @@
             <a:noFill/>
           </a:ln>
         </p:spPr>
-        <p:txBody>
-          <a:bodyPr lIns="0" rIns="0" tIns="0" bIns="0"/>
-          <a:p>
-            <a:endParaRPr b="0" lang="en-GB" sz="3200" spc="-1" strike="noStrike">
+        <p:style>
+          <a:lnRef idx="0"/>
+          <a:fillRef idx="0"/>
+          <a:effectRef idx="0"/>
+          <a:fontRef idx="minor"/>
+        </p:style>
+        <p:txBody>
+          <a:bodyPr lIns="90000" rIns="90000" tIns="45000" bIns="45000"/>
+          <a:p>
+            <a:pPr marL="228600" indent="-227520" algn="just">
+              <a:lnSpc>
+                <a:spcPct val="100000"/>
+              </a:lnSpc>
+              <a:buClr>
+                <a:srgbClr val="0070c0"/>
+              </a:buClr>
+              <a:buFont typeface="Wingdings" charset="2"/>
+              <a:buChar char=""/>
+            </a:pPr>
+            <a:r>
+              <a:rPr b="0" lang="en-GB" sz="2800" spc="-1" strike="noStrike">
+                <a:solidFill>
+                  <a:srgbClr val="0070c0"/>
+                </a:solidFill>
+                <a:uFill>
+                  <a:solidFill>
+                    <a:srgbClr val="ffffff"/>
+                  </a:solidFill>
+                </a:uFill>
+                <a:latin typeface="Calibri"/>
+                <a:ea typeface="DejaVu Sans"/>
+              </a:rPr>
+              <a:t> </a:t>
+            </a:r>
+            <a:r>
+              <a:rPr b="0" lang="en-GB" sz="2800" spc="-1" strike="noStrike">
+                <a:solidFill>
+                  <a:srgbClr val="0070c0"/>
+                </a:solidFill>
+                <a:uFill>
+                  <a:solidFill>
+                    <a:srgbClr val="ffffff"/>
+                  </a:solidFill>
+                </a:uFill>
+                <a:latin typeface="Calibri"/>
+                <a:ea typeface="DejaVu Sans"/>
+              </a:rPr>
+              <a:t>Cas d’utilisation</a:t>
+            </a:r>
+            <a:endParaRPr b="0" lang="en-GB" sz="1800" spc="-1" strike="noStrike">
+              <a:solidFill>
+                <a:srgbClr val="000000"/>
+              </a:solidFill>
+              <a:uFill>
+                <a:solidFill>
+                  <a:srgbClr val="ffffff"/>
+                </a:solidFill>
+              </a:uFill>
+              <a:latin typeface="Arial"/>
+            </a:endParaRPr>
+          </a:p>
+          <a:p>
+            <a:pPr lvl="1" marL="685800" indent="-227520" algn="just">
+              <a:lnSpc>
+                <a:spcPct val="100000"/>
+              </a:lnSpc>
+              <a:buClr>
+                <a:srgbClr val="000000"/>
+              </a:buClr>
+              <a:buFont typeface="Wingdings" charset="2"/>
+              <a:buChar char=""/>
+            </a:pPr>
+            <a:r>
+              <a:rPr b="0" lang="en-GB" sz="2400" spc="-1" strike="noStrike">
+                <a:solidFill>
+                  <a:srgbClr val="000000"/>
+                </a:solidFill>
+                <a:uFill>
+                  <a:solidFill>
+                    <a:srgbClr val="ffffff"/>
+                  </a:solidFill>
+                </a:uFill>
+                <a:latin typeface="Calibri"/>
+                <a:ea typeface="DejaVu Sans"/>
+              </a:rPr>
+              <a:t>Code informatique</a:t>
+            </a:r>
+            <a:endParaRPr b="0" lang="en-GB" sz="1800" spc="-1" strike="noStrike">
+              <a:solidFill>
+                <a:srgbClr val="000000"/>
+              </a:solidFill>
+              <a:uFill>
+                <a:solidFill>
+                  <a:srgbClr val="ffffff"/>
+                </a:solidFill>
+              </a:uFill>
+              <a:latin typeface="Arial"/>
+            </a:endParaRPr>
+          </a:p>
+          <a:p>
+            <a:pPr lvl="1" marL="685800" indent="-227520" algn="just">
+              <a:lnSpc>
+                <a:spcPct val="100000"/>
+              </a:lnSpc>
+              <a:buClr>
+                <a:srgbClr val="000000"/>
+              </a:buClr>
+              <a:buFont typeface="Wingdings" charset="2"/>
+              <a:buChar char=""/>
+            </a:pPr>
+            <a:r>
+              <a:rPr b="0" lang="en-GB" sz="2400" spc="-1" strike="noStrike">
+                <a:solidFill>
+                  <a:srgbClr val="000000"/>
+                </a:solidFill>
+                <a:uFill>
+                  <a:solidFill>
+                    <a:srgbClr val="ffffff"/>
+                  </a:solidFill>
+                </a:uFill>
+                <a:latin typeface="Calibri"/>
+                <a:ea typeface="DejaVu Sans"/>
+              </a:rPr>
+              <a:t>Jeux de donnees</a:t>
+            </a:r>
+            <a:endParaRPr b="0" lang="en-GB" sz="1800" spc="-1" strike="noStrike">
+              <a:solidFill>
+                <a:srgbClr val="000000"/>
+              </a:solidFill>
+              <a:uFill>
+                <a:solidFill>
+                  <a:srgbClr val="ffffff"/>
+                </a:solidFill>
+              </a:uFill>
+              <a:latin typeface="Arial"/>
+            </a:endParaRPr>
+          </a:p>
+          <a:p>
+            <a:pPr lvl="1" marL="685800" indent="-227520" algn="just">
+              <a:lnSpc>
+                <a:spcPct val="100000"/>
+              </a:lnSpc>
+              <a:buClr>
+                <a:srgbClr val="000000"/>
+              </a:buClr>
+              <a:buFont typeface="Wingdings" charset="2"/>
+              <a:buChar char=""/>
+            </a:pPr>
+            <a:r>
+              <a:rPr b="0" lang="en-GB" sz="2400" spc="-1" strike="noStrike">
+                <a:solidFill>
+                  <a:srgbClr val="000000"/>
+                </a:solidFill>
+                <a:uFill>
+                  <a:solidFill>
+                    <a:srgbClr val="ffffff"/>
+                  </a:solidFill>
+                </a:uFill>
+                <a:latin typeface="Calibri"/>
+                <a:ea typeface="DejaVu Sans"/>
+              </a:rPr>
+              <a:t>Publication scientifique</a:t>
+            </a:r>
+            <a:endParaRPr b="0" lang="en-GB" sz="1800" spc="-1" strike="noStrike">
+              <a:solidFill>
+                <a:srgbClr val="000000"/>
+              </a:solidFill>
+              <a:uFill>
+                <a:solidFill>
+                  <a:srgbClr val="ffffff"/>
+                </a:solidFill>
+              </a:uFill>
+              <a:latin typeface="Arial"/>
+            </a:endParaRPr>
+          </a:p>
+          <a:p>
+            <a:pPr lvl="1" marL="685800" indent="-227520" algn="just">
+              <a:lnSpc>
+                <a:spcPct val="100000"/>
+              </a:lnSpc>
+              <a:buClr>
+                <a:srgbClr val="000000"/>
+              </a:buClr>
+              <a:buFont typeface="Wingdings" charset="2"/>
+              <a:buChar char=""/>
+            </a:pPr>
+            <a:r>
+              <a:rPr b="0" lang="en-GB" sz="2400" spc="-1" strike="noStrike">
+                <a:solidFill>
+                  <a:srgbClr val="000000"/>
+                </a:solidFill>
+                <a:uFill>
+                  <a:solidFill>
+                    <a:srgbClr val="ffffff"/>
+                  </a:solidFill>
+                </a:uFill>
+                <a:latin typeface="Calibri"/>
+                <a:ea typeface="DejaVu Sans"/>
+              </a:rPr>
+              <a:t>Qualité &amp; bonne pratique…</a:t>
+            </a:r>
+            <a:endParaRPr b="0" lang="en-GB" sz="1800" spc="-1" strike="noStrike">
+              <a:solidFill>
+                <a:srgbClr val="000000"/>
+              </a:solidFill>
+              <a:uFill>
+                <a:solidFill>
+                  <a:srgbClr val="ffffff"/>
+                </a:solidFill>
+              </a:uFill>
+              <a:latin typeface="Arial"/>
+            </a:endParaRPr>
+          </a:p>
+          <a:p>
+            <a:pPr lvl="1" marL="685800" indent="-227520" algn="just">
+              <a:lnSpc>
+                <a:spcPct val="100000"/>
+              </a:lnSpc>
+              <a:buClr>
+                <a:srgbClr val="000000"/>
+              </a:buClr>
+              <a:buFont typeface="Wingdings" charset="2"/>
+              <a:buChar char=""/>
+            </a:pPr>
+            <a:r>
+              <a:rPr b="0" lang="en-GB" sz="2400" spc="-1" strike="noStrike">
+                <a:solidFill>
+                  <a:srgbClr val="000000"/>
+                </a:solidFill>
+                <a:uFill>
+                  <a:solidFill>
+                    <a:srgbClr val="ffffff"/>
+                  </a:solidFill>
+                </a:uFill>
+                <a:latin typeface="Calibri"/>
+                <a:ea typeface="DejaVu Sans"/>
+              </a:rPr>
+              <a:t>FAIR/Open data</a:t>
+            </a:r>
+            <a:endParaRPr b="0" lang="en-GB" sz="1800" spc="-1" strike="noStrike">
+              <a:solidFill>
+                <a:srgbClr val="000000"/>
+              </a:solidFill>
+              <a:uFill>
+                <a:solidFill>
+                  <a:srgbClr val="ffffff"/>
+                </a:solidFill>
+              </a:uFill>
+              <a:latin typeface="Arial"/>
+            </a:endParaRPr>
+          </a:p>
+          <a:p>
+            <a:pPr marL="228600" indent="-227520" algn="just">
+              <a:lnSpc>
+                <a:spcPct val="100000"/>
+              </a:lnSpc>
+              <a:buClr>
+                <a:srgbClr val="0070c0"/>
+              </a:buClr>
+              <a:buFont typeface="Wingdings" charset="2"/>
+              <a:buChar char=""/>
+            </a:pPr>
+            <a:r>
+              <a:rPr b="0" lang="en-GB" sz="2400" spc="-1" strike="noStrike">
+                <a:solidFill>
+                  <a:srgbClr val="000000"/>
+                </a:solidFill>
+                <a:uFill>
+                  <a:solidFill>
+                    <a:srgbClr val="ffffff"/>
+                  </a:solidFill>
+                </a:uFill>
+                <a:latin typeface="Calibri"/>
+                <a:ea typeface="DejaVu Sans"/>
+              </a:rPr>
+              <a:t> </a:t>
+            </a:r>
+            <a:endParaRPr b="0" lang="en-GB" sz="1800" spc="-1" strike="noStrike">
+              <a:solidFill>
+                <a:srgbClr val="000000"/>
+              </a:solidFill>
+              <a:uFill>
+                <a:solidFill>
+                  <a:srgbClr val="ffffff"/>
+                </a:solidFill>
+              </a:uFill>
+              <a:latin typeface="Arial"/>
+            </a:endParaRPr>
+          </a:p>
+        </p:txBody>
+      </p:sp>
+      <p:sp>
+        <p:nvSpPr>
+          <p:cNvPr id="92" name="CustomShape 3"/>
+          <p:cNvSpPr/>
+          <p:nvPr/>
+        </p:nvSpPr>
+        <p:spPr>
+          <a:xfrm rot="5400000">
+            <a:off x="7878240" y="-36000"/>
+            <a:ext cx="2154240" cy="2228760"/>
+          </a:xfrm>
+          <a:prstGeom prst="pie">
+            <a:avLst>
+              <a:gd name="adj1" fmla="val 10800000"/>
+              <a:gd name="adj2" fmla="val 16200000"/>
+            </a:avLst>
+          </a:prstGeom>
+          <a:solidFill>
+            <a:schemeClr val="accent6"/>
+          </a:solidFill>
+          <a:ln>
+            <a:round/>
+          </a:ln>
+        </p:spPr>
+        <p:style>
+          <a:lnRef idx="2">
+            <a:schemeClr val="lt1">
+              <a:hueOff val="0"/>
+              <a:satOff val="0"/>
+              <a:lumOff val="0"/>
+              <a:alphaOff val="0"/>
+            </a:schemeClr>
+          </a:lnRef>
+          <a:fillRef idx="0"/>
+          <a:effectRef idx="0">
+            <a:schemeClr val="accent1">
+              <a:hueOff val="0"/>
+              <a:satOff val="0"/>
+              <a:lumOff val="0"/>
+              <a:alphaOff val="0"/>
+            </a:schemeClr>
+          </a:effectRef>
+          <a:fontRef idx="minor"/>
+        </p:style>
+      </p:sp>
+      <p:sp>
+        <p:nvSpPr>
+          <p:cNvPr id="93" name="CustomShape 4"/>
+          <p:cNvSpPr/>
+          <p:nvPr/>
+        </p:nvSpPr>
+        <p:spPr>
+          <a:xfrm>
+            <a:off x="8921880" y="136080"/>
+            <a:ext cx="1028880" cy="963000"/>
+          </a:xfrm>
+          <a:prstGeom prst="rect">
+            <a:avLst/>
+          </a:prstGeom>
+          <a:noFill/>
+          <a:ln>
+            <a:noFill/>
+          </a:ln>
+        </p:spPr>
+        <p:style>
+          <a:lnRef idx="0"/>
+          <a:fillRef idx="0"/>
+          <a:effectRef idx="0"/>
+          <a:fontRef idx="minor"/>
+        </p:style>
+        <p:txBody>
+          <a:bodyPr lIns="52200" rIns="52200" tIns="52200" bIns="52200" anchor="ctr"/>
+          <a:p>
+            <a:pPr algn="ctr">
+              <a:lnSpc>
+                <a:spcPct val="90000"/>
+              </a:lnSpc>
+            </a:pPr>
+            <a:r>
+              <a:rPr b="1" lang="en-GB" sz="1800" spc="-1" strike="noStrike">
+                <a:solidFill>
+                  <a:srgbClr val="ffffff"/>
+                </a:solidFill>
+                <a:uFill>
+                  <a:solidFill>
+                    <a:srgbClr val="ffffff"/>
+                  </a:solidFill>
+                </a:uFill>
+                <a:latin typeface="Calibri"/>
+                <a:ea typeface="DejaVu Sans"/>
+              </a:rPr>
+              <a:t>REPRO</a:t>
+            </a:r>
+            <a:endParaRPr b="0" lang="en-GB" sz="1800" spc="-1" strike="noStrike">
               <a:solidFill>
                 <a:srgbClr val="000000"/>
               </a:solidFill>
@@ -2728,14 +5753,14 @@
       </p:grpSpPr>
       <p:sp>
         <p:nvSpPr>
-          <p:cNvPr id="45" name="TextShape 1"/>
-          <p:cNvSpPr txBox="1"/>
+          <p:cNvPr id="94" name="CustomShape 1"/>
+          <p:cNvSpPr/>
           <p:nvPr/>
         </p:nvSpPr>
         <p:spPr>
           <a:xfrm>
-            <a:off x="504000" y="301320"/>
-            <a:ext cx="9071640" cy="1262160"/>
+            <a:off x="692640" y="126360"/>
+            <a:ext cx="8693640" cy="1121760"/>
           </a:xfrm>
           <a:prstGeom prst="rect">
             <a:avLst/>
@@ -2745,12 +5770,22 @@
             <a:noFill/>
           </a:ln>
         </p:spPr>
-        <p:txBody>
-          <a:bodyPr lIns="0" rIns="0" tIns="0" bIns="0" anchor="ctr"/>
-          <a:p>
-            <a:pPr algn="ctr"/>
+        <p:style>
+          <a:lnRef idx="0"/>
+          <a:fillRef idx="0"/>
+          <a:effectRef idx="0"/>
+          <a:fontRef idx="minor"/>
+        </p:style>
+        <p:txBody>
+          <a:bodyPr lIns="90000" rIns="90000" tIns="45000" bIns="45000" anchor="ctr"/>
+          <a:p>
+            <a:pPr algn="ctr">
+              <a:lnSpc>
+                <a:spcPct val="100000"/>
+              </a:lnSpc>
+            </a:pPr>
             <a:r>
-              <a:rPr b="0" lang="en-GB" sz="4400" spc="-1" strike="noStrike">
+              <a:rPr b="0" i="1" lang="en-GB" sz="2400" spc="-1" strike="noStrike">
                 <a:solidFill>
                   <a:srgbClr val="000000"/>
                 </a:solidFill>
@@ -2759,34 +5794,35 @@
                     <a:srgbClr val="ffffff"/>
                   </a:solidFill>
                 </a:uFill>
-                <a:latin typeface="Arial"/>
+                <a:latin typeface="Calibri"/>
+                <a:ea typeface="ＭＳ Ｐゴシック"/>
               </a:rPr>
-              <a:t>VM et containers</a:t>
+              <a:t>Formation Reproductibilité pour la Science des données </a:t>
             </a:r>
-            <a:endParaRPr b="0" lang="en-GB" sz="4400" spc="-1" strike="noStrike">
-              <a:solidFill>
-                <a:srgbClr val="000000"/>
-              </a:solidFill>
-              <a:uFill>
-                <a:solidFill>
-                  <a:srgbClr val="ffffff"/>
-                </a:solidFill>
-              </a:uFill>
-              <a:latin typeface="Arial"/>
-            </a:endParaRPr>
-          </a:p>
-        </p:txBody>
-      </p:sp>
-      <p:sp>
-        <p:nvSpPr>
-          <p:cNvPr id="46" name="TextShape 2"/>
-          <p:cNvSpPr txBox="1"/>
+            <a:endParaRPr b="0" lang="en-GB" sz="1800" spc="-1" strike="noStrike">
+              <a:solidFill>
+                <a:srgbClr val="000000"/>
+              </a:solidFill>
+              <a:uFill>
+                <a:solidFill>
+                  <a:srgbClr val="ffffff"/>
+                </a:solidFill>
+              </a:uFill>
+              <a:latin typeface="Arial"/>
+            </a:endParaRPr>
+          </a:p>
+        </p:txBody>
+      </p:sp>
+      <p:sp>
+        <p:nvSpPr>
+          <p:cNvPr id="95" name="CustomShape 2"/>
+          <p:cNvSpPr/>
           <p:nvPr/>
         </p:nvSpPr>
         <p:spPr>
           <a:xfrm>
-            <a:off x="504000" y="1769040"/>
-            <a:ext cx="9071640" cy="4384440"/>
+            <a:off x="648000" y="2223000"/>
+            <a:ext cx="8693640" cy="3608640"/>
           </a:xfrm>
           <a:prstGeom prst="rect">
             <a:avLst/>
@@ -2796,10 +5832,429 @@
             <a:noFill/>
           </a:ln>
         </p:spPr>
-        <p:txBody>
-          <a:bodyPr lIns="0" rIns="0" tIns="0" bIns="0"/>
-          <a:p>
-            <a:endParaRPr b="0" lang="en-GB" sz="3200" spc="-1" strike="noStrike">
+        <p:style>
+          <a:lnRef idx="0"/>
+          <a:fillRef idx="0"/>
+          <a:effectRef idx="0"/>
+          <a:fontRef idx="minor"/>
+        </p:style>
+        <p:txBody>
+          <a:bodyPr lIns="90000" rIns="90000" tIns="45000" bIns="45000"/>
+          <a:p>
+            <a:pPr marL="228600" indent="-227520" algn="just">
+              <a:lnSpc>
+                <a:spcPct val="100000"/>
+              </a:lnSpc>
+              <a:buClr>
+                <a:srgbClr val="0070c0"/>
+              </a:buClr>
+              <a:buFont typeface="Wingdings" charset="2"/>
+              <a:buChar char=""/>
+            </a:pPr>
+            <a:r>
+              <a:rPr b="0" lang="en-GB" sz="2800" spc="-1" strike="noStrike">
+                <a:solidFill>
+                  <a:srgbClr val="0070c0"/>
+                </a:solidFill>
+                <a:uFill>
+                  <a:solidFill>
+                    <a:srgbClr val="ffffff"/>
+                  </a:solidFill>
+                </a:uFill>
+                <a:latin typeface="Calibri"/>
+                <a:ea typeface="DejaVu Sans"/>
+              </a:rPr>
+              <a:t> </a:t>
+            </a:r>
+            <a:endParaRPr b="0" lang="en-GB" sz="1800" spc="-1" strike="noStrike">
+              <a:solidFill>
+                <a:srgbClr val="000000"/>
+              </a:solidFill>
+              <a:uFill>
+                <a:solidFill>
+                  <a:srgbClr val="ffffff"/>
+                </a:solidFill>
+              </a:uFill>
+              <a:latin typeface="Arial"/>
+            </a:endParaRPr>
+          </a:p>
+          <a:p>
+            <a:pPr marL="228600" indent="-227520" algn="just">
+              <a:lnSpc>
+                <a:spcPct val="100000"/>
+              </a:lnSpc>
+              <a:buClr>
+                <a:srgbClr val="0070c0"/>
+              </a:buClr>
+              <a:buFont typeface="Wingdings" charset="2"/>
+              <a:buChar char=""/>
+            </a:pPr>
+            <a:r>
+              <a:rPr b="0" lang="en-GB" sz="2800" spc="-1" strike="noStrike">
+                <a:solidFill>
+                  <a:srgbClr val="0070c0"/>
+                </a:solidFill>
+                <a:uFill>
+                  <a:solidFill>
+                    <a:srgbClr val="ffffff"/>
+                  </a:solidFill>
+                </a:uFill>
+                <a:latin typeface="Calibri"/>
+                <a:ea typeface="DejaVu Sans"/>
+              </a:rPr>
+              <a:t> </a:t>
+            </a:r>
+            <a:r>
+              <a:rPr b="0" lang="en-GB" sz="2800" spc="-1" strike="noStrike">
+                <a:solidFill>
+                  <a:srgbClr val="0070c0"/>
+                </a:solidFill>
+                <a:uFill>
+                  <a:solidFill>
+                    <a:srgbClr val="ffffff"/>
+                  </a:solidFill>
+                </a:uFill>
+                <a:latin typeface="Calibri"/>
+                <a:ea typeface="DejaVu Sans"/>
+              </a:rPr>
+              <a:t>Quels outils ?</a:t>
+            </a:r>
+            <a:endParaRPr b="0" lang="en-GB" sz="1800" spc="-1" strike="noStrike">
+              <a:solidFill>
+                <a:srgbClr val="000000"/>
+              </a:solidFill>
+              <a:uFill>
+                <a:solidFill>
+                  <a:srgbClr val="ffffff"/>
+                </a:solidFill>
+              </a:uFill>
+              <a:latin typeface="Arial"/>
+            </a:endParaRPr>
+          </a:p>
+          <a:p>
+            <a:pPr lvl="1" marL="685800" indent="-227520" algn="just">
+              <a:lnSpc>
+                <a:spcPct val="100000"/>
+              </a:lnSpc>
+              <a:buClr>
+                <a:srgbClr val="000000"/>
+              </a:buClr>
+              <a:buFont typeface="Wingdings" charset="2"/>
+              <a:buChar char=""/>
+            </a:pPr>
+            <a:r>
+              <a:rPr b="0" lang="en-GB" sz="2400" spc="-1" strike="noStrike">
+                <a:solidFill>
+                  <a:srgbClr val="000000"/>
+                </a:solidFill>
+                <a:uFill>
+                  <a:solidFill>
+                    <a:srgbClr val="ffffff"/>
+                  </a:solidFill>
+                </a:uFill>
+                <a:latin typeface="Calibri"/>
+                <a:ea typeface="DejaVu Sans"/>
+              </a:rPr>
+              <a:t>La gestion de version avec Git</a:t>
+            </a:r>
+            <a:endParaRPr b="0" lang="en-GB" sz="1800" spc="-1" strike="noStrike">
+              <a:solidFill>
+                <a:srgbClr val="000000"/>
+              </a:solidFill>
+              <a:uFill>
+                <a:solidFill>
+                  <a:srgbClr val="ffffff"/>
+                </a:solidFill>
+              </a:uFill>
+              <a:latin typeface="Arial"/>
+            </a:endParaRPr>
+          </a:p>
+          <a:p>
+            <a:pPr lvl="1" marL="685800" indent="-227520" algn="just">
+              <a:lnSpc>
+                <a:spcPct val="100000"/>
+              </a:lnSpc>
+              <a:buClr>
+                <a:srgbClr val="000000"/>
+              </a:buClr>
+              <a:buFont typeface="Wingdings" charset="2"/>
+              <a:buChar char=""/>
+            </a:pPr>
+            <a:r>
+              <a:rPr b="0" lang="en-GB" sz="2400" spc="-1" strike="noStrike">
+                <a:solidFill>
+                  <a:srgbClr val="000000"/>
+                </a:solidFill>
+                <a:uFill>
+                  <a:solidFill>
+                    <a:srgbClr val="ffffff"/>
+                  </a:solidFill>
+                </a:uFill>
+                <a:latin typeface="Calibri"/>
+                <a:ea typeface="DejaVu Sans"/>
+              </a:rPr>
+              <a:t>Les containers avec Docker</a:t>
+            </a:r>
+            <a:endParaRPr b="0" lang="en-GB" sz="1800" spc="-1" strike="noStrike">
+              <a:solidFill>
+                <a:srgbClr val="000000"/>
+              </a:solidFill>
+              <a:uFill>
+                <a:solidFill>
+                  <a:srgbClr val="ffffff"/>
+                </a:solidFill>
+              </a:uFill>
+              <a:latin typeface="Arial"/>
+            </a:endParaRPr>
+          </a:p>
+          <a:p>
+            <a:pPr lvl="1" marL="685800" indent="-227520" algn="just">
+              <a:lnSpc>
+                <a:spcPct val="100000"/>
+              </a:lnSpc>
+              <a:buClr>
+                <a:srgbClr val="000000"/>
+              </a:buClr>
+              <a:buFont typeface="Wingdings" charset="2"/>
+              <a:buChar char=""/>
+            </a:pPr>
+            <a:r>
+              <a:rPr b="0" lang="en-GB" sz="2400" spc="-1" strike="noStrike">
+                <a:solidFill>
+                  <a:srgbClr val="000000"/>
+                </a:solidFill>
+                <a:uFill>
+                  <a:solidFill>
+                    <a:srgbClr val="ffffff"/>
+                  </a:solidFill>
+                </a:uFill>
+                <a:latin typeface="Calibri"/>
+                <a:ea typeface="DejaVu Sans"/>
+              </a:rPr>
+              <a:t>Les notebooks avec Jupyter</a:t>
+            </a:r>
+            <a:endParaRPr b="0" lang="en-GB" sz="1800" spc="-1" strike="noStrike">
+              <a:solidFill>
+                <a:srgbClr val="000000"/>
+              </a:solidFill>
+              <a:uFill>
+                <a:solidFill>
+                  <a:srgbClr val="ffffff"/>
+                </a:solidFill>
+              </a:uFill>
+              <a:latin typeface="Arial"/>
+            </a:endParaRPr>
+          </a:p>
+          <a:p>
+            <a:pPr lvl="1" marL="685800" indent="-227520" algn="just">
+              <a:lnSpc>
+                <a:spcPct val="100000"/>
+              </a:lnSpc>
+              <a:buClr>
+                <a:srgbClr val="000000"/>
+              </a:buClr>
+              <a:buFont typeface="Wingdings" charset="2"/>
+              <a:buChar char=""/>
+            </a:pPr>
+            <a:r>
+              <a:rPr b="0" lang="en-GB" sz="2400" spc="-1" strike="noStrike">
+                <a:solidFill>
+                  <a:srgbClr val="000000"/>
+                </a:solidFill>
+                <a:uFill>
+                  <a:solidFill>
+                    <a:srgbClr val="ffffff"/>
+                  </a:solidFill>
+                </a:uFill>
+                <a:latin typeface="Calibri"/>
+                <a:ea typeface="DejaVu Sans"/>
+              </a:rPr>
+              <a:t>Le cloud avec Openstack</a:t>
+            </a:r>
+            <a:endParaRPr b="0" lang="en-GB" sz="1800" spc="-1" strike="noStrike">
+              <a:solidFill>
+                <a:srgbClr val="000000"/>
+              </a:solidFill>
+              <a:uFill>
+                <a:solidFill>
+                  <a:srgbClr val="ffffff"/>
+                </a:solidFill>
+              </a:uFill>
+              <a:latin typeface="Arial"/>
+            </a:endParaRPr>
+          </a:p>
+          <a:p>
+            <a:pPr lvl="1" marL="685800" indent="-227520" algn="just">
+              <a:lnSpc>
+                <a:spcPct val="100000"/>
+              </a:lnSpc>
+              <a:buClr>
+                <a:srgbClr val="000000"/>
+              </a:buClr>
+              <a:buFont typeface="Wingdings" charset="2"/>
+              <a:buChar char=""/>
+            </a:pPr>
+            <a:r>
+              <a:rPr b="0" lang="en-GB" sz="2400" spc="-1" strike="noStrike">
+                <a:solidFill>
+                  <a:srgbClr val="000000"/>
+                </a:solidFill>
+                <a:uFill>
+                  <a:solidFill>
+                    <a:srgbClr val="ffffff"/>
+                  </a:solidFill>
+                </a:uFill>
+                <a:latin typeface="Calibri"/>
+                <a:ea typeface="DejaVu Sans"/>
+              </a:rPr>
+              <a:t>Les clusters avec  Slurm et Singularity </a:t>
+            </a:r>
+            <a:endParaRPr b="0" lang="en-GB" sz="1800" spc="-1" strike="noStrike">
+              <a:solidFill>
+                <a:srgbClr val="000000"/>
+              </a:solidFill>
+              <a:uFill>
+                <a:solidFill>
+                  <a:srgbClr val="ffffff"/>
+                </a:solidFill>
+              </a:uFill>
+              <a:latin typeface="Arial"/>
+            </a:endParaRPr>
+          </a:p>
+          <a:p>
+            <a:pPr marL="228600" indent="-227520" algn="just">
+              <a:lnSpc>
+                <a:spcPct val="100000"/>
+              </a:lnSpc>
+              <a:buClr>
+                <a:srgbClr val="0070c0"/>
+              </a:buClr>
+              <a:buFont typeface="Wingdings" charset="2"/>
+              <a:buChar char=""/>
+            </a:pPr>
+            <a:r>
+              <a:rPr b="0" lang="en-GB" sz="2400" spc="-1" strike="noStrike">
+                <a:solidFill>
+                  <a:srgbClr val="000000"/>
+                </a:solidFill>
+                <a:uFill>
+                  <a:solidFill>
+                    <a:srgbClr val="ffffff"/>
+                  </a:solidFill>
+                </a:uFill>
+                <a:latin typeface="Calibri"/>
+                <a:ea typeface="DejaVu Sans"/>
+              </a:rPr>
+              <a:t> </a:t>
+            </a:r>
+            <a:endParaRPr b="0" lang="en-GB" sz="1800" spc="-1" strike="noStrike">
+              <a:solidFill>
+                <a:srgbClr val="000000"/>
+              </a:solidFill>
+              <a:uFill>
+                <a:solidFill>
+                  <a:srgbClr val="ffffff"/>
+                </a:solidFill>
+              </a:uFill>
+              <a:latin typeface="Arial"/>
+            </a:endParaRPr>
+          </a:p>
+        </p:txBody>
+      </p:sp>
+      <p:sp>
+        <p:nvSpPr>
+          <p:cNvPr id="96" name="CustomShape 3"/>
+          <p:cNvSpPr/>
+          <p:nvPr/>
+        </p:nvSpPr>
+        <p:spPr>
+          <a:xfrm rot="5400000">
+            <a:off x="7878240" y="-36000"/>
+            <a:ext cx="2154240" cy="2228760"/>
+          </a:xfrm>
+          <a:prstGeom prst="pie">
+            <a:avLst>
+              <a:gd name="adj1" fmla="val 10800000"/>
+              <a:gd name="adj2" fmla="val 16200000"/>
+            </a:avLst>
+          </a:prstGeom>
+          <a:solidFill>
+            <a:schemeClr val="accent6"/>
+          </a:solidFill>
+          <a:ln>
+            <a:round/>
+          </a:ln>
+        </p:spPr>
+        <p:style>
+          <a:lnRef idx="2">
+            <a:schemeClr val="lt1">
+              <a:hueOff val="0"/>
+              <a:satOff val="0"/>
+              <a:lumOff val="0"/>
+              <a:alphaOff val="0"/>
+            </a:schemeClr>
+          </a:lnRef>
+          <a:fillRef idx="0"/>
+          <a:effectRef idx="0">
+            <a:schemeClr val="accent1">
+              <a:hueOff val="0"/>
+              <a:satOff val="0"/>
+              <a:lumOff val="0"/>
+              <a:alphaOff val="0"/>
+            </a:schemeClr>
+          </a:effectRef>
+          <a:fontRef idx="minor"/>
+        </p:style>
+      </p:sp>
+      <p:sp>
+        <p:nvSpPr>
+          <p:cNvPr id="97" name="CustomShape 4"/>
+          <p:cNvSpPr/>
+          <p:nvPr/>
+        </p:nvSpPr>
+        <p:spPr>
+          <a:xfrm>
+            <a:off x="8921880" y="136080"/>
+            <a:ext cx="1028880" cy="963000"/>
+          </a:xfrm>
+          <a:prstGeom prst="rect">
+            <a:avLst/>
+          </a:prstGeom>
+          <a:noFill/>
+          <a:ln>
+            <a:noFill/>
+          </a:ln>
+        </p:spPr>
+        <p:style>
+          <a:lnRef idx="0"/>
+          <a:fillRef idx="0"/>
+          <a:effectRef idx="0"/>
+          <a:fontRef idx="minor"/>
+        </p:style>
+        <p:txBody>
+          <a:bodyPr lIns="52200" rIns="52200" tIns="52200" bIns="52200" anchor="ctr"/>
+          <a:p>
+            <a:pPr algn="ctr">
+              <a:lnSpc>
+                <a:spcPct val="90000"/>
+              </a:lnSpc>
+            </a:pPr>
+            <a:r>
+              <a:rPr b="1" lang="en-GB" sz="1800" spc="-1" strike="noStrike">
+                <a:solidFill>
+                  <a:srgbClr val="ffffff"/>
+                </a:solidFill>
+                <a:uFill>
+                  <a:solidFill>
+                    <a:srgbClr val="ffffff"/>
+                  </a:solidFill>
+                </a:uFill>
+                <a:latin typeface="Calibri"/>
+                <a:ea typeface="DejaVu Sans"/>
+              </a:rPr>
+              <a:t>REPRO</a:t>
+            </a:r>
+            <a:endParaRPr b="0" lang="en-GB" sz="1800" spc="-1" strike="noStrike">
               <a:solidFill>
                 <a:srgbClr val="000000"/>
               </a:solidFill>
@@ -2822,304 +6277,6 @@
           <p:childTnLst>
             <p:seq>
               <p:cTn id="8" nodeType="mainSeq"/>
-              <p:prevCondLst>
-                <p:cond delay="0" evt="onPrev">
-                  <p:tgtEl>
-                    <p:sldTgt/>
-                  </p:tgtEl>
-                </p:cond>
-              </p:prevCondLst>
-              <p:nextCondLst>
-                <p:cond delay="0" evt="onNext">
-                  <p:tgtEl>
-                    <p:sldTgt/>
-                  </p:tgtEl>
-                </p:cond>
-              </p:nextCondLst>
-            </p:seq>
-          </p:childTnLst>
-        </p:cTn>
-      </p:par>
-    </p:tnLst>
-  </p:timing>
-</p:sld>
-</file>
-
-<file path=ppt/slides/slide5.xml><?xml version="1.0" encoding="utf-8"?>
-<p:sld xmlns:a="http://schemas.openxmlformats.org/drawingml/2006/main" xmlns:p="http://schemas.openxmlformats.org/presentationml/2006/main" xmlns:r="http://schemas.openxmlformats.org/officeDocument/2006/relationships" xmlns:p14="http://schemas.microsoft.com/office/powerpoint/2010/main" xmlns:p15="http://schemas.microsoft.com/office/powerpoint/2012/main" xmlns:mc="http://schemas.openxmlformats.org/markup-compatibility/2006">
-  <p:cSld>
-    <p:spTree>
-      <p:nvGrpSpPr>
-        <p:cNvPr id="1" name=""/>
-        <p:cNvGrpSpPr/>
-        <p:nvPr/>
-      </p:nvGrpSpPr>
-      <p:grpSpPr>
-        <a:xfrm>
-          <a:off x="0" y="0"/>
-          <a:ext cx="0" cy="0"/>
-          <a:chOff x="0" y="0"/>
-          <a:chExt cx="0" cy="0"/>
-        </a:xfrm>
-      </p:grpSpPr>
-      <p:sp>
-        <p:nvSpPr>
-          <p:cNvPr id="47" name="TextShape 1"/>
-          <p:cNvSpPr txBox="1"/>
-          <p:nvPr/>
-        </p:nvSpPr>
-        <p:spPr>
-          <a:xfrm>
-            <a:off x="504000" y="301320"/>
-            <a:ext cx="9071640" cy="1262160"/>
-          </a:xfrm>
-          <a:prstGeom prst="rect">
-            <a:avLst/>
-          </a:prstGeom>
-          <a:noFill/>
-          <a:ln>
-            <a:noFill/>
-          </a:ln>
-        </p:spPr>
-        <p:txBody>
-          <a:bodyPr lIns="0" rIns="0" tIns="0" bIns="0" anchor="ctr"/>
-          <a:p>
-            <a:pPr algn="ctr"/>
-            <a:r>
-              <a:rPr b="0" lang="en-GB" sz="4400" spc="-1" strike="noStrike">
-                <a:solidFill>
-                  <a:srgbClr val="000000"/>
-                </a:solidFill>
-                <a:uFill>
-                  <a:solidFill>
-                    <a:srgbClr val="ffffff"/>
-                  </a:solidFill>
-                </a:uFill>
-                <a:latin typeface="Arial"/>
-              </a:rPr>
-              <a:t>Le cloud</a:t>
-            </a:r>
-            <a:endParaRPr b="0" lang="en-GB" sz="4400" spc="-1" strike="noStrike">
-              <a:solidFill>
-                <a:srgbClr val="000000"/>
-              </a:solidFill>
-              <a:uFill>
-                <a:solidFill>
-                  <a:srgbClr val="ffffff"/>
-                </a:solidFill>
-              </a:uFill>
-              <a:latin typeface="Arial"/>
-            </a:endParaRPr>
-          </a:p>
-        </p:txBody>
-      </p:sp>
-      <p:sp>
-        <p:nvSpPr>
-          <p:cNvPr id="48" name="TextShape 2"/>
-          <p:cNvSpPr txBox="1"/>
-          <p:nvPr/>
-        </p:nvSpPr>
-        <p:spPr>
-          <a:xfrm>
-            <a:off x="504000" y="1769040"/>
-            <a:ext cx="9071640" cy="4384440"/>
-          </a:xfrm>
-          <a:prstGeom prst="rect">
-            <a:avLst/>
-          </a:prstGeom>
-          <a:noFill/>
-          <a:ln>
-            <a:noFill/>
-          </a:ln>
-        </p:spPr>
-        <p:txBody>
-          <a:bodyPr lIns="0" rIns="0" tIns="0" bIns="0"/>
-          <a:p>
-            <a:pPr marL="432000" indent="-324000">
-              <a:buClr>
-                <a:srgbClr val="000000"/>
-              </a:buClr>
-              <a:buSzPct val="45000"/>
-              <a:buFont typeface="Wingdings" charset="2"/>
-              <a:buChar char=""/>
-            </a:pPr>
-            <a:r>
-              <a:rPr b="0" lang="en-GB" sz="3200" spc="-1" strike="noStrike">
-                <a:solidFill>
-                  <a:srgbClr val="000000"/>
-                </a:solidFill>
-                <a:uFill>
-                  <a:solidFill>
-                    <a:srgbClr val="ffffff"/>
-                  </a:solidFill>
-                </a:uFill>
-                <a:latin typeface="Arial"/>
-              </a:rPr>
-              <a:t> </a:t>
-            </a:r>
-            <a:endParaRPr b="0" lang="en-GB" sz="3200" spc="-1" strike="noStrike">
-              <a:solidFill>
-                <a:srgbClr val="000000"/>
-              </a:solidFill>
-              <a:uFill>
-                <a:solidFill>
-                  <a:srgbClr val="ffffff"/>
-                </a:solidFill>
-              </a:uFill>
-              <a:latin typeface="Arial"/>
-            </a:endParaRPr>
-          </a:p>
-          <a:p>
-            <a:pPr marL="432000" indent="-324000">
-              <a:buClr>
-                <a:srgbClr val="000000"/>
-              </a:buClr>
-              <a:buSzPct val="45000"/>
-              <a:buFont typeface="Wingdings" charset="2"/>
-              <a:buChar char=""/>
-            </a:pPr>
-            <a:r>
-              <a:rPr b="0" lang="en-GB" sz="3200" spc="-1" strike="noStrike">
-                <a:solidFill>
-                  <a:srgbClr val="000000"/>
-                </a:solidFill>
-                <a:uFill>
-                  <a:solidFill>
-                    <a:srgbClr val="ffffff"/>
-                  </a:solidFill>
-                </a:uFill>
-                <a:latin typeface="Arial"/>
-              </a:rPr>
-              <a:t>A la demande</a:t>
-            </a:r>
-            <a:endParaRPr b="0" lang="en-GB" sz="3200" spc="-1" strike="noStrike">
-              <a:solidFill>
-                <a:srgbClr val="000000"/>
-              </a:solidFill>
-              <a:uFill>
-                <a:solidFill>
-                  <a:srgbClr val="ffffff"/>
-                </a:solidFill>
-              </a:uFill>
-              <a:latin typeface="Arial"/>
-            </a:endParaRPr>
-          </a:p>
-          <a:p>
-            <a:pPr marL="432000" indent="-324000">
-              <a:buClr>
-                <a:srgbClr val="000000"/>
-              </a:buClr>
-              <a:buSzPct val="45000"/>
-              <a:buFont typeface="Wingdings" charset="2"/>
-              <a:buChar char=""/>
-            </a:pPr>
-            <a:r>
-              <a:rPr b="0" lang="en-GB" sz="3200" spc="-1" strike="noStrike">
-                <a:solidFill>
-                  <a:srgbClr val="000000"/>
-                </a:solidFill>
-                <a:uFill>
-                  <a:solidFill>
-                    <a:srgbClr val="ffffff"/>
-                  </a:solidFill>
-                </a:uFill>
-                <a:latin typeface="Arial"/>
-              </a:rPr>
-              <a:t>Independant du provider</a:t>
-            </a:r>
-            <a:endParaRPr b="0" lang="en-GB" sz="3200" spc="-1" strike="noStrike">
-              <a:solidFill>
-                <a:srgbClr val="000000"/>
-              </a:solidFill>
-              <a:uFill>
-                <a:solidFill>
-                  <a:srgbClr val="ffffff"/>
-                </a:solidFill>
-              </a:uFill>
-              <a:latin typeface="Arial"/>
-            </a:endParaRPr>
-          </a:p>
-          <a:p>
-            <a:pPr marL="432000" indent="-324000">
-              <a:buClr>
-                <a:srgbClr val="000000"/>
-              </a:buClr>
-              <a:buSzPct val="45000"/>
-              <a:buFont typeface="Wingdings" charset="2"/>
-              <a:buChar char=""/>
-            </a:pPr>
-            <a:r>
-              <a:rPr b="0" lang="en-GB" sz="3200" spc="-1" strike="noStrike">
-                <a:solidFill>
-                  <a:srgbClr val="000000"/>
-                </a:solidFill>
-                <a:uFill>
-                  <a:solidFill>
-                    <a:srgbClr val="ffffff"/>
-                  </a:solidFill>
-                </a:uFill>
-                <a:latin typeface="Arial"/>
-              </a:rPr>
-              <a:t>Big data</a:t>
-            </a:r>
-            <a:endParaRPr b="0" lang="en-GB" sz="3200" spc="-1" strike="noStrike">
-              <a:solidFill>
-                <a:srgbClr val="000000"/>
-              </a:solidFill>
-              <a:uFill>
-                <a:solidFill>
-                  <a:srgbClr val="ffffff"/>
-                </a:solidFill>
-              </a:uFill>
-              <a:latin typeface="Arial"/>
-            </a:endParaRPr>
-          </a:p>
-          <a:p>
-            <a:pPr marL="432000" indent="-324000">
-              <a:buClr>
-                <a:srgbClr val="000000"/>
-              </a:buClr>
-              <a:buSzPct val="45000"/>
-              <a:buFont typeface="Wingdings" charset="2"/>
-              <a:buChar char=""/>
-            </a:pPr>
-            <a:r>
-              <a:rPr b="0" lang="en-GB" sz="3200" spc="-1" strike="noStrike">
-                <a:solidFill>
-                  <a:srgbClr val="000000"/>
-                </a:solidFill>
-                <a:uFill>
-                  <a:solidFill>
-                    <a:srgbClr val="ffffff"/>
-                  </a:solidFill>
-                </a:uFill>
-                <a:latin typeface="Arial"/>
-              </a:rPr>
-              <a:t> </a:t>
-            </a:r>
-            <a:endParaRPr b="0" lang="en-GB" sz="3200" spc="-1" strike="noStrike">
-              <a:solidFill>
-                <a:srgbClr val="000000"/>
-              </a:solidFill>
-              <a:uFill>
-                <a:solidFill>
-                  <a:srgbClr val="ffffff"/>
-                </a:solidFill>
-              </a:uFill>
-              <a:latin typeface="Arial"/>
-            </a:endParaRPr>
-          </a:p>
-        </p:txBody>
-      </p:sp>
-    </p:spTree>
-  </p:cSld>
-  <p:timing>
-    <p:tnLst>
-      <p:par>
-        <p:cTn id="9" dur="indefinite" restart="never" nodeType="tmRoot">
-          <p:childTnLst>
-            <p:seq>
-              <p:cTn id="10" nodeType="mainSeq"/>
               <p:prevCondLst>
                 <p:cond delay="0" evt="onPrev">
                   <p:tgtEl>
@@ -3364,4 +6521,450 @@
     </a:fmtScheme>
   </a:themeElements>
 </a:theme>
+</file>
+
+<file path=ppt/theme/theme2.xml><?xml version="1.0" encoding="utf-8"?>
+<a:theme xmlns:a="http://schemas.openxmlformats.org/drawingml/2006/main" name="Office Theme">
+  <a:themeElements>
+    <a:clrScheme name="Office">
+      <a:dk1>
+        <a:sysClr val="windowText" lastClr="000000"/>
+      </a:dk1>
+      <a:lt1>
+        <a:sysClr val="window" lastClr="FFFFFF"/>
+      </a:lt1>
+      <a:dk2>
+        <a:srgbClr val="1F497D"/>
+      </a:dk2>
+      <a:lt2>
+        <a:srgbClr val="EEECE1"/>
+      </a:lt2>
+      <a:accent1>
+        <a:srgbClr val="4F81BD"/>
+      </a:accent1>
+      <a:accent2>
+        <a:srgbClr val="C0504D"/>
+      </a:accent2>
+      <a:accent3>
+        <a:srgbClr val="9BBB59"/>
+      </a:accent3>
+      <a:accent4>
+        <a:srgbClr val="8064A2"/>
+      </a:accent4>
+      <a:accent5>
+        <a:srgbClr val="4BACC6"/>
+      </a:accent5>
+      <a:accent6>
+        <a:srgbClr val="F79646"/>
+      </a:accent6>
+      <a:hlink>
+        <a:srgbClr val="0000FF"/>
+      </a:hlink>
+      <a:folHlink>
+        <a:srgbClr val="800080"/>
+      </a:folHlink>
+    </a:clrScheme>
+    <a:fontScheme name="Office">
+      <a:majorFont>
+        <a:latin typeface="Arial"/>
+        <a:ea typeface="DejaVu Sans"/>
+        <a:cs typeface="DejaVu Sans"/>
+      </a:majorFont>
+      <a:minorFont>
+        <a:latin typeface="Arial"/>
+        <a:ea typeface="DejaVu Sans"/>
+        <a:cs typeface="DejaVu Sans"/>
+      </a:minorFont>
+    </a:fontScheme>
+    <a:fmtScheme name="Office">
+      <a:fillStyleLst>
+        <a:solidFill>
+          <a:schemeClr val="phClr"/>
+        </a:solidFill>
+        <a:gradFill rotWithShape="1">
+          <a:gsLst>
+            <a:gs pos="0">
+              <a:schemeClr val="phClr">
+                <a:tint val="50000"/>
+                <a:satMod val="300000"/>
+              </a:schemeClr>
+            </a:gs>
+            <a:gs pos="35000">
+              <a:schemeClr val="phClr">
+                <a:tint val="37000"/>
+                <a:satMod val="300000"/>
+              </a:schemeClr>
+            </a:gs>
+            <a:gs pos="100000">
+              <a:schemeClr val="phClr">
+                <a:tint val="15000"/>
+                <a:satMod val="350000"/>
+              </a:schemeClr>
+            </a:gs>
+          </a:gsLst>
+          <a:lin ang="16200000" scaled="1"/>
+        </a:gradFill>
+        <a:gradFill rotWithShape="1">
+          <a:gsLst>
+            <a:gs pos="0">
+              <a:schemeClr val="phClr">
+                <a:shade val="51000"/>
+                <a:satMod val="130000"/>
+              </a:schemeClr>
+            </a:gs>
+            <a:gs pos="80000">
+              <a:schemeClr val="phClr">
+                <a:shade val="93000"/>
+                <a:satMod val="130000"/>
+              </a:schemeClr>
+            </a:gs>
+            <a:gs pos="100000">
+              <a:schemeClr val="phClr">
+                <a:shade val="94000"/>
+                <a:satMod val="135000"/>
+              </a:schemeClr>
+            </a:gs>
+          </a:gsLst>
+          <a:lin ang="16200000" scaled="0"/>
+        </a:gradFill>
+      </a:fillStyleLst>
+      <a:lnStyleLst>
+        <a:ln w="9525" cap="flat" cmpd="sng" algn="ctr">
+          <a:solidFill>
+            <a:schemeClr val="phClr">
+              <a:shade val="95000"/>
+              <a:satMod val="105000"/>
+            </a:schemeClr>
+          </a:solidFill>
+          <a:prstDash val="solid"/>
+        </a:ln>
+        <a:ln w="25400" cap="flat" cmpd="sng" algn="ctr">
+          <a:solidFill>
+            <a:schemeClr val="phClr"/>
+          </a:solidFill>
+          <a:prstDash val="solid"/>
+        </a:ln>
+        <a:ln w="38100" cap="flat" cmpd="sng" algn="ctr">
+          <a:solidFill>
+            <a:schemeClr val="phClr"/>
+          </a:solidFill>
+          <a:prstDash val="solid"/>
+        </a:ln>
+      </a:lnStyleLst>
+      <a:effectStyleLst>
+        <a:effectStyle>
+          <a:effectLst>
+            <a:outerShdw blurRad="40000" dist="20000" dir="5400000" rotWithShape="0">
+              <a:srgbClr val="000000">
+                <a:alpha val="38000"/>
+              </a:srgbClr>
+            </a:outerShdw>
+          </a:effectLst>
+        </a:effectStyle>
+        <a:effectStyle>
+          <a:effectLst>
+            <a:outerShdw blurRad="40000" dist="23000" dir="5400000" rotWithShape="0">
+              <a:srgbClr val="000000">
+                <a:alpha val="35000"/>
+              </a:srgbClr>
+            </a:outerShdw>
+          </a:effectLst>
+        </a:effectStyle>
+        <a:effectStyle>
+          <a:effectLst>
+            <a:outerShdw blurRad="40000" dist="23000" dir="5400000" rotWithShape="0">
+              <a:srgbClr val="000000">
+                <a:alpha val="35000"/>
+              </a:srgbClr>
+            </a:outerShdw>
+          </a:effectLst>
+          <a:scene3d>
+            <a:camera prst="orthographicFront">
+              <a:rot lat="0" lon="0" rev="0"/>
+            </a:camera>
+            <a:lightRig rig="threePt" dir="t">
+              <a:rot lat="0" lon="0" rev="1200000"/>
+            </a:lightRig>
+          </a:scene3d>
+          <a:sp3d>
+            <a:bevelT w="63500" h="25400"/>
+          </a:sp3d>
+        </a:effectStyle>
+      </a:effectStyleLst>
+      <a:bgFillStyleLst>
+        <a:solidFill>
+          <a:schemeClr val="phClr"/>
+        </a:solidFill>
+        <a:gradFill rotWithShape="1">
+          <a:gsLst>
+            <a:gs pos="0">
+              <a:schemeClr val="phClr">
+                <a:tint val="40000"/>
+                <a:satMod val="350000"/>
+              </a:schemeClr>
+            </a:gs>
+            <a:gs pos="40000">
+              <a:schemeClr val="phClr">
+                <a:tint val="45000"/>
+                <a:shade val="99000"/>
+                <a:satMod val="350000"/>
+              </a:schemeClr>
+            </a:gs>
+            <a:gs pos="100000">
+              <a:schemeClr val="phClr">
+                <a:shade val="20000"/>
+                <a:satMod val="255000"/>
+              </a:schemeClr>
+            </a:gs>
+          </a:gsLst>
+          <a:path path="circle">
+            <a:fillToRect l="50000" t="-80000" r="50000" b="180000"/>
+          </a:path>
+        </a:gradFill>
+        <a:gradFill rotWithShape="1">
+          <a:gsLst>
+            <a:gs pos="0">
+              <a:schemeClr val="phClr">
+                <a:tint val="80000"/>
+                <a:satMod val="300000"/>
+              </a:schemeClr>
+            </a:gs>
+            <a:gs pos="100000">
+              <a:schemeClr val="phClr">
+                <a:shade val="30000"/>
+                <a:satMod val="200000"/>
+              </a:schemeClr>
+            </a:gs>
+          </a:gsLst>
+          <a:path path="circle">
+            <a:fillToRect l="50000" t="50000" r="50000" b="50000"/>
+          </a:path>
+        </a:gradFill>
+      </a:bgFillStyleLst>
+    </a:fmtScheme>
+  </a:themeElements>
+</a:theme>
+</file>
+
+<file path=ppt/theme/theme3.xml><?xml version="1.0" encoding="utf-8"?>
+<a:theme xmlns:a="http://schemas.openxmlformats.org/drawingml/2006/main" name="Office Theme">
+  <a:themeElements>
+    <a:clrScheme name="Office">
+      <a:dk1>
+        <a:sysClr val="windowText" lastClr="000000"/>
+      </a:dk1>
+      <a:lt1>
+        <a:sysClr val="window" lastClr="FFFFFF"/>
+      </a:lt1>
+      <a:dk2>
+        <a:srgbClr val="1F497D"/>
+      </a:dk2>
+      <a:lt2>
+        <a:srgbClr val="EEECE1"/>
+      </a:lt2>
+      <a:accent1>
+        <a:srgbClr val="4F81BD"/>
+      </a:accent1>
+      <a:accent2>
+        <a:srgbClr val="C0504D"/>
+      </a:accent2>
+      <a:accent3>
+        <a:srgbClr val="9BBB59"/>
+      </a:accent3>
+      <a:accent4>
+        <a:srgbClr val="8064A2"/>
+      </a:accent4>
+      <a:accent5>
+        <a:srgbClr val="4BACC6"/>
+      </a:accent5>
+      <a:accent6>
+        <a:srgbClr val="F79646"/>
+      </a:accent6>
+      <a:hlink>
+        <a:srgbClr val="0000FF"/>
+      </a:hlink>
+      <a:folHlink>
+        <a:srgbClr val="800080"/>
+      </a:folHlink>
+    </a:clrScheme>
+    <a:fontScheme name="Office">
+      <a:majorFont>
+        <a:latin typeface="Arial"/>
+        <a:ea typeface="DejaVu Sans"/>
+        <a:cs typeface="DejaVu Sans"/>
+      </a:majorFont>
+      <a:minorFont>
+        <a:latin typeface="Arial"/>
+        <a:ea typeface="DejaVu Sans"/>
+        <a:cs typeface="DejaVu Sans"/>
+      </a:minorFont>
+    </a:fontScheme>
+    <a:fmtScheme name="Office">
+      <a:fillStyleLst>
+        <a:solidFill>
+          <a:schemeClr val="phClr"/>
+        </a:solidFill>
+        <a:gradFill rotWithShape="1">
+          <a:gsLst>
+            <a:gs pos="0">
+              <a:schemeClr val="phClr">
+                <a:tint val="50000"/>
+                <a:satMod val="300000"/>
+              </a:schemeClr>
+            </a:gs>
+            <a:gs pos="35000">
+              <a:schemeClr val="phClr">
+                <a:tint val="37000"/>
+                <a:satMod val="300000"/>
+              </a:schemeClr>
+            </a:gs>
+            <a:gs pos="100000">
+              <a:schemeClr val="phClr">
+                <a:tint val="15000"/>
+                <a:satMod val="350000"/>
+              </a:schemeClr>
+            </a:gs>
+          </a:gsLst>
+          <a:lin ang="16200000" scaled="1"/>
+        </a:gradFill>
+        <a:gradFill rotWithShape="1">
+          <a:gsLst>
+            <a:gs pos="0">
+              <a:schemeClr val="phClr">
+                <a:shade val="51000"/>
+                <a:satMod val="130000"/>
+              </a:schemeClr>
+            </a:gs>
+            <a:gs pos="80000">
+              <a:schemeClr val="phClr">
+                <a:shade val="93000"/>
+                <a:satMod val="130000"/>
+              </a:schemeClr>
+            </a:gs>
+            <a:gs pos="100000">
+              <a:schemeClr val="phClr">
+                <a:shade val="94000"/>
+                <a:satMod val="135000"/>
+              </a:schemeClr>
+            </a:gs>
+          </a:gsLst>
+          <a:lin ang="16200000" scaled="0"/>
+        </a:gradFill>
+      </a:fillStyleLst>
+      <a:lnStyleLst>
+        <a:ln w="9525" cap="flat" cmpd="sng" algn="ctr">
+          <a:solidFill>
+            <a:schemeClr val="phClr">
+              <a:shade val="95000"/>
+              <a:satMod val="105000"/>
+            </a:schemeClr>
+          </a:solidFill>
+          <a:prstDash val="solid"/>
+        </a:ln>
+        <a:ln w="25400" cap="flat" cmpd="sng" algn="ctr">
+          <a:solidFill>
+            <a:schemeClr val="phClr"/>
+          </a:solidFill>
+          <a:prstDash val="solid"/>
+        </a:ln>
+        <a:ln w="38100" cap="flat" cmpd="sng" algn="ctr">
+          <a:solidFill>
+            <a:schemeClr val="phClr"/>
+          </a:solidFill>
+          <a:prstDash val="solid"/>
+        </a:ln>
+      </a:lnStyleLst>
+      <a:effectStyleLst>
+        <a:effectStyle>
+          <a:effectLst>
+            <a:outerShdw blurRad="40000" dist="20000" dir="5400000" rotWithShape="0">
+              <a:srgbClr val="000000">
+                <a:alpha val="38000"/>
+              </a:srgbClr>
+            </a:outerShdw>
+          </a:effectLst>
+        </a:effectStyle>
+        <a:effectStyle>
+          <a:effectLst>
+            <a:outerShdw blurRad="40000" dist="23000" dir="5400000" rotWithShape="0">
+              <a:srgbClr val="000000">
+                <a:alpha val="35000"/>
+              </a:srgbClr>
+            </a:outerShdw>
+          </a:effectLst>
+        </a:effectStyle>
+        <a:effectStyle>
+          <a:effectLst>
+            <a:outerShdw blurRad="40000" dist="23000" dir="5400000" rotWithShape="0">
+              <a:srgbClr val="000000">
+                <a:alpha val="35000"/>
+              </a:srgbClr>
+            </a:outerShdw>
+          </a:effectLst>
+          <a:scene3d>
+            <a:camera prst="orthographicFront">
+              <a:rot lat="0" lon="0" rev="0"/>
+            </a:camera>
+            <a:lightRig rig="threePt" dir="t">
+              <a:rot lat="0" lon="0" rev="1200000"/>
+            </a:lightRig>
+          </a:scene3d>
+          <a:sp3d>
+            <a:bevelT w="63500" h="25400"/>
+          </a:sp3d>
+        </a:effectStyle>
+      </a:effectStyleLst>
+      <a:bgFillStyleLst>
+        <a:solidFill>
+          <a:schemeClr val="phClr"/>
+        </a:solidFill>
+        <a:gradFill rotWithShape="1">
+          <a:gsLst>
+            <a:gs pos="0">
+              <a:schemeClr val="phClr">
+                <a:tint val="40000"/>
+                <a:satMod val="350000"/>
+              </a:schemeClr>
+            </a:gs>
+            <a:gs pos="40000">
+              <a:schemeClr val="phClr">
+                <a:tint val="45000"/>
+                <a:shade val="99000"/>
+                <a:satMod val="350000"/>
+              </a:schemeClr>
+            </a:gs>
+            <a:gs pos="100000">
+              <a:schemeClr val="phClr">
+                <a:shade val="20000"/>
+                <a:satMod val="255000"/>
+              </a:schemeClr>
+            </a:gs>
+          </a:gsLst>
+          <a:path path="circle">
+            <a:fillToRect l="50000" t="-80000" r="50000" b="180000"/>
+          </a:path>
+        </a:gradFill>
+        <a:gradFill rotWithShape="1">
+          <a:gsLst>
+            <a:gs pos="0">
+              <a:schemeClr val="phClr">
+                <a:tint val="80000"/>
+                <a:satMod val="300000"/>
+              </a:schemeClr>
+            </a:gs>
+            <a:gs pos="100000">
+              <a:schemeClr val="phClr">
+                <a:shade val="30000"/>
+                <a:satMod val="200000"/>
+              </a:schemeClr>
+            </a:gs>
+          </a:gsLst>
+          <a:path path="circle">
+            <a:fillToRect l="50000" t="50000" r="50000" b="50000"/>
+          </a:path>
+        </a:gradFill>
+      </a:bgFillStyleLst>
+    </a:fmtScheme>
+  </a:themeElements>
+</a:theme>
 </file>
--- a/umt-training-course/doc/f1-1_introduction.pptx
+++ b/umt-training-course/doc/f1-1_introduction.pptx
@@ -260,7 +260,7 @@
           <a:bodyPr lIns="0" rIns="0" tIns="0" bIns="0" anchor="b"/>
           <a:p>
             <a:pPr algn="r"/>
-            <a:fld id="{EE79F9BA-7A85-4B0B-9DD0-34BDCD9CED95}" type="slidenum">
+            <a:fld id="{1709BE36-F828-4FA4-849D-468435820A83}" type="slidenum">
               <a:rPr b="0" lang="en-GB" sz="1400" spc="-1" strike="noStrike">
                 <a:solidFill>
                   <a:srgbClr val="000000"/>
@@ -313,14 +313,14 @@
       </p:grpSpPr>
       <p:sp>
         <p:nvSpPr>
-          <p:cNvPr id="98" name="CustomShape 1"/>
+          <p:cNvPr id="99" name="CustomShape 1"/>
           <p:cNvSpPr/>
           <p:nvPr/>
         </p:nvSpPr>
         <p:spPr>
           <a:xfrm>
             <a:off x="4282200" y="10155600"/>
-            <a:ext cx="3274920" cy="534960"/>
+            <a:ext cx="3274560" cy="534600"/>
           </a:xfrm>
           <a:prstGeom prst="rect">
             <a:avLst/>
@@ -344,7 +344,7 @@
                 <a:spcPct val="100000"/>
               </a:lnSpc>
             </a:pPr>
-            <a:fld id="{B394091C-97A6-4BA8-B08E-BE7F0D877C76}" type="slidenum">
+            <a:fld id="{2D98671D-5E8C-4926-9E8C-B08CA790E205}" type="slidenum">
               <a:rPr b="0" lang="en-GB" sz="1200" spc="-1" strike="noStrike">
                 <a:solidFill>
                   <a:srgbClr val="000000"/>
@@ -396,14 +396,14 @@
       </p:grpSpPr>
       <p:sp>
         <p:nvSpPr>
-          <p:cNvPr id="99" name="CustomShape 1"/>
+          <p:cNvPr id="100" name="CustomShape 1"/>
           <p:cNvSpPr/>
           <p:nvPr/>
         </p:nvSpPr>
         <p:spPr>
           <a:xfrm>
             <a:off x="4282200" y="10155600"/>
-            <a:ext cx="3274920" cy="534960"/>
+            <a:ext cx="3274560" cy="534600"/>
           </a:xfrm>
           <a:prstGeom prst="rect">
             <a:avLst/>
@@ -427,7 +427,7 @@
                 <a:spcPct val="100000"/>
               </a:lnSpc>
             </a:pPr>
-            <a:fld id="{191AFFD7-4FB8-469B-B50D-F51C404F507B}" type="slidenum">
+            <a:fld id="{1F1FF8EA-ED3E-455C-B26A-C4FF6D81897B}" type="slidenum">
               <a:rPr b="0" lang="en-GB" sz="1200" spc="-1" strike="noStrike">
                 <a:solidFill>
                   <a:srgbClr val="000000"/>
@@ -479,14 +479,14 @@
       </p:grpSpPr>
       <p:sp>
         <p:nvSpPr>
-          <p:cNvPr id="100" name="CustomShape 1"/>
+          <p:cNvPr id="101" name="CustomShape 1"/>
           <p:cNvSpPr/>
           <p:nvPr/>
         </p:nvSpPr>
         <p:spPr>
           <a:xfrm>
             <a:off x="4282200" y="10155600"/>
-            <a:ext cx="3274920" cy="534960"/>
+            <a:ext cx="3274560" cy="534600"/>
           </a:xfrm>
           <a:prstGeom prst="rect">
             <a:avLst/>
@@ -510,7 +510,7 @@
                 <a:spcPct val="100000"/>
               </a:lnSpc>
             </a:pPr>
-            <a:fld id="{28C74A4B-E9A5-4C91-A1BA-C9CA14EE4FAD}" type="slidenum">
+            <a:fld id="{3003750F-8F65-4006-B278-266125D8F431}" type="slidenum">
               <a:rPr b="0" lang="en-GB" sz="1200" spc="-1" strike="noStrike">
                 <a:solidFill>
                   <a:srgbClr val="000000"/>
@@ -3524,7 +3524,7 @@
         <p:spPr>
           <a:xfrm>
             <a:off x="0" y="2595240"/>
-            <a:ext cx="10079640" cy="1743480"/>
+            <a:ext cx="10079280" cy="1743120"/>
           </a:xfrm>
           <a:prstGeom prst="rect">
             <a:avLst/>
@@ -3640,7 +3640,7 @@
         <p:spPr>
           <a:xfrm>
             <a:off x="3257280" y="138960"/>
-            <a:ext cx="3139200" cy="1920600"/>
+            <a:ext cx="3138840" cy="1920240"/>
           </a:xfrm>
           <a:prstGeom prst="rect">
             <a:avLst/>
@@ -3663,7 +3663,7 @@
         <p:spPr>
           <a:xfrm>
             <a:off x="2840760" y="6533280"/>
-            <a:ext cx="1915920" cy="885600"/>
+            <a:ext cx="1915560" cy="885240"/>
           </a:xfrm>
           <a:prstGeom prst="rect">
             <a:avLst/>
@@ -3686,7 +3686,7 @@
         <p:spPr>
           <a:xfrm>
             <a:off x="4956480" y="6715440"/>
-            <a:ext cx="1275120" cy="522000"/>
+            <a:ext cx="1274760" cy="521640"/>
           </a:xfrm>
           <a:prstGeom prst="rect">
             <a:avLst/>
@@ -3709,7 +3709,7 @@
         <p:spPr>
           <a:xfrm>
             <a:off x="6432120" y="6580080"/>
-            <a:ext cx="1149840" cy="792360"/>
+            <a:ext cx="1149480" cy="792000"/>
           </a:xfrm>
           <a:prstGeom prst="rect">
             <a:avLst/>
@@ -4447,7 +4447,7 @@
         <p:spPr>
           <a:xfrm>
             <a:off x="1149480" y="2874960"/>
-            <a:ext cx="8567280" cy="1463760"/>
+            <a:ext cx="8566920" cy="1463400"/>
           </a:xfrm>
           <a:prstGeom prst="rect">
             <a:avLst/>
@@ -4524,7 +4524,7 @@
         <p:spPr>
           <a:xfrm>
             <a:off x="1149480" y="4339440"/>
-            <a:ext cx="7779960" cy="812880"/>
+            <a:ext cx="7779600" cy="812520"/>
           </a:xfrm>
           <a:prstGeom prst="rect">
             <a:avLst/>
@@ -4595,6 +4595,29 @@
           </a:p>
         </p:txBody>
       </p:sp>
+      <p:pic>
+        <p:nvPicPr>
+          <p:cNvPr id="86" name="" descr=""/>
+          <p:cNvPicPr/>
+          <p:nvPr/>
+        </p:nvPicPr>
+        <p:blipFill>
+          <a:blip r:embed="rId1"/>
+          <a:stretch/>
+        </p:blipFill>
+        <p:spPr>
+          <a:xfrm>
+            <a:off x="8568000" y="6696000"/>
+            <a:ext cx="1361520" cy="680760"/>
+          </a:xfrm>
+          <a:prstGeom prst="rect">
+            <a:avLst/>
+          </a:prstGeom>
+          <a:ln>
+            <a:noFill/>
+          </a:ln>
+        </p:spPr>
+      </p:pic>
     </p:spTree>
   </p:cSld>
   <p:timing>
@@ -4646,14 +4669,14 @@
       </p:grpSpPr>
       <p:sp>
         <p:nvSpPr>
-          <p:cNvPr id="86" name="CustomShape 1"/>
+          <p:cNvPr id="87" name="CustomShape 1"/>
           <p:cNvSpPr/>
           <p:nvPr/>
         </p:nvSpPr>
         <p:spPr>
           <a:xfrm>
             <a:off x="692640" y="126360"/>
-            <a:ext cx="8693640" cy="1121760"/>
+            <a:ext cx="8693280" cy="1121400"/>
           </a:xfrm>
           <a:prstGeom prst="rect">
             <a:avLst/>
@@ -4708,14 +4731,14 @@
       </p:sp>
       <p:sp>
         <p:nvSpPr>
-          <p:cNvPr id="87" name="CustomShape 2"/>
+          <p:cNvPr id="88" name="CustomShape 2"/>
           <p:cNvSpPr/>
           <p:nvPr/>
         </p:nvSpPr>
         <p:spPr>
           <a:xfrm>
             <a:off x="648000" y="2223000"/>
-            <a:ext cx="8693640" cy="3608640"/>
+            <a:ext cx="8693280" cy="3608280"/>
           </a:xfrm>
           <a:prstGeom prst="rect">
             <a:avLst/>
@@ -4734,7 +4757,7 @@
         <p:txBody>
           <a:bodyPr lIns="90000" rIns="90000" tIns="45000" bIns="45000"/>
           <a:p>
-            <a:pPr marL="228600" indent="-227520" algn="just">
+            <a:pPr marL="228600" indent="-227160" algn="just">
               <a:lnSpc>
                 <a:spcPct val="100000"/>
               </a:lnSpc>
@@ -4787,7 +4810,7 @@
             </a:endParaRPr>
           </a:p>
           <a:p>
-            <a:pPr lvl="1" marL="685800" indent="-227520" algn="just">
+            <a:pPr lvl="1" marL="685800" indent="-227160" algn="just">
               <a:lnSpc>
                 <a:spcPct val="100000"/>
               </a:lnSpc>
@@ -4825,7 +4848,7 @@
             </a:endParaRPr>
           </a:p>
           <a:p>
-            <a:pPr lvl="1" marL="685800" indent="-227520" algn="just">
+            <a:pPr lvl="1" marL="685800" indent="-227160" algn="just">
               <a:lnSpc>
                 <a:spcPct val="100000"/>
               </a:lnSpc>
@@ -4881,7 +4904,7 @@
             </a:endParaRPr>
           </a:p>
           <a:p>
-            <a:pPr marL="228600" indent="-227520" algn="just">
+            <a:pPr marL="228600" indent="-227160" algn="just">
               <a:lnSpc>
                 <a:spcPct val="100000"/>
               </a:lnSpc>
@@ -4934,7 +4957,7 @@
             </a:endParaRPr>
           </a:p>
           <a:p>
-            <a:pPr lvl="1" marL="685800" indent="-227520" algn="just">
+            <a:pPr lvl="1" marL="685800" indent="-227160" algn="just">
               <a:lnSpc>
                 <a:spcPct val="100000"/>
               </a:lnSpc>
@@ -4972,7 +4995,7 @@
             </a:endParaRPr>
           </a:p>
           <a:p>
-            <a:pPr lvl="1" marL="685800" indent="-227520" algn="just">
+            <a:pPr lvl="1" marL="685800" indent="-227160" algn="just">
               <a:lnSpc>
                 <a:spcPct val="100000"/>
               </a:lnSpc>
@@ -5010,7 +5033,7 @@
             </a:endParaRPr>
           </a:p>
           <a:p>
-            <a:pPr lvl="1" marL="685800" indent="-227520" algn="just">
+            <a:pPr lvl="1" marL="685800" indent="-227160" algn="just">
               <a:lnSpc>
                 <a:spcPct val="100000"/>
               </a:lnSpc>
@@ -5069,14 +5092,14 @@
       </p:sp>
       <p:sp>
         <p:nvSpPr>
-          <p:cNvPr id="88" name="CustomShape 3"/>
+          <p:cNvPr id="89" name="CustomShape 3"/>
           <p:cNvSpPr/>
           <p:nvPr/>
         </p:nvSpPr>
         <p:spPr>
           <a:xfrm rot="5400000">
-            <a:off x="7878240" y="-36000"/>
-            <a:ext cx="2154240" cy="2228760"/>
+            <a:off x="7878600" y="-35640"/>
+            <a:ext cx="2153880" cy="2228400"/>
           </a:xfrm>
           <a:prstGeom prst="pie">
             <a:avLst>
@@ -5114,14 +5137,14 @@
       </p:sp>
       <p:sp>
         <p:nvSpPr>
-          <p:cNvPr id="89" name="CustomShape 4"/>
+          <p:cNvPr id="90" name="CustomShape 4"/>
           <p:cNvSpPr/>
           <p:nvPr/>
         </p:nvSpPr>
         <p:spPr>
           <a:xfrm>
             <a:off x="8921880" y="136080"/>
-            <a:ext cx="1028880" cy="963000"/>
+            <a:ext cx="1028520" cy="962640"/>
           </a:xfrm>
           <a:prstGeom prst="rect">
             <a:avLst/>
@@ -5225,14 +5248,14 @@
       </p:grpSpPr>
       <p:sp>
         <p:nvSpPr>
-          <p:cNvPr id="90" name="CustomShape 1"/>
+          <p:cNvPr id="91" name="CustomShape 1"/>
           <p:cNvSpPr/>
           <p:nvPr/>
         </p:nvSpPr>
         <p:spPr>
           <a:xfrm>
             <a:off x="692640" y="126360"/>
-            <a:ext cx="8693640" cy="1121760"/>
+            <a:ext cx="8693280" cy="1121400"/>
           </a:xfrm>
           <a:prstGeom prst="rect">
             <a:avLst/>
@@ -5287,14 +5310,14 @@
       </p:sp>
       <p:sp>
         <p:nvSpPr>
-          <p:cNvPr id="91" name="CustomShape 2"/>
+          <p:cNvPr id="92" name="CustomShape 2"/>
           <p:cNvSpPr/>
           <p:nvPr/>
         </p:nvSpPr>
         <p:spPr>
           <a:xfrm>
             <a:off x="648000" y="2223000"/>
-            <a:ext cx="8693640" cy="3608640"/>
+            <a:ext cx="8693280" cy="3608280"/>
           </a:xfrm>
           <a:prstGeom prst="rect">
             <a:avLst/>
@@ -5313,7 +5336,7 @@
         <p:txBody>
           <a:bodyPr lIns="90000" rIns="90000" tIns="45000" bIns="45000"/>
           <a:p>
-            <a:pPr marL="228600" indent="-227520" algn="just">
+            <a:pPr marL="228600" indent="-227160" algn="just">
               <a:lnSpc>
                 <a:spcPct val="100000"/>
               </a:lnSpc>
@@ -5366,7 +5389,7 @@
             </a:endParaRPr>
           </a:p>
           <a:p>
-            <a:pPr lvl="1" marL="685800" indent="-227520" algn="just">
+            <a:pPr lvl="1" marL="685800" indent="-227160" algn="just">
               <a:lnSpc>
                 <a:spcPct val="100000"/>
               </a:lnSpc>
@@ -5404,7 +5427,7 @@
             </a:endParaRPr>
           </a:p>
           <a:p>
-            <a:pPr lvl="1" marL="685800" indent="-227520" algn="just">
+            <a:pPr lvl="1" marL="685800" indent="-227160" algn="just">
               <a:lnSpc>
                 <a:spcPct val="100000"/>
               </a:lnSpc>
@@ -5442,7 +5465,7 @@
             </a:endParaRPr>
           </a:p>
           <a:p>
-            <a:pPr lvl="1" marL="685800" indent="-227520" algn="just">
+            <a:pPr lvl="1" marL="685800" indent="-227160" algn="just">
               <a:lnSpc>
                 <a:spcPct val="100000"/>
               </a:lnSpc>
@@ -5480,7 +5503,7 @@
             </a:endParaRPr>
           </a:p>
           <a:p>
-            <a:pPr lvl="1" marL="685800" indent="-227520" algn="just">
+            <a:pPr lvl="1" marL="685800" indent="-227160" algn="just">
               <a:lnSpc>
                 <a:spcPct val="100000"/>
               </a:lnSpc>
@@ -5518,7 +5541,7 @@
             </a:endParaRPr>
           </a:p>
           <a:p>
-            <a:pPr lvl="1" marL="685800" indent="-227520" algn="just">
+            <a:pPr lvl="1" marL="685800" indent="-227160" algn="just">
               <a:lnSpc>
                 <a:spcPct val="100000"/>
               </a:lnSpc>
@@ -5556,7 +5579,7 @@
             </a:endParaRPr>
           </a:p>
           <a:p>
-            <a:pPr marL="228600" indent="-227520" algn="just">
+            <a:pPr marL="228600" indent="-227160" algn="just">
               <a:lnSpc>
                 <a:spcPct val="100000"/>
               </a:lnSpc>
@@ -5597,14 +5620,14 @@
       </p:sp>
       <p:sp>
         <p:nvSpPr>
-          <p:cNvPr id="92" name="CustomShape 3"/>
+          <p:cNvPr id="93" name="CustomShape 3"/>
           <p:cNvSpPr/>
           <p:nvPr/>
         </p:nvSpPr>
         <p:spPr>
           <a:xfrm rot="5400000">
-            <a:off x="7878240" y="-36000"/>
-            <a:ext cx="2154240" cy="2228760"/>
+            <a:off x="7878600" y="-35640"/>
+            <a:ext cx="2153880" cy="2228400"/>
           </a:xfrm>
           <a:prstGeom prst="pie">
             <a:avLst>
@@ -5642,14 +5665,14 @@
       </p:sp>
       <p:sp>
         <p:nvSpPr>
-          <p:cNvPr id="93" name="CustomShape 4"/>
+          <p:cNvPr id="94" name="CustomShape 4"/>
           <p:cNvSpPr/>
           <p:nvPr/>
         </p:nvSpPr>
         <p:spPr>
           <a:xfrm>
             <a:off x="8921880" y="136080"/>
-            <a:ext cx="1028880" cy="963000"/>
+            <a:ext cx="1028520" cy="962640"/>
           </a:xfrm>
           <a:prstGeom prst="rect">
             <a:avLst/>
@@ -5753,14 +5776,14 @@
       </p:grpSpPr>
       <p:sp>
         <p:nvSpPr>
-          <p:cNvPr id="94" name="CustomShape 1"/>
+          <p:cNvPr id="95" name="CustomShape 1"/>
           <p:cNvSpPr/>
           <p:nvPr/>
         </p:nvSpPr>
         <p:spPr>
           <a:xfrm>
             <a:off x="692640" y="126360"/>
-            <a:ext cx="8693640" cy="1121760"/>
+            <a:ext cx="8693280" cy="1121400"/>
           </a:xfrm>
           <a:prstGeom prst="rect">
             <a:avLst/>
@@ -5815,14 +5838,14 @@
       </p:sp>
       <p:sp>
         <p:nvSpPr>
-          <p:cNvPr id="95" name="CustomShape 2"/>
+          <p:cNvPr id="96" name="CustomShape 2"/>
           <p:cNvSpPr/>
           <p:nvPr/>
         </p:nvSpPr>
         <p:spPr>
           <a:xfrm>
             <a:off x="648000" y="2223000"/>
-            <a:ext cx="8693640" cy="3608640"/>
+            <a:ext cx="8693280" cy="3608280"/>
           </a:xfrm>
           <a:prstGeom prst="rect">
             <a:avLst/>
@@ -5841,7 +5864,7 @@
         <p:txBody>
           <a:bodyPr lIns="90000" rIns="90000" tIns="45000" bIns="45000"/>
           <a:p>
-            <a:pPr marL="228600" indent="-227520" algn="just">
+            <a:pPr marL="228600" indent="-227160" algn="just">
               <a:lnSpc>
                 <a:spcPct val="100000"/>
               </a:lnSpc>
@@ -5879,7 +5902,7 @@
             </a:endParaRPr>
           </a:p>
           <a:p>
-            <a:pPr marL="228600" indent="-227520" algn="just">
+            <a:pPr marL="228600" indent="-227160" algn="just">
               <a:lnSpc>
                 <a:spcPct val="100000"/>
               </a:lnSpc>
@@ -5932,7 +5955,7 @@
             </a:endParaRPr>
           </a:p>
           <a:p>
-            <a:pPr lvl="1" marL="685800" indent="-227520" algn="just">
+            <a:pPr lvl="1" marL="685800" indent="-227160" algn="just">
               <a:lnSpc>
                 <a:spcPct val="100000"/>
               </a:lnSpc>
@@ -5970,7 +5993,7 @@
             </a:endParaRPr>
           </a:p>
           <a:p>
-            <a:pPr lvl="1" marL="685800" indent="-227520" algn="just">
+            <a:pPr lvl="1" marL="685800" indent="-227160" algn="just">
               <a:lnSpc>
                 <a:spcPct val="100000"/>
               </a:lnSpc>
@@ -6008,7 +6031,7 @@
             </a:endParaRPr>
           </a:p>
           <a:p>
-            <a:pPr lvl="1" marL="685800" indent="-227520" algn="just">
+            <a:pPr lvl="1" marL="685800" indent="-227160" algn="just">
               <a:lnSpc>
                 <a:spcPct val="100000"/>
               </a:lnSpc>
@@ -6046,7 +6069,7 @@
             </a:endParaRPr>
           </a:p>
           <a:p>
-            <a:pPr lvl="1" marL="685800" indent="-227520" algn="just">
+            <a:pPr lvl="1" marL="685800" indent="-227160" algn="just">
               <a:lnSpc>
                 <a:spcPct val="100000"/>
               </a:lnSpc>
@@ -6084,7 +6107,7 @@
             </a:endParaRPr>
           </a:p>
           <a:p>
-            <a:pPr lvl="1" marL="685800" indent="-227520" algn="just">
+            <a:pPr lvl="1" marL="685800" indent="-227160" algn="just">
               <a:lnSpc>
                 <a:spcPct val="100000"/>
               </a:lnSpc>
@@ -6122,7 +6145,7 @@
             </a:endParaRPr>
           </a:p>
           <a:p>
-            <a:pPr marL="228600" indent="-227520" algn="just">
+            <a:pPr marL="228600" indent="-227160" algn="just">
               <a:lnSpc>
                 <a:spcPct val="100000"/>
               </a:lnSpc>
@@ -6163,14 +6186,14 @@
       </p:sp>
       <p:sp>
         <p:nvSpPr>
-          <p:cNvPr id="96" name="CustomShape 3"/>
+          <p:cNvPr id="97" name="CustomShape 3"/>
           <p:cNvSpPr/>
           <p:nvPr/>
         </p:nvSpPr>
         <p:spPr>
           <a:xfrm rot="5400000">
-            <a:off x="7878240" y="-36000"/>
-            <a:ext cx="2154240" cy="2228760"/>
+            <a:off x="7878600" y="-35640"/>
+            <a:ext cx="2153880" cy="2228400"/>
           </a:xfrm>
           <a:prstGeom prst="pie">
             <a:avLst>
@@ -6208,14 +6231,14 @@
       </p:sp>
       <p:sp>
         <p:nvSpPr>
-          <p:cNvPr id="97" name="CustomShape 4"/>
+          <p:cNvPr id="98" name="CustomShape 4"/>
           <p:cNvSpPr/>
           <p:nvPr/>
         </p:nvSpPr>
         <p:spPr>
           <a:xfrm>
             <a:off x="8921880" y="136080"/>
-            <a:ext cx="1028880" cy="963000"/>
+            <a:ext cx="1028520" cy="962640"/>
           </a:xfrm>
           <a:prstGeom prst="rect">
             <a:avLst/>
